--- a/apresentacao.pptx
+++ b/apresentacao.pptx
@@ -4,21 +4,28 @@
   <p:sldMasterIdLst>
     <p:sldMasterId id="2147483648" r:id="rId2"/>
     <p:sldMasterId id="2147483661" r:id="rId3"/>
+    <p:sldMasterId id="2147483674" r:id="rId4"/>
+    <p:sldMasterId id="2147483687" r:id="rId5"/>
   </p:sldMasterIdLst>
   <p:notesMasterIdLst>
-    <p:notesMasterId r:id="rId4"/>
+    <p:notesMasterId r:id="rId6"/>
   </p:notesMasterIdLst>
   <p:sldIdLst>
-    <p:sldId id="256" r:id="rId5"/>
-    <p:sldId id="257" r:id="rId6"/>
-    <p:sldId id="258" r:id="rId7"/>
-    <p:sldId id="259" r:id="rId8"/>
-    <p:sldId id="260" r:id="rId9"/>
-    <p:sldId id="261" r:id="rId10"/>
-    <p:sldId id="262" r:id="rId11"/>
-    <p:sldId id="263" r:id="rId12"/>
-    <p:sldId id="264" r:id="rId13"/>
-    <p:sldId id="265" r:id="rId14"/>
+    <p:sldId id="256" r:id="rId7"/>
+    <p:sldId id="257" r:id="rId8"/>
+    <p:sldId id="258" r:id="rId9"/>
+    <p:sldId id="259" r:id="rId10"/>
+    <p:sldId id="260" r:id="rId11"/>
+    <p:sldId id="261" r:id="rId12"/>
+    <p:sldId id="262" r:id="rId13"/>
+    <p:sldId id="263" r:id="rId14"/>
+    <p:sldId id="264" r:id="rId15"/>
+    <p:sldId id="265" r:id="rId16"/>
+    <p:sldId id="266" r:id="rId17"/>
+    <p:sldId id="267" r:id="rId18"/>
+    <p:sldId id="268" r:id="rId19"/>
+    <p:sldId id="269" r:id="rId20"/>
+    <p:sldId id="270" r:id="rId21"/>
   </p:sldIdLst>
   <p:sldSz cx="12192000" cy="6858000"/>
   <p:notesSz cx="6858000" cy="9144000"/>
@@ -44,7 +51,7 @@
       </p:grpSpPr>
       <p:sp>
         <p:nvSpPr>
-          <p:cNvPr id="78" name="PlaceHolder 1"/>
+          <p:cNvPr id="144" name="PlaceHolder 1"/>
           <p:cNvSpPr>
             <a:spLocks noGrp="1"/>
           </p:cNvSpPr>
@@ -76,7 +83,7 @@
       </p:sp>
       <p:sp>
         <p:nvSpPr>
-          <p:cNvPr id="79" name="PlaceHolder 2"/>
+          <p:cNvPr id="145" name="PlaceHolder 2"/>
           <p:cNvSpPr>
             <a:spLocks noGrp="1"/>
           </p:cNvSpPr>
@@ -108,7 +115,7 @@
       </p:sp>
       <p:sp>
         <p:nvSpPr>
-          <p:cNvPr id="80" name="PlaceHolder 3"/>
+          <p:cNvPr id="146" name="PlaceHolder 3"/>
           <p:cNvSpPr>
             <a:spLocks noGrp="1"/>
           </p:cNvSpPr>
@@ -141,7 +148,7 @@
       </p:sp>
       <p:sp>
         <p:nvSpPr>
-          <p:cNvPr id="81" name="PlaceHolder 4"/>
+          <p:cNvPr id="147" name="PlaceHolder 4"/>
           <p:cNvSpPr>
             <a:spLocks noGrp="1"/>
           </p:cNvSpPr>
@@ -173,7 +180,7 @@
       </p:sp>
       <p:sp>
         <p:nvSpPr>
-          <p:cNvPr id="82" name="PlaceHolder 5"/>
+          <p:cNvPr id="148" name="PlaceHolder 5"/>
           <p:cNvSpPr>
             <a:spLocks noGrp="1"/>
           </p:cNvSpPr>
@@ -194,7 +201,7 @@
           <a:bodyPr lIns="0" rIns="0" tIns="0" bIns="0" anchor="b"/>
           <a:p>
             <a:pPr algn="r"/>
-            <a:fld id="{8C31FADF-7617-4B2C-9BBD-6C7EDAD71B13}" type="slidenum">
+            <a:fld id="{1B078EF4-E253-4262-B7B5-D089E766E472}" type="slidenum">
               <a:rPr lang="en-AU" sz="1400">
                 <a:latin typeface="Times New Roman"/>
               </a:rPr>
@@ -210,7 +217,7 @@
 </p:notesMaster>
 </file>
 
-<file path=ppt/notesSlides/notesSlide7.xml><?xml version="1.0" encoding="utf-8"?>
+<file path=ppt/notesSlides/notesSlide9.xml><?xml version="1.0" encoding="utf-8"?>
 <p:notes xmlns:a="http://schemas.openxmlformats.org/drawingml/2006/main" xmlns:p="http://schemas.openxmlformats.org/presentationml/2006/main" xmlns:r="http://schemas.openxmlformats.org/officeDocument/2006/relationships">
   <p:cSld>
     <p:spTree>
@@ -229,7 +236,7 @@
       </p:grpSpPr>
       <p:sp>
         <p:nvSpPr>
-          <p:cNvPr id="107" name="PlaceHolder 1"/>
+          <p:cNvPr id="188" name="PlaceHolder 1"/>
           <p:cNvSpPr>
             <a:spLocks noGrp="1"/>
           </p:cNvSpPr>
@@ -240,43 +247,47 @@
         <p:spPr>
           <a:xfrm>
             <a:off x="685800" y="4400640"/>
-            <a:ext cx="5486040" cy="3600000"/>
-          </a:xfrm>
-          <a:prstGeom prst="rect">
-            <a:avLst/>
-          </a:prstGeom>
-        </p:spPr>
-        <p:txBody>
-          <a:bodyPr/>
-          <a:p>
-            <a:endParaRPr/>
-          </a:p>
-        </p:txBody>
-      </p:sp>
-      <p:sp>
-        <p:nvSpPr>
-          <p:cNvPr id="108" name="TextShape 2"/>
-          <p:cNvSpPr txBox="1"/>
+            <a:ext cx="5485320" cy="3599280"/>
+          </a:xfrm>
+          <a:prstGeom prst="rect">
+            <a:avLst/>
+          </a:prstGeom>
+        </p:spPr>
+        <p:txBody>
+          <a:bodyPr lIns="0" rIns="0" tIns="0" bIns="0"/>
+          <a:p>
+            <a:endParaRPr/>
+          </a:p>
+        </p:txBody>
+      </p:sp>
+      <p:sp>
+        <p:nvSpPr>
+          <p:cNvPr id="189" name="CustomShape 2"/>
+          <p:cNvSpPr/>
           <p:nvPr/>
         </p:nvSpPr>
         <p:spPr>
           <a:xfrm>
             <a:off x="3884760" y="8685360"/>
-            <a:ext cx="2971440" cy="458280"/>
-          </a:xfrm>
-          <a:prstGeom prst="rect">
-            <a:avLst/>
-          </a:prstGeom>
-        </p:spPr>
-        <p:txBody>
-          <a:bodyPr anchor="b"/>
+            <a:ext cx="2970720" cy="457560"/>
+          </a:xfrm>
+          <a:prstGeom prst="rect">
+            <a:avLst/>
+          </a:prstGeom>
+          <a:noFill/>
+          <a:ln>
+            <a:noFill/>
+          </a:ln>
+        </p:spPr>
+        <p:txBody>
+          <a:bodyPr lIns="90000" rIns="90000" tIns="45000" bIns="45000" anchor="b"/>
           <a:p>
             <a:pPr algn="r">
               <a:lnSpc>
                 <a:spcPct val="100000"/>
               </a:lnSpc>
             </a:pPr>
-            <a:fld id="{4F7C05E1-0400-4DF8-B9C1-BF67F5F978DF}" type="slidenum">
+            <a:fld id="{83BD7E74-E366-4AC9-BD2B-5CA1823C9391}" type="slidenum">
               <a:rPr lang="en-AU" sz="1200">
                 <a:solidFill>
                   <a:srgbClr val="000000"/>
@@ -336,7 +347,7 @@
       </p:grpSpPr>
       <p:sp>
         <p:nvSpPr>
-          <p:cNvPr id="26" name="PlaceHolder 1"/>
+          <p:cNvPr id="23" name="PlaceHolder 1"/>
           <p:cNvSpPr>
             <a:spLocks noGrp="1"/>
           </p:cNvSpPr>
@@ -346,8 +357,8 @@
         </p:nvSpPr>
         <p:spPr>
           <a:xfrm>
-            <a:off x="838080" y="365040"/>
-            <a:ext cx="10515240" cy="1325520"/>
+            <a:off x="609480" y="273600"/>
+            <a:ext cx="10972440" cy="1145160"/>
           </a:xfrm>
           <a:prstGeom prst="rect">
             <a:avLst/>
@@ -356,13 +367,14 @@
         <p:txBody>
           <a:bodyPr lIns="0" rIns="0" tIns="0" bIns="0" anchor="ctr"/>
           <a:p>
-            <a:endParaRPr/>
-          </a:p>
-        </p:txBody>
-      </p:sp>
-      <p:sp>
-        <p:nvSpPr>
-          <p:cNvPr id="27" name="PlaceHolder 2"/>
+            <a:pPr algn="ctr"/>
+            <a:endParaRPr/>
+          </a:p>
+        </p:txBody>
+      </p:sp>
+      <p:sp>
+        <p:nvSpPr>
+          <p:cNvPr id="24" name="PlaceHolder 2"/>
           <p:cNvSpPr>
             <a:spLocks noGrp="1"/>
           </p:cNvSpPr>
@@ -372,8 +384,8 @@
         </p:nvSpPr>
         <p:spPr>
           <a:xfrm>
-            <a:off x="838080" y="1825560"/>
-            <a:ext cx="10515240" cy="2075040"/>
+            <a:off x="609480" y="1604520"/>
+            <a:ext cx="10972440" cy="1896840"/>
           </a:xfrm>
           <a:prstGeom prst="rect">
             <a:avLst/>
@@ -388,7 +400,7 @@
       </p:sp>
       <p:sp>
         <p:nvSpPr>
-          <p:cNvPr id="28" name="PlaceHolder 3"/>
+          <p:cNvPr id="25" name="PlaceHolder 3"/>
           <p:cNvSpPr>
             <a:spLocks noGrp="1"/>
           </p:cNvSpPr>
@@ -398,8 +410,8 @@
         </p:nvSpPr>
         <p:spPr>
           <a:xfrm>
-            <a:off x="838080" y="4098240"/>
-            <a:ext cx="10515240" cy="2075040"/>
+            <a:off x="609480" y="3682080"/>
+            <a:ext cx="10972440" cy="1896840"/>
           </a:xfrm>
           <a:prstGeom prst="rect">
             <a:avLst/>
@@ -436,7 +448,7 @@
       </p:grpSpPr>
       <p:sp>
         <p:nvSpPr>
-          <p:cNvPr id="29" name="PlaceHolder 1"/>
+          <p:cNvPr id="26" name="PlaceHolder 1"/>
           <p:cNvSpPr>
             <a:spLocks noGrp="1"/>
           </p:cNvSpPr>
@@ -446,8 +458,8 @@
         </p:nvSpPr>
         <p:spPr>
           <a:xfrm>
-            <a:off x="838080" y="365040"/>
-            <a:ext cx="10515240" cy="1325520"/>
+            <a:off x="609480" y="273600"/>
+            <a:ext cx="10972440" cy="1145160"/>
           </a:xfrm>
           <a:prstGeom prst="rect">
             <a:avLst/>
@@ -456,13 +468,14 @@
         <p:txBody>
           <a:bodyPr lIns="0" rIns="0" tIns="0" bIns="0" anchor="ctr"/>
           <a:p>
-            <a:endParaRPr/>
-          </a:p>
-        </p:txBody>
-      </p:sp>
-      <p:sp>
-        <p:nvSpPr>
-          <p:cNvPr id="30" name="PlaceHolder 2"/>
+            <a:pPr algn="ctr"/>
+            <a:endParaRPr/>
+          </a:p>
+        </p:txBody>
+      </p:sp>
+      <p:sp>
+        <p:nvSpPr>
+          <p:cNvPr id="27" name="PlaceHolder 2"/>
           <p:cNvSpPr>
             <a:spLocks noGrp="1"/>
           </p:cNvSpPr>
@@ -472,8 +485,8 @@
         </p:nvSpPr>
         <p:spPr>
           <a:xfrm>
-            <a:off x="838080" y="1825560"/>
-            <a:ext cx="5131080" cy="2075040"/>
+            <a:off x="609480" y="1604520"/>
+            <a:ext cx="5354280" cy="1896840"/>
           </a:xfrm>
           <a:prstGeom prst="rect">
             <a:avLst/>
@@ -488,7 +501,7 @@
       </p:sp>
       <p:sp>
         <p:nvSpPr>
-          <p:cNvPr id="31" name="PlaceHolder 3"/>
+          <p:cNvPr id="28" name="PlaceHolder 3"/>
           <p:cNvSpPr>
             <a:spLocks noGrp="1"/>
           </p:cNvSpPr>
@@ -498,8 +511,8 @@
         </p:nvSpPr>
         <p:spPr>
           <a:xfrm>
-            <a:off x="6226200" y="1825560"/>
-            <a:ext cx="5131080" cy="2075040"/>
+            <a:off x="6231960" y="1604520"/>
+            <a:ext cx="5354280" cy="1896840"/>
           </a:xfrm>
           <a:prstGeom prst="rect">
             <a:avLst/>
@@ -514,7 +527,7 @@
       </p:sp>
       <p:sp>
         <p:nvSpPr>
-          <p:cNvPr id="32" name="PlaceHolder 4"/>
+          <p:cNvPr id="29" name="PlaceHolder 4"/>
           <p:cNvSpPr>
             <a:spLocks noGrp="1"/>
           </p:cNvSpPr>
@@ -524,8 +537,8 @@
         </p:nvSpPr>
         <p:spPr>
           <a:xfrm>
-            <a:off x="6226200" y="4098240"/>
-            <a:ext cx="5131080" cy="2075040"/>
+            <a:off x="6231960" y="3682080"/>
+            <a:ext cx="5354280" cy="1896840"/>
           </a:xfrm>
           <a:prstGeom prst="rect">
             <a:avLst/>
@@ -540,7 +553,7 @@
       </p:sp>
       <p:sp>
         <p:nvSpPr>
-          <p:cNvPr id="33" name="PlaceHolder 5"/>
+          <p:cNvPr id="30" name="PlaceHolder 5"/>
           <p:cNvSpPr>
             <a:spLocks noGrp="1"/>
           </p:cNvSpPr>
@@ -550,8 +563,8 @@
         </p:nvSpPr>
         <p:spPr>
           <a:xfrm>
-            <a:off x="838080" y="4098240"/>
-            <a:ext cx="5131080" cy="2075040"/>
+            <a:off x="609480" y="3682080"/>
+            <a:ext cx="5354280" cy="1896840"/>
           </a:xfrm>
           <a:prstGeom prst="rect">
             <a:avLst/>
@@ -588,7 +601,7 @@
       </p:grpSpPr>
       <p:sp>
         <p:nvSpPr>
-          <p:cNvPr id="34" name="PlaceHolder 1"/>
+          <p:cNvPr id="31" name="PlaceHolder 1"/>
           <p:cNvSpPr>
             <a:spLocks noGrp="1"/>
           </p:cNvSpPr>
@@ -598,8 +611,8 @@
         </p:nvSpPr>
         <p:spPr>
           <a:xfrm>
-            <a:off x="838080" y="365040"/>
-            <a:ext cx="10515240" cy="1325520"/>
+            <a:off x="609480" y="273600"/>
+            <a:ext cx="10972440" cy="1145160"/>
           </a:xfrm>
           <a:prstGeom prst="rect">
             <a:avLst/>
@@ -608,13 +621,14 @@
         <p:txBody>
           <a:bodyPr lIns="0" rIns="0" tIns="0" bIns="0" anchor="ctr"/>
           <a:p>
-            <a:endParaRPr/>
-          </a:p>
-        </p:txBody>
-      </p:sp>
-      <p:sp>
-        <p:nvSpPr>
-          <p:cNvPr id="35" name="PlaceHolder 2"/>
+            <a:pPr algn="ctr"/>
+            <a:endParaRPr/>
+          </a:p>
+        </p:txBody>
+      </p:sp>
+      <p:sp>
+        <p:nvSpPr>
+          <p:cNvPr id="32" name="PlaceHolder 2"/>
           <p:cNvSpPr>
             <a:spLocks noGrp="1"/>
           </p:cNvSpPr>
@@ -624,8 +638,8 @@
         </p:nvSpPr>
         <p:spPr>
           <a:xfrm>
-            <a:off x="838080" y="1825560"/>
-            <a:ext cx="10515240" cy="4350960"/>
+            <a:off x="609480" y="1604520"/>
+            <a:ext cx="10972440" cy="3977280"/>
           </a:xfrm>
           <a:prstGeom prst="rect">
             <a:avLst/>
@@ -640,7 +654,7 @@
       </p:sp>
       <p:sp>
         <p:nvSpPr>
-          <p:cNvPr id="36" name="PlaceHolder 3"/>
+          <p:cNvPr id="33" name="PlaceHolder 3"/>
           <p:cNvSpPr>
             <a:spLocks noGrp="1"/>
           </p:cNvSpPr>
@@ -650,8 +664,8 @@
         </p:nvSpPr>
         <p:spPr>
           <a:xfrm>
-            <a:off x="838080" y="1825560"/>
-            <a:ext cx="10515240" cy="4350960"/>
+            <a:off x="609480" y="1604520"/>
+            <a:ext cx="10972440" cy="3977280"/>
           </a:xfrm>
           <a:prstGeom prst="rect">
             <a:avLst/>
@@ -666,7 +680,7 @@
       </p:sp>
       <p:pic>
         <p:nvPicPr>
-          <p:cNvPr id="37" name="" descr=""/>
+          <p:cNvPr id="34" name="" descr=""/>
           <p:cNvPicPr/>
           <p:nvPr/>
         </p:nvPicPr>
@@ -678,8 +692,8 @@
         </p:blipFill>
         <p:spPr>
           <a:xfrm>
-            <a:off x="3368880" y="1825560"/>
-            <a:ext cx="5452920" cy="4350960"/>
+            <a:off x="3602880" y="1604520"/>
+            <a:ext cx="4984920" cy="3977280"/>
           </a:xfrm>
           <a:prstGeom prst="rect">
             <a:avLst/>
@@ -691,7 +705,7 @@
       </p:pic>
       <p:pic>
         <p:nvPicPr>
-          <p:cNvPr id="38" name="" descr=""/>
+          <p:cNvPr id="35" name="" descr=""/>
           <p:cNvPicPr/>
           <p:nvPr/>
         </p:nvPicPr>
@@ -703,8 +717,8 @@
         </p:blipFill>
         <p:spPr>
           <a:xfrm>
-            <a:off x="3368880" y="1825560"/>
-            <a:ext cx="5452920" cy="4350960"/>
+            <a:off x="3602880" y="1604520"/>
+            <a:ext cx="4984920" cy="3977280"/>
           </a:xfrm>
           <a:prstGeom prst="rect">
             <a:avLst/>
@@ -760,7 +774,7 @@
       </p:grpSpPr>
       <p:sp>
         <p:nvSpPr>
-          <p:cNvPr id="44" name="PlaceHolder 1"/>
+          <p:cNvPr id="38" name="PlaceHolder 1"/>
           <p:cNvSpPr>
             <a:spLocks noGrp="1"/>
           </p:cNvSpPr>
@@ -770,8 +784,8 @@
         </p:nvSpPr>
         <p:spPr>
           <a:xfrm>
-            <a:off x="838080" y="365040"/>
-            <a:ext cx="10515240" cy="1325520"/>
+            <a:off x="609480" y="273600"/>
+            <a:ext cx="10972440" cy="1145160"/>
           </a:xfrm>
           <a:prstGeom prst="rect">
             <a:avLst/>
@@ -780,13 +794,14 @@
         <p:txBody>
           <a:bodyPr lIns="0" rIns="0" tIns="0" bIns="0" anchor="ctr"/>
           <a:p>
-            <a:endParaRPr/>
-          </a:p>
-        </p:txBody>
-      </p:sp>
-      <p:sp>
-        <p:nvSpPr>
-          <p:cNvPr id="45" name="PlaceHolder 2"/>
+            <a:pPr algn="ctr"/>
+            <a:endParaRPr/>
+          </a:p>
+        </p:txBody>
+      </p:sp>
+      <p:sp>
+        <p:nvSpPr>
+          <p:cNvPr id="39" name="PlaceHolder 2"/>
           <p:cNvSpPr>
             <a:spLocks noGrp="1"/>
           </p:cNvSpPr>
@@ -796,8 +811,8 @@
         </p:nvSpPr>
         <p:spPr>
           <a:xfrm>
-            <a:off x="838080" y="1825560"/>
-            <a:ext cx="10515240" cy="4351320"/>
+            <a:off x="609480" y="1604520"/>
+            <a:ext cx="10972440" cy="3977640"/>
           </a:xfrm>
           <a:prstGeom prst="rect">
             <a:avLst/>
@@ -835,7 +850,7 @@
       </p:grpSpPr>
       <p:sp>
         <p:nvSpPr>
-          <p:cNvPr id="46" name="PlaceHolder 1"/>
+          <p:cNvPr id="40" name="PlaceHolder 1"/>
           <p:cNvSpPr>
             <a:spLocks noGrp="1"/>
           </p:cNvSpPr>
@@ -845,8 +860,8 @@
         </p:nvSpPr>
         <p:spPr>
           <a:xfrm>
-            <a:off x="838080" y="365040"/>
-            <a:ext cx="10515240" cy="1325520"/>
+            <a:off x="609480" y="273600"/>
+            <a:ext cx="10972440" cy="1145160"/>
           </a:xfrm>
           <a:prstGeom prst="rect">
             <a:avLst/>
@@ -855,13 +870,14 @@
         <p:txBody>
           <a:bodyPr lIns="0" rIns="0" tIns="0" bIns="0" anchor="ctr"/>
           <a:p>
-            <a:endParaRPr/>
-          </a:p>
-        </p:txBody>
-      </p:sp>
-      <p:sp>
-        <p:nvSpPr>
-          <p:cNvPr id="47" name="PlaceHolder 2"/>
+            <a:pPr algn="ctr"/>
+            <a:endParaRPr/>
+          </a:p>
+        </p:txBody>
+      </p:sp>
+      <p:sp>
+        <p:nvSpPr>
+          <p:cNvPr id="41" name="PlaceHolder 2"/>
           <p:cNvSpPr>
             <a:spLocks noGrp="1"/>
           </p:cNvSpPr>
@@ -871,8 +887,8 @@
         </p:nvSpPr>
         <p:spPr>
           <a:xfrm>
-            <a:off x="838080" y="1825560"/>
-            <a:ext cx="10515240" cy="4350960"/>
+            <a:off x="609480" y="1604520"/>
+            <a:ext cx="10972440" cy="3977280"/>
           </a:xfrm>
           <a:prstGeom prst="rect">
             <a:avLst/>
@@ -909,7 +925,7 @@
       </p:grpSpPr>
       <p:sp>
         <p:nvSpPr>
-          <p:cNvPr id="48" name="PlaceHolder 1"/>
+          <p:cNvPr id="42" name="PlaceHolder 1"/>
           <p:cNvSpPr>
             <a:spLocks noGrp="1"/>
           </p:cNvSpPr>
@@ -919,8 +935,8 @@
         </p:nvSpPr>
         <p:spPr>
           <a:xfrm>
-            <a:off x="838080" y="365040"/>
-            <a:ext cx="10515240" cy="1325520"/>
+            <a:off x="609480" y="273600"/>
+            <a:ext cx="10972440" cy="1145160"/>
           </a:xfrm>
           <a:prstGeom prst="rect">
             <a:avLst/>
@@ -929,13 +945,14 @@
         <p:txBody>
           <a:bodyPr lIns="0" rIns="0" tIns="0" bIns="0" anchor="ctr"/>
           <a:p>
-            <a:endParaRPr/>
-          </a:p>
-        </p:txBody>
-      </p:sp>
-      <p:sp>
-        <p:nvSpPr>
-          <p:cNvPr id="49" name="PlaceHolder 2"/>
+            <a:pPr algn="ctr"/>
+            <a:endParaRPr/>
+          </a:p>
+        </p:txBody>
+      </p:sp>
+      <p:sp>
+        <p:nvSpPr>
+          <p:cNvPr id="43" name="PlaceHolder 2"/>
           <p:cNvSpPr>
             <a:spLocks noGrp="1"/>
           </p:cNvSpPr>
@@ -945,8 +962,8 @@
         </p:nvSpPr>
         <p:spPr>
           <a:xfrm>
-            <a:off x="838080" y="1825560"/>
-            <a:ext cx="5131080" cy="4350960"/>
+            <a:off x="609480" y="1604520"/>
+            <a:ext cx="5354280" cy="3977280"/>
           </a:xfrm>
           <a:prstGeom prst="rect">
             <a:avLst/>
@@ -961,7 +978,7 @@
       </p:sp>
       <p:sp>
         <p:nvSpPr>
-          <p:cNvPr id="50" name="PlaceHolder 3"/>
+          <p:cNvPr id="44" name="PlaceHolder 3"/>
           <p:cNvSpPr>
             <a:spLocks noGrp="1"/>
           </p:cNvSpPr>
@@ -971,8 +988,8 @@
         </p:nvSpPr>
         <p:spPr>
           <a:xfrm>
-            <a:off x="6226200" y="1825560"/>
-            <a:ext cx="5131080" cy="4350960"/>
+            <a:off x="6231960" y="1604520"/>
+            <a:ext cx="5354280" cy="3977280"/>
           </a:xfrm>
           <a:prstGeom prst="rect">
             <a:avLst/>
@@ -1009,7 +1026,7 @@
       </p:grpSpPr>
       <p:sp>
         <p:nvSpPr>
-          <p:cNvPr id="51" name="PlaceHolder 1"/>
+          <p:cNvPr id="45" name="PlaceHolder 1"/>
           <p:cNvSpPr>
             <a:spLocks noGrp="1"/>
           </p:cNvSpPr>
@@ -1019,8 +1036,8 @@
         </p:nvSpPr>
         <p:spPr>
           <a:xfrm>
-            <a:off x="838080" y="365040"/>
-            <a:ext cx="10515240" cy="1325520"/>
+            <a:off x="609480" y="273600"/>
+            <a:ext cx="10972440" cy="1145160"/>
           </a:xfrm>
           <a:prstGeom prst="rect">
             <a:avLst/>
@@ -1029,6 +1046,7 @@
         <p:txBody>
           <a:bodyPr lIns="0" rIns="0" tIns="0" bIns="0" anchor="ctr"/>
           <a:p>
+            <a:pPr algn="ctr"/>
             <a:endParaRPr/>
           </a:p>
         </p:txBody>
@@ -1057,7 +1075,7 @@
       </p:grpSpPr>
       <p:sp>
         <p:nvSpPr>
-          <p:cNvPr id="52" name="PlaceHolder 1"/>
+          <p:cNvPr id="46" name="PlaceHolder 1"/>
           <p:cNvSpPr>
             <a:spLocks noGrp="1"/>
           </p:cNvSpPr>
@@ -1067,8 +1085,8 @@
         </p:nvSpPr>
         <p:spPr>
           <a:xfrm>
-            <a:off x="838080" y="365040"/>
-            <a:ext cx="10515240" cy="6144480"/>
+            <a:off x="609480" y="273600"/>
+            <a:ext cx="10972440" cy="5308200"/>
           </a:xfrm>
           <a:prstGeom prst="rect">
             <a:avLst/>
@@ -1106,7 +1124,7 @@
       </p:grpSpPr>
       <p:sp>
         <p:nvSpPr>
-          <p:cNvPr id="53" name="PlaceHolder 1"/>
+          <p:cNvPr id="47" name="PlaceHolder 1"/>
           <p:cNvSpPr>
             <a:spLocks noGrp="1"/>
           </p:cNvSpPr>
@@ -1116,8 +1134,8 @@
         </p:nvSpPr>
         <p:spPr>
           <a:xfrm>
-            <a:off x="838080" y="365040"/>
-            <a:ext cx="10515240" cy="1325520"/>
+            <a:off x="609480" y="273600"/>
+            <a:ext cx="10972440" cy="1145160"/>
           </a:xfrm>
           <a:prstGeom prst="rect">
             <a:avLst/>
@@ -1126,13 +1144,14 @@
         <p:txBody>
           <a:bodyPr lIns="0" rIns="0" tIns="0" bIns="0" anchor="ctr"/>
           <a:p>
-            <a:endParaRPr/>
-          </a:p>
-        </p:txBody>
-      </p:sp>
-      <p:sp>
-        <p:nvSpPr>
-          <p:cNvPr id="54" name="PlaceHolder 2"/>
+            <a:pPr algn="ctr"/>
+            <a:endParaRPr/>
+          </a:p>
+        </p:txBody>
+      </p:sp>
+      <p:sp>
+        <p:nvSpPr>
+          <p:cNvPr id="48" name="PlaceHolder 2"/>
           <p:cNvSpPr>
             <a:spLocks noGrp="1"/>
           </p:cNvSpPr>
@@ -1142,8 +1161,8 @@
         </p:nvSpPr>
         <p:spPr>
           <a:xfrm>
-            <a:off x="838080" y="1825560"/>
-            <a:ext cx="5131080" cy="2075040"/>
+            <a:off x="609480" y="1604520"/>
+            <a:ext cx="5354280" cy="1896840"/>
           </a:xfrm>
           <a:prstGeom prst="rect">
             <a:avLst/>
@@ -1158,7 +1177,7 @@
       </p:sp>
       <p:sp>
         <p:nvSpPr>
-          <p:cNvPr id="55" name="PlaceHolder 3"/>
+          <p:cNvPr id="49" name="PlaceHolder 3"/>
           <p:cNvSpPr>
             <a:spLocks noGrp="1"/>
           </p:cNvSpPr>
@@ -1168,8 +1187,8 @@
         </p:nvSpPr>
         <p:spPr>
           <a:xfrm>
-            <a:off x="838080" y="4098240"/>
-            <a:ext cx="5131080" cy="2075040"/>
+            <a:off x="609480" y="3682080"/>
+            <a:ext cx="5354280" cy="1896840"/>
           </a:xfrm>
           <a:prstGeom prst="rect">
             <a:avLst/>
@@ -1184,7 +1203,7 @@
       </p:sp>
       <p:sp>
         <p:nvSpPr>
-          <p:cNvPr id="56" name="PlaceHolder 4"/>
+          <p:cNvPr id="50" name="PlaceHolder 4"/>
           <p:cNvSpPr>
             <a:spLocks noGrp="1"/>
           </p:cNvSpPr>
@@ -1194,8 +1213,8 @@
         </p:nvSpPr>
         <p:spPr>
           <a:xfrm>
-            <a:off x="6226200" y="1825560"/>
-            <a:ext cx="5131080" cy="4350960"/>
+            <a:off x="6231960" y="1604520"/>
+            <a:ext cx="5354280" cy="3977280"/>
           </a:xfrm>
           <a:prstGeom prst="rect">
             <a:avLst/>
@@ -1232,7 +1251,7 @@
       </p:grpSpPr>
       <p:sp>
         <p:nvSpPr>
-          <p:cNvPr id="5" name="PlaceHolder 1"/>
+          <p:cNvPr id="2" name="PlaceHolder 1"/>
           <p:cNvSpPr>
             <a:spLocks noGrp="1"/>
           </p:cNvSpPr>
@@ -1242,8 +1261,8 @@
         </p:nvSpPr>
         <p:spPr>
           <a:xfrm>
-            <a:off x="838080" y="365040"/>
-            <a:ext cx="10515240" cy="1325520"/>
+            <a:off x="609480" y="273600"/>
+            <a:ext cx="10972440" cy="1145160"/>
           </a:xfrm>
           <a:prstGeom prst="rect">
             <a:avLst/>
@@ -1252,13 +1271,14 @@
         <p:txBody>
           <a:bodyPr lIns="0" rIns="0" tIns="0" bIns="0" anchor="ctr"/>
           <a:p>
-            <a:endParaRPr/>
-          </a:p>
-        </p:txBody>
-      </p:sp>
-      <p:sp>
-        <p:nvSpPr>
-          <p:cNvPr id="6" name="PlaceHolder 2"/>
+            <a:pPr algn="ctr"/>
+            <a:endParaRPr/>
+          </a:p>
+        </p:txBody>
+      </p:sp>
+      <p:sp>
+        <p:nvSpPr>
+          <p:cNvPr id="3" name="PlaceHolder 2"/>
           <p:cNvSpPr>
             <a:spLocks noGrp="1"/>
           </p:cNvSpPr>
@@ -1268,8 +1288,8 @@
         </p:nvSpPr>
         <p:spPr>
           <a:xfrm>
-            <a:off x="838080" y="1825560"/>
-            <a:ext cx="10515240" cy="4351320"/>
+            <a:off x="609480" y="1604520"/>
+            <a:ext cx="10972440" cy="3977640"/>
           </a:xfrm>
           <a:prstGeom prst="rect">
             <a:avLst/>
@@ -1307,7 +1327,7 @@
       </p:grpSpPr>
       <p:sp>
         <p:nvSpPr>
-          <p:cNvPr id="57" name="PlaceHolder 1"/>
+          <p:cNvPr id="51" name="PlaceHolder 1"/>
           <p:cNvSpPr>
             <a:spLocks noGrp="1"/>
           </p:cNvSpPr>
@@ -1317,8 +1337,8 @@
         </p:nvSpPr>
         <p:spPr>
           <a:xfrm>
-            <a:off x="838080" y="365040"/>
-            <a:ext cx="10515240" cy="1325520"/>
+            <a:off x="609480" y="273600"/>
+            <a:ext cx="10972440" cy="1145160"/>
           </a:xfrm>
           <a:prstGeom prst="rect">
             <a:avLst/>
@@ -1327,13 +1347,14 @@
         <p:txBody>
           <a:bodyPr lIns="0" rIns="0" tIns="0" bIns="0" anchor="ctr"/>
           <a:p>
-            <a:endParaRPr/>
-          </a:p>
-        </p:txBody>
-      </p:sp>
-      <p:sp>
-        <p:nvSpPr>
-          <p:cNvPr id="58" name="PlaceHolder 2"/>
+            <a:pPr algn="ctr"/>
+            <a:endParaRPr/>
+          </a:p>
+        </p:txBody>
+      </p:sp>
+      <p:sp>
+        <p:nvSpPr>
+          <p:cNvPr id="52" name="PlaceHolder 2"/>
           <p:cNvSpPr>
             <a:spLocks noGrp="1"/>
           </p:cNvSpPr>
@@ -1343,8 +1364,8 @@
         </p:nvSpPr>
         <p:spPr>
           <a:xfrm>
-            <a:off x="838080" y="1825560"/>
-            <a:ext cx="5131080" cy="4350960"/>
+            <a:off x="609480" y="1604520"/>
+            <a:ext cx="5354280" cy="3977280"/>
           </a:xfrm>
           <a:prstGeom prst="rect">
             <a:avLst/>
@@ -1359,7 +1380,7 @@
       </p:sp>
       <p:sp>
         <p:nvSpPr>
-          <p:cNvPr id="59" name="PlaceHolder 3"/>
+          <p:cNvPr id="53" name="PlaceHolder 3"/>
           <p:cNvSpPr>
             <a:spLocks noGrp="1"/>
           </p:cNvSpPr>
@@ -1369,8 +1390,8 @@
         </p:nvSpPr>
         <p:spPr>
           <a:xfrm>
-            <a:off x="6226200" y="1825560"/>
-            <a:ext cx="5131080" cy="2075040"/>
+            <a:off x="6231960" y="1604520"/>
+            <a:ext cx="5354280" cy="1896840"/>
           </a:xfrm>
           <a:prstGeom prst="rect">
             <a:avLst/>
@@ -1385,7 +1406,7 @@
       </p:sp>
       <p:sp>
         <p:nvSpPr>
-          <p:cNvPr id="60" name="PlaceHolder 4"/>
+          <p:cNvPr id="54" name="PlaceHolder 4"/>
           <p:cNvSpPr>
             <a:spLocks noGrp="1"/>
           </p:cNvSpPr>
@@ -1395,8 +1416,8 @@
         </p:nvSpPr>
         <p:spPr>
           <a:xfrm>
-            <a:off x="6226200" y="4098240"/>
-            <a:ext cx="5131080" cy="2075040"/>
+            <a:off x="6231960" y="3682080"/>
+            <a:ext cx="5354280" cy="1896840"/>
           </a:xfrm>
           <a:prstGeom prst="rect">
             <a:avLst/>
@@ -1433,7 +1454,7 @@
       </p:grpSpPr>
       <p:sp>
         <p:nvSpPr>
-          <p:cNvPr id="61" name="PlaceHolder 1"/>
+          <p:cNvPr id="55" name="PlaceHolder 1"/>
           <p:cNvSpPr>
             <a:spLocks noGrp="1"/>
           </p:cNvSpPr>
@@ -1443,8 +1464,8 @@
         </p:nvSpPr>
         <p:spPr>
           <a:xfrm>
-            <a:off x="838080" y="365040"/>
-            <a:ext cx="10515240" cy="1325520"/>
+            <a:off x="609480" y="273600"/>
+            <a:ext cx="10972440" cy="1145160"/>
           </a:xfrm>
           <a:prstGeom prst="rect">
             <a:avLst/>
@@ -1453,13 +1474,14 @@
         <p:txBody>
           <a:bodyPr lIns="0" rIns="0" tIns="0" bIns="0" anchor="ctr"/>
           <a:p>
-            <a:endParaRPr/>
-          </a:p>
-        </p:txBody>
-      </p:sp>
-      <p:sp>
-        <p:nvSpPr>
-          <p:cNvPr id="62" name="PlaceHolder 2"/>
+            <a:pPr algn="ctr"/>
+            <a:endParaRPr/>
+          </a:p>
+        </p:txBody>
+      </p:sp>
+      <p:sp>
+        <p:nvSpPr>
+          <p:cNvPr id="56" name="PlaceHolder 2"/>
           <p:cNvSpPr>
             <a:spLocks noGrp="1"/>
           </p:cNvSpPr>
@@ -1469,8 +1491,8 @@
         </p:nvSpPr>
         <p:spPr>
           <a:xfrm>
-            <a:off x="838080" y="1825560"/>
-            <a:ext cx="5131080" cy="2075040"/>
+            <a:off x="609480" y="1604520"/>
+            <a:ext cx="5354280" cy="1896840"/>
           </a:xfrm>
           <a:prstGeom prst="rect">
             <a:avLst/>
@@ -1485,7 +1507,7 @@
       </p:sp>
       <p:sp>
         <p:nvSpPr>
-          <p:cNvPr id="63" name="PlaceHolder 3"/>
+          <p:cNvPr id="57" name="PlaceHolder 3"/>
           <p:cNvSpPr>
             <a:spLocks noGrp="1"/>
           </p:cNvSpPr>
@@ -1495,8 +1517,8 @@
         </p:nvSpPr>
         <p:spPr>
           <a:xfrm>
-            <a:off x="6226200" y="1825560"/>
-            <a:ext cx="5131080" cy="2075040"/>
+            <a:off x="6231960" y="1604520"/>
+            <a:ext cx="5354280" cy="1896840"/>
           </a:xfrm>
           <a:prstGeom prst="rect">
             <a:avLst/>
@@ -1511,7 +1533,7 @@
       </p:sp>
       <p:sp>
         <p:nvSpPr>
-          <p:cNvPr id="64" name="PlaceHolder 4"/>
+          <p:cNvPr id="58" name="PlaceHolder 4"/>
           <p:cNvSpPr>
             <a:spLocks noGrp="1"/>
           </p:cNvSpPr>
@@ -1521,8 +1543,8 @@
         </p:nvSpPr>
         <p:spPr>
           <a:xfrm>
-            <a:off x="838080" y="4098240"/>
-            <a:ext cx="10515240" cy="2075040"/>
+            <a:off x="609480" y="3682080"/>
+            <a:ext cx="10972440" cy="1896840"/>
           </a:xfrm>
           <a:prstGeom prst="rect">
             <a:avLst/>
@@ -1559,7 +1581,7 @@
       </p:grpSpPr>
       <p:sp>
         <p:nvSpPr>
-          <p:cNvPr id="65" name="PlaceHolder 1"/>
+          <p:cNvPr id="59" name="PlaceHolder 1"/>
           <p:cNvSpPr>
             <a:spLocks noGrp="1"/>
           </p:cNvSpPr>
@@ -1569,8 +1591,8 @@
         </p:nvSpPr>
         <p:spPr>
           <a:xfrm>
-            <a:off x="838080" y="365040"/>
-            <a:ext cx="10515240" cy="1325520"/>
+            <a:off x="609480" y="273600"/>
+            <a:ext cx="10972440" cy="1145160"/>
           </a:xfrm>
           <a:prstGeom prst="rect">
             <a:avLst/>
@@ -1579,13 +1601,14 @@
         <p:txBody>
           <a:bodyPr lIns="0" rIns="0" tIns="0" bIns="0" anchor="ctr"/>
           <a:p>
-            <a:endParaRPr/>
-          </a:p>
-        </p:txBody>
-      </p:sp>
-      <p:sp>
-        <p:nvSpPr>
-          <p:cNvPr id="66" name="PlaceHolder 2"/>
+            <a:pPr algn="ctr"/>
+            <a:endParaRPr/>
+          </a:p>
+        </p:txBody>
+      </p:sp>
+      <p:sp>
+        <p:nvSpPr>
+          <p:cNvPr id="60" name="PlaceHolder 2"/>
           <p:cNvSpPr>
             <a:spLocks noGrp="1"/>
           </p:cNvSpPr>
@@ -1595,8 +1618,8 @@
         </p:nvSpPr>
         <p:spPr>
           <a:xfrm>
-            <a:off x="838080" y="1825560"/>
-            <a:ext cx="10515240" cy="2075040"/>
+            <a:off x="609480" y="1604520"/>
+            <a:ext cx="10972440" cy="1896840"/>
           </a:xfrm>
           <a:prstGeom prst="rect">
             <a:avLst/>
@@ -1611,7 +1634,7 @@
       </p:sp>
       <p:sp>
         <p:nvSpPr>
-          <p:cNvPr id="67" name="PlaceHolder 3"/>
+          <p:cNvPr id="61" name="PlaceHolder 3"/>
           <p:cNvSpPr>
             <a:spLocks noGrp="1"/>
           </p:cNvSpPr>
@@ -1621,8 +1644,8 @@
         </p:nvSpPr>
         <p:spPr>
           <a:xfrm>
-            <a:off x="838080" y="4098240"/>
-            <a:ext cx="10515240" cy="2075040"/>
+            <a:off x="609480" y="3682080"/>
+            <a:ext cx="10972440" cy="1896840"/>
           </a:xfrm>
           <a:prstGeom prst="rect">
             <a:avLst/>
@@ -1659,7 +1682,7 @@
       </p:grpSpPr>
       <p:sp>
         <p:nvSpPr>
-          <p:cNvPr id="68" name="PlaceHolder 1"/>
+          <p:cNvPr id="62" name="PlaceHolder 1"/>
           <p:cNvSpPr>
             <a:spLocks noGrp="1"/>
           </p:cNvSpPr>
@@ -1669,8 +1692,8 @@
         </p:nvSpPr>
         <p:spPr>
           <a:xfrm>
-            <a:off x="838080" y="365040"/>
-            <a:ext cx="10515240" cy="1325520"/>
+            <a:off x="609480" y="273600"/>
+            <a:ext cx="10972440" cy="1145160"/>
           </a:xfrm>
           <a:prstGeom prst="rect">
             <a:avLst/>
@@ -1679,13 +1702,14 @@
         <p:txBody>
           <a:bodyPr lIns="0" rIns="0" tIns="0" bIns="0" anchor="ctr"/>
           <a:p>
-            <a:endParaRPr/>
-          </a:p>
-        </p:txBody>
-      </p:sp>
-      <p:sp>
-        <p:nvSpPr>
-          <p:cNvPr id="69" name="PlaceHolder 2"/>
+            <a:pPr algn="ctr"/>
+            <a:endParaRPr/>
+          </a:p>
+        </p:txBody>
+      </p:sp>
+      <p:sp>
+        <p:nvSpPr>
+          <p:cNvPr id="63" name="PlaceHolder 2"/>
           <p:cNvSpPr>
             <a:spLocks noGrp="1"/>
           </p:cNvSpPr>
@@ -1695,8 +1719,8 @@
         </p:nvSpPr>
         <p:spPr>
           <a:xfrm>
-            <a:off x="838080" y="1825560"/>
-            <a:ext cx="5131080" cy="2075040"/>
+            <a:off x="609480" y="1604520"/>
+            <a:ext cx="5354280" cy="1896840"/>
           </a:xfrm>
           <a:prstGeom prst="rect">
             <a:avLst/>
@@ -1711,7 +1735,7 @@
       </p:sp>
       <p:sp>
         <p:nvSpPr>
-          <p:cNvPr id="70" name="PlaceHolder 3"/>
+          <p:cNvPr id="64" name="PlaceHolder 3"/>
           <p:cNvSpPr>
             <a:spLocks noGrp="1"/>
           </p:cNvSpPr>
@@ -1721,8 +1745,8 @@
         </p:nvSpPr>
         <p:spPr>
           <a:xfrm>
-            <a:off x="6226200" y="1825560"/>
-            <a:ext cx="5131080" cy="2075040"/>
+            <a:off x="6231960" y="1604520"/>
+            <a:ext cx="5354280" cy="1896840"/>
           </a:xfrm>
           <a:prstGeom prst="rect">
             <a:avLst/>
@@ -1737,7 +1761,7 @@
       </p:sp>
       <p:sp>
         <p:nvSpPr>
-          <p:cNvPr id="71" name="PlaceHolder 4"/>
+          <p:cNvPr id="65" name="PlaceHolder 4"/>
           <p:cNvSpPr>
             <a:spLocks noGrp="1"/>
           </p:cNvSpPr>
@@ -1747,8 +1771,8 @@
         </p:nvSpPr>
         <p:spPr>
           <a:xfrm>
-            <a:off x="6226200" y="4098240"/>
-            <a:ext cx="5131080" cy="2075040"/>
+            <a:off x="6231960" y="3682080"/>
+            <a:ext cx="5354280" cy="1896840"/>
           </a:xfrm>
           <a:prstGeom prst="rect">
             <a:avLst/>
@@ -1763,7 +1787,7 @@
       </p:sp>
       <p:sp>
         <p:nvSpPr>
-          <p:cNvPr id="72" name="PlaceHolder 5"/>
+          <p:cNvPr id="66" name="PlaceHolder 5"/>
           <p:cNvSpPr>
             <a:spLocks noGrp="1"/>
           </p:cNvSpPr>
@@ -1773,8 +1797,8 @@
         </p:nvSpPr>
         <p:spPr>
           <a:xfrm>
-            <a:off x="838080" y="4098240"/>
-            <a:ext cx="5131080" cy="2075040"/>
+            <a:off x="609480" y="3682080"/>
+            <a:ext cx="5354280" cy="1896840"/>
           </a:xfrm>
           <a:prstGeom prst="rect">
             <a:avLst/>
@@ -1811,7 +1835,7 @@
       </p:grpSpPr>
       <p:sp>
         <p:nvSpPr>
-          <p:cNvPr id="73" name="PlaceHolder 1"/>
+          <p:cNvPr id="67" name="PlaceHolder 1"/>
           <p:cNvSpPr>
             <a:spLocks noGrp="1"/>
           </p:cNvSpPr>
@@ -1821,8 +1845,8 @@
         </p:nvSpPr>
         <p:spPr>
           <a:xfrm>
-            <a:off x="838080" y="365040"/>
-            <a:ext cx="10515240" cy="1325520"/>
+            <a:off x="609480" y="273600"/>
+            <a:ext cx="10972440" cy="1145160"/>
           </a:xfrm>
           <a:prstGeom prst="rect">
             <a:avLst/>
@@ -1831,13 +1855,14 @@
         <p:txBody>
           <a:bodyPr lIns="0" rIns="0" tIns="0" bIns="0" anchor="ctr"/>
           <a:p>
-            <a:endParaRPr/>
-          </a:p>
-        </p:txBody>
-      </p:sp>
-      <p:sp>
-        <p:nvSpPr>
-          <p:cNvPr id="74" name="PlaceHolder 2"/>
+            <a:pPr algn="ctr"/>
+            <a:endParaRPr/>
+          </a:p>
+        </p:txBody>
+      </p:sp>
+      <p:sp>
+        <p:nvSpPr>
+          <p:cNvPr id="68" name="PlaceHolder 2"/>
           <p:cNvSpPr>
             <a:spLocks noGrp="1"/>
           </p:cNvSpPr>
@@ -1847,8 +1872,8 @@
         </p:nvSpPr>
         <p:spPr>
           <a:xfrm>
-            <a:off x="838080" y="1825560"/>
-            <a:ext cx="10515240" cy="4350960"/>
+            <a:off x="609480" y="1604520"/>
+            <a:ext cx="10972440" cy="3977280"/>
           </a:xfrm>
           <a:prstGeom prst="rect">
             <a:avLst/>
@@ -1863,7 +1888,7 @@
       </p:sp>
       <p:sp>
         <p:nvSpPr>
-          <p:cNvPr id="75" name="PlaceHolder 3"/>
+          <p:cNvPr id="69" name="PlaceHolder 3"/>
           <p:cNvSpPr>
             <a:spLocks noGrp="1"/>
           </p:cNvSpPr>
@@ -1873,8 +1898,8 @@
         </p:nvSpPr>
         <p:spPr>
           <a:xfrm>
-            <a:off x="838080" y="1825560"/>
-            <a:ext cx="10515240" cy="4350960"/>
+            <a:off x="609480" y="1604520"/>
+            <a:ext cx="10972440" cy="3977280"/>
           </a:xfrm>
           <a:prstGeom prst="rect">
             <a:avLst/>
@@ -1889,7 +1914,7 @@
       </p:sp>
       <p:pic>
         <p:nvPicPr>
-          <p:cNvPr id="76" name="" descr=""/>
+          <p:cNvPr id="70" name="" descr=""/>
           <p:cNvPicPr/>
           <p:nvPr/>
         </p:nvPicPr>
@@ -1901,8 +1926,8 @@
         </p:blipFill>
         <p:spPr>
           <a:xfrm>
-            <a:off x="3368880" y="1825560"/>
-            <a:ext cx="5452920" cy="4350960"/>
+            <a:off x="3602880" y="1604520"/>
+            <a:ext cx="4984920" cy="3977280"/>
           </a:xfrm>
           <a:prstGeom prst="rect">
             <a:avLst/>
@@ -1914,7 +1939,7 @@
       </p:pic>
       <p:pic>
         <p:nvPicPr>
-          <p:cNvPr id="77" name="" descr=""/>
+          <p:cNvPr id="71" name="" descr=""/>
           <p:cNvPicPr/>
           <p:nvPr/>
         </p:nvPicPr>
@@ -1926,8 +1951,8 @@
         </p:blipFill>
         <p:spPr>
           <a:xfrm>
-            <a:off x="3368880" y="1825560"/>
-            <a:ext cx="5452920" cy="4350960"/>
+            <a:off x="3602880" y="1604520"/>
+            <a:ext cx="4984920" cy="3977280"/>
           </a:xfrm>
           <a:prstGeom prst="rect">
             <a:avLst/>
@@ -1937,6 +1962,329 @@
           </a:ln>
         </p:spPr>
       </p:pic>
+    </p:spTree>
+  </p:cSld>
+</p:sldLayout>
+</file>
+
+<file path=ppt/slideLayouts/slideLayout25.xml><?xml version="1.0" encoding="utf-8"?>
+<p:sldLayout xmlns:a="http://schemas.openxmlformats.org/drawingml/2006/main" xmlns:p="http://schemas.openxmlformats.org/presentationml/2006/main" xmlns:r="http://schemas.openxmlformats.org/officeDocument/2006/relationships" type="blank" preserve="1">
+  <p:cSld name="Blank Slide">
+    <p:spTree>
+      <p:nvGrpSpPr>
+        <p:cNvPr id="1" name=""/>
+        <p:cNvGrpSpPr/>
+        <p:nvPr/>
+      </p:nvGrpSpPr>
+      <p:grpSpPr>
+        <a:xfrm>
+          <a:off x="0" y="0"/>
+          <a:ext cx="0" cy="0"/>
+          <a:chOff x="0" y="0"/>
+          <a:chExt cx="0" cy="0"/>
+        </a:xfrm>
+      </p:grpSpPr>
+    </p:spTree>
+  </p:cSld>
+</p:sldLayout>
+</file>
+
+<file path=ppt/slideLayouts/slideLayout26.xml><?xml version="1.0" encoding="utf-8"?>
+<p:sldLayout xmlns:a="http://schemas.openxmlformats.org/drawingml/2006/main" xmlns:p="http://schemas.openxmlformats.org/presentationml/2006/main" xmlns:r="http://schemas.openxmlformats.org/officeDocument/2006/relationships" type="tx" preserve="1">
+  <p:cSld name="Title Slide">
+    <p:spTree>
+      <p:nvGrpSpPr>
+        <p:cNvPr id="1" name=""/>
+        <p:cNvGrpSpPr/>
+        <p:nvPr/>
+      </p:nvGrpSpPr>
+      <p:grpSpPr>
+        <a:xfrm>
+          <a:off x="0" y="0"/>
+          <a:ext cx="0" cy="0"/>
+          <a:chOff x="0" y="0"/>
+          <a:chExt cx="0" cy="0"/>
+        </a:xfrm>
+      </p:grpSpPr>
+      <p:sp>
+        <p:nvSpPr>
+          <p:cNvPr id="74" name="PlaceHolder 1"/>
+          <p:cNvSpPr>
+            <a:spLocks noGrp="1"/>
+          </p:cNvSpPr>
+          <p:nvPr>
+            <p:ph type="title"/>
+          </p:nvPr>
+        </p:nvSpPr>
+        <p:spPr>
+          <a:xfrm>
+            <a:off x="609480" y="273600"/>
+            <a:ext cx="10972440" cy="1145160"/>
+          </a:xfrm>
+          <a:prstGeom prst="rect">
+            <a:avLst/>
+          </a:prstGeom>
+        </p:spPr>
+        <p:txBody>
+          <a:bodyPr lIns="0" rIns="0" tIns="0" bIns="0" anchor="ctr"/>
+          <a:p>
+            <a:pPr algn="ctr"/>
+            <a:endParaRPr/>
+          </a:p>
+        </p:txBody>
+      </p:sp>
+      <p:sp>
+        <p:nvSpPr>
+          <p:cNvPr id="75" name="PlaceHolder 2"/>
+          <p:cNvSpPr>
+            <a:spLocks noGrp="1"/>
+          </p:cNvSpPr>
+          <p:nvPr>
+            <p:ph type="subTitle"/>
+          </p:nvPr>
+        </p:nvSpPr>
+        <p:spPr>
+          <a:xfrm>
+            <a:off x="609480" y="1604520"/>
+            <a:ext cx="10972440" cy="3977640"/>
+          </a:xfrm>
+          <a:prstGeom prst="rect">
+            <a:avLst/>
+          </a:prstGeom>
+        </p:spPr>
+        <p:txBody>
+          <a:bodyPr lIns="0" rIns="0" tIns="0" bIns="0" anchor="ctr"/>
+          <a:p>
+            <a:pPr algn="ctr"/>
+            <a:endParaRPr/>
+          </a:p>
+        </p:txBody>
+      </p:sp>
+    </p:spTree>
+  </p:cSld>
+</p:sldLayout>
+</file>
+
+<file path=ppt/slideLayouts/slideLayout27.xml><?xml version="1.0" encoding="utf-8"?>
+<p:sldLayout xmlns:a="http://schemas.openxmlformats.org/drawingml/2006/main" xmlns:p="http://schemas.openxmlformats.org/presentationml/2006/main" xmlns:r="http://schemas.openxmlformats.org/officeDocument/2006/relationships" type="obj" preserve="1">
+  <p:cSld name="Title, Content">
+    <p:spTree>
+      <p:nvGrpSpPr>
+        <p:cNvPr id="1" name=""/>
+        <p:cNvGrpSpPr/>
+        <p:nvPr/>
+      </p:nvGrpSpPr>
+      <p:grpSpPr>
+        <a:xfrm>
+          <a:off x="0" y="0"/>
+          <a:ext cx="0" cy="0"/>
+          <a:chOff x="0" y="0"/>
+          <a:chExt cx="0" cy="0"/>
+        </a:xfrm>
+      </p:grpSpPr>
+      <p:sp>
+        <p:nvSpPr>
+          <p:cNvPr id="76" name="PlaceHolder 1"/>
+          <p:cNvSpPr>
+            <a:spLocks noGrp="1"/>
+          </p:cNvSpPr>
+          <p:nvPr>
+            <p:ph type="title"/>
+          </p:nvPr>
+        </p:nvSpPr>
+        <p:spPr>
+          <a:xfrm>
+            <a:off x="609480" y="273600"/>
+            <a:ext cx="10972440" cy="1145160"/>
+          </a:xfrm>
+          <a:prstGeom prst="rect">
+            <a:avLst/>
+          </a:prstGeom>
+        </p:spPr>
+        <p:txBody>
+          <a:bodyPr lIns="0" rIns="0" tIns="0" bIns="0" anchor="ctr"/>
+          <a:p>
+            <a:pPr algn="ctr"/>
+            <a:endParaRPr/>
+          </a:p>
+        </p:txBody>
+      </p:sp>
+      <p:sp>
+        <p:nvSpPr>
+          <p:cNvPr id="77" name="PlaceHolder 2"/>
+          <p:cNvSpPr>
+            <a:spLocks noGrp="1"/>
+          </p:cNvSpPr>
+          <p:nvPr>
+            <p:ph type="body"/>
+          </p:nvPr>
+        </p:nvSpPr>
+        <p:spPr>
+          <a:xfrm>
+            <a:off x="609480" y="1604520"/>
+            <a:ext cx="10972440" cy="3977280"/>
+          </a:xfrm>
+          <a:prstGeom prst="rect">
+            <a:avLst/>
+          </a:prstGeom>
+        </p:spPr>
+        <p:txBody>
+          <a:bodyPr lIns="0" rIns="0" tIns="0" bIns="0"/>
+          <a:p>
+            <a:endParaRPr/>
+          </a:p>
+        </p:txBody>
+      </p:sp>
+    </p:spTree>
+  </p:cSld>
+</p:sldLayout>
+</file>
+
+<file path=ppt/slideLayouts/slideLayout28.xml><?xml version="1.0" encoding="utf-8"?>
+<p:sldLayout xmlns:a="http://schemas.openxmlformats.org/drawingml/2006/main" xmlns:p="http://schemas.openxmlformats.org/presentationml/2006/main" xmlns:r="http://schemas.openxmlformats.org/officeDocument/2006/relationships" type="twoObj" preserve="1">
+  <p:cSld name="Title, 2 Content">
+    <p:spTree>
+      <p:nvGrpSpPr>
+        <p:cNvPr id="1" name=""/>
+        <p:cNvGrpSpPr/>
+        <p:nvPr/>
+      </p:nvGrpSpPr>
+      <p:grpSpPr>
+        <a:xfrm>
+          <a:off x="0" y="0"/>
+          <a:ext cx="0" cy="0"/>
+          <a:chOff x="0" y="0"/>
+          <a:chExt cx="0" cy="0"/>
+        </a:xfrm>
+      </p:grpSpPr>
+      <p:sp>
+        <p:nvSpPr>
+          <p:cNvPr id="78" name="PlaceHolder 1"/>
+          <p:cNvSpPr>
+            <a:spLocks noGrp="1"/>
+          </p:cNvSpPr>
+          <p:nvPr>
+            <p:ph type="title"/>
+          </p:nvPr>
+        </p:nvSpPr>
+        <p:spPr>
+          <a:xfrm>
+            <a:off x="609480" y="273600"/>
+            <a:ext cx="10972440" cy="1145160"/>
+          </a:xfrm>
+          <a:prstGeom prst="rect">
+            <a:avLst/>
+          </a:prstGeom>
+        </p:spPr>
+        <p:txBody>
+          <a:bodyPr lIns="0" rIns="0" tIns="0" bIns="0" anchor="ctr"/>
+          <a:p>
+            <a:pPr algn="ctr"/>
+            <a:endParaRPr/>
+          </a:p>
+        </p:txBody>
+      </p:sp>
+      <p:sp>
+        <p:nvSpPr>
+          <p:cNvPr id="79" name="PlaceHolder 2"/>
+          <p:cNvSpPr>
+            <a:spLocks noGrp="1"/>
+          </p:cNvSpPr>
+          <p:nvPr>
+            <p:ph type="body"/>
+          </p:nvPr>
+        </p:nvSpPr>
+        <p:spPr>
+          <a:xfrm>
+            <a:off x="609480" y="1604520"/>
+            <a:ext cx="5354280" cy="3977280"/>
+          </a:xfrm>
+          <a:prstGeom prst="rect">
+            <a:avLst/>
+          </a:prstGeom>
+        </p:spPr>
+        <p:txBody>
+          <a:bodyPr lIns="0" rIns="0" tIns="0" bIns="0"/>
+          <a:p>
+            <a:endParaRPr/>
+          </a:p>
+        </p:txBody>
+      </p:sp>
+      <p:sp>
+        <p:nvSpPr>
+          <p:cNvPr id="80" name="PlaceHolder 3"/>
+          <p:cNvSpPr>
+            <a:spLocks noGrp="1"/>
+          </p:cNvSpPr>
+          <p:nvPr>
+            <p:ph type="body"/>
+          </p:nvPr>
+        </p:nvSpPr>
+        <p:spPr>
+          <a:xfrm>
+            <a:off x="6231960" y="1604520"/>
+            <a:ext cx="5354280" cy="3977280"/>
+          </a:xfrm>
+          <a:prstGeom prst="rect">
+            <a:avLst/>
+          </a:prstGeom>
+        </p:spPr>
+        <p:txBody>
+          <a:bodyPr lIns="0" rIns="0" tIns="0" bIns="0"/>
+          <a:p>
+            <a:endParaRPr/>
+          </a:p>
+        </p:txBody>
+      </p:sp>
+    </p:spTree>
+  </p:cSld>
+</p:sldLayout>
+</file>
+
+<file path=ppt/slideLayouts/slideLayout29.xml><?xml version="1.0" encoding="utf-8"?>
+<p:sldLayout xmlns:a="http://schemas.openxmlformats.org/drawingml/2006/main" xmlns:p="http://schemas.openxmlformats.org/presentationml/2006/main" xmlns:r="http://schemas.openxmlformats.org/officeDocument/2006/relationships" type="titleOnly" preserve="1">
+  <p:cSld name="Title Only">
+    <p:spTree>
+      <p:nvGrpSpPr>
+        <p:cNvPr id="1" name=""/>
+        <p:cNvGrpSpPr/>
+        <p:nvPr/>
+      </p:nvGrpSpPr>
+      <p:grpSpPr>
+        <a:xfrm>
+          <a:off x="0" y="0"/>
+          <a:ext cx="0" cy="0"/>
+          <a:chOff x="0" y="0"/>
+          <a:chExt cx="0" cy="0"/>
+        </a:xfrm>
+      </p:grpSpPr>
+      <p:sp>
+        <p:nvSpPr>
+          <p:cNvPr id="81" name="PlaceHolder 1"/>
+          <p:cNvSpPr>
+            <a:spLocks noGrp="1"/>
+          </p:cNvSpPr>
+          <p:nvPr>
+            <p:ph type="title"/>
+          </p:nvPr>
+        </p:nvSpPr>
+        <p:spPr>
+          <a:xfrm>
+            <a:off x="609480" y="273600"/>
+            <a:ext cx="10972440" cy="1145160"/>
+          </a:xfrm>
+          <a:prstGeom prst="rect">
+            <a:avLst/>
+          </a:prstGeom>
+        </p:spPr>
+        <p:txBody>
+          <a:bodyPr lIns="0" rIns="0" tIns="0" bIns="0" anchor="ctr"/>
+          <a:p>
+            <a:pPr algn="ctr"/>
+            <a:endParaRPr/>
+          </a:p>
+        </p:txBody>
+      </p:sp>
     </p:spTree>
   </p:cSld>
 </p:sldLayout>
@@ -1961,7 +2309,7 @@
       </p:grpSpPr>
       <p:sp>
         <p:nvSpPr>
-          <p:cNvPr id="7" name="PlaceHolder 1"/>
+          <p:cNvPr id="4" name="PlaceHolder 1"/>
           <p:cNvSpPr>
             <a:spLocks noGrp="1"/>
           </p:cNvSpPr>
@@ -1971,8 +2319,8 @@
         </p:nvSpPr>
         <p:spPr>
           <a:xfrm>
-            <a:off x="838080" y="365040"/>
-            <a:ext cx="10515240" cy="1325520"/>
+            <a:off x="609480" y="273600"/>
+            <a:ext cx="10972440" cy="1145160"/>
           </a:xfrm>
           <a:prstGeom prst="rect">
             <a:avLst/>
@@ -1981,13 +2329,14 @@
         <p:txBody>
           <a:bodyPr lIns="0" rIns="0" tIns="0" bIns="0" anchor="ctr"/>
           <a:p>
-            <a:endParaRPr/>
-          </a:p>
-        </p:txBody>
-      </p:sp>
-      <p:sp>
-        <p:nvSpPr>
-          <p:cNvPr id="8" name="PlaceHolder 2"/>
+            <a:pPr algn="ctr"/>
+            <a:endParaRPr/>
+          </a:p>
+        </p:txBody>
+      </p:sp>
+      <p:sp>
+        <p:nvSpPr>
+          <p:cNvPr id="5" name="PlaceHolder 2"/>
           <p:cNvSpPr>
             <a:spLocks noGrp="1"/>
           </p:cNvSpPr>
@@ -1997,8 +2346,1016 @@
         </p:nvSpPr>
         <p:spPr>
           <a:xfrm>
-            <a:off x="838080" y="1825560"/>
-            <a:ext cx="10515240" cy="4350960"/>
+            <a:off x="609480" y="1604520"/>
+            <a:ext cx="10972440" cy="3977280"/>
+          </a:xfrm>
+          <a:prstGeom prst="rect">
+            <a:avLst/>
+          </a:prstGeom>
+        </p:spPr>
+        <p:txBody>
+          <a:bodyPr lIns="0" rIns="0" tIns="0" bIns="0"/>
+          <a:p>
+            <a:endParaRPr/>
+          </a:p>
+        </p:txBody>
+      </p:sp>
+    </p:spTree>
+  </p:cSld>
+</p:sldLayout>
+</file>
+
+<file path=ppt/slideLayouts/slideLayout30.xml><?xml version="1.0" encoding="utf-8"?>
+<p:sldLayout xmlns:a="http://schemas.openxmlformats.org/drawingml/2006/main" xmlns:p="http://schemas.openxmlformats.org/presentationml/2006/main" xmlns:r="http://schemas.openxmlformats.org/officeDocument/2006/relationships" type="objOnly" preserve="1">
+  <p:cSld name="Centered Text">
+    <p:spTree>
+      <p:nvGrpSpPr>
+        <p:cNvPr id="1" name=""/>
+        <p:cNvGrpSpPr/>
+        <p:nvPr/>
+      </p:nvGrpSpPr>
+      <p:grpSpPr>
+        <a:xfrm>
+          <a:off x="0" y="0"/>
+          <a:ext cx="0" cy="0"/>
+          <a:chOff x="0" y="0"/>
+          <a:chExt cx="0" cy="0"/>
+        </a:xfrm>
+      </p:grpSpPr>
+      <p:sp>
+        <p:nvSpPr>
+          <p:cNvPr id="82" name="PlaceHolder 1"/>
+          <p:cNvSpPr>
+            <a:spLocks noGrp="1"/>
+          </p:cNvSpPr>
+          <p:nvPr>
+            <p:ph type="subTitle"/>
+          </p:nvPr>
+        </p:nvSpPr>
+        <p:spPr>
+          <a:xfrm>
+            <a:off x="609480" y="273600"/>
+            <a:ext cx="10972440" cy="5308200"/>
+          </a:xfrm>
+          <a:prstGeom prst="rect">
+            <a:avLst/>
+          </a:prstGeom>
+        </p:spPr>
+        <p:txBody>
+          <a:bodyPr lIns="0" rIns="0" tIns="0" bIns="0" anchor="ctr"/>
+          <a:p>
+            <a:pPr algn="ctr"/>
+            <a:endParaRPr/>
+          </a:p>
+        </p:txBody>
+      </p:sp>
+    </p:spTree>
+  </p:cSld>
+</p:sldLayout>
+</file>
+
+<file path=ppt/slideLayouts/slideLayout31.xml><?xml version="1.0" encoding="utf-8"?>
+<p:sldLayout xmlns:a="http://schemas.openxmlformats.org/drawingml/2006/main" xmlns:p="http://schemas.openxmlformats.org/presentationml/2006/main" xmlns:r="http://schemas.openxmlformats.org/officeDocument/2006/relationships" type="twoObjAndObj" preserve="1">
+  <p:cSld name="Title, 2 Content and Content">
+    <p:spTree>
+      <p:nvGrpSpPr>
+        <p:cNvPr id="1" name=""/>
+        <p:cNvGrpSpPr/>
+        <p:nvPr/>
+      </p:nvGrpSpPr>
+      <p:grpSpPr>
+        <a:xfrm>
+          <a:off x="0" y="0"/>
+          <a:ext cx="0" cy="0"/>
+          <a:chOff x="0" y="0"/>
+          <a:chExt cx="0" cy="0"/>
+        </a:xfrm>
+      </p:grpSpPr>
+      <p:sp>
+        <p:nvSpPr>
+          <p:cNvPr id="83" name="PlaceHolder 1"/>
+          <p:cNvSpPr>
+            <a:spLocks noGrp="1"/>
+          </p:cNvSpPr>
+          <p:nvPr>
+            <p:ph type="title"/>
+          </p:nvPr>
+        </p:nvSpPr>
+        <p:spPr>
+          <a:xfrm>
+            <a:off x="609480" y="273600"/>
+            <a:ext cx="10972440" cy="1145160"/>
+          </a:xfrm>
+          <a:prstGeom prst="rect">
+            <a:avLst/>
+          </a:prstGeom>
+        </p:spPr>
+        <p:txBody>
+          <a:bodyPr lIns="0" rIns="0" tIns="0" bIns="0" anchor="ctr"/>
+          <a:p>
+            <a:pPr algn="ctr"/>
+            <a:endParaRPr/>
+          </a:p>
+        </p:txBody>
+      </p:sp>
+      <p:sp>
+        <p:nvSpPr>
+          <p:cNvPr id="84" name="PlaceHolder 2"/>
+          <p:cNvSpPr>
+            <a:spLocks noGrp="1"/>
+          </p:cNvSpPr>
+          <p:nvPr>
+            <p:ph type="body"/>
+          </p:nvPr>
+        </p:nvSpPr>
+        <p:spPr>
+          <a:xfrm>
+            <a:off x="609480" y="1604520"/>
+            <a:ext cx="5354280" cy="1896840"/>
+          </a:xfrm>
+          <a:prstGeom prst="rect">
+            <a:avLst/>
+          </a:prstGeom>
+        </p:spPr>
+        <p:txBody>
+          <a:bodyPr lIns="0" rIns="0" tIns="0" bIns="0"/>
+          <a:p>
+            <a:endParaRPr/>
+          </a:p>
+        </p:txBody>
+      </p:sp>
+      <p:sp>
+        <p:nvSpPr>
+          <p:cNvPr id="85" name="PlaceHolder 3"/>
+          <p:cNvSpPr>
+            <a:spLocks noGrp="1"/>
+          </p:cNvSpPr>
+          <p:nvPr>
+            <p:ph type="body"/>
+          </p:nvPr>
+        </p:nvSpPr>
+        <p:spPr>
+          <a:xfrm>
+            <a:off x="609480" y="3682080"/>
+            <a:ext cx="5354280" cy="1896840"/>
+          </a:xfrm>
+          <a:prstGeom prst="rect">
+            <a:avLst/>
+          </a:prstGeom>
+        </p:spPr>
+        <p:txBody>
+          <a:bodyPr lIns="0" rIns="0" tIns="0" bIns="0"/>
+          <a:p>
+            <a:endParaRPr/>
+          </a:p>
+        </p:txBody>
+      </p:sp>
+      <p:sp>
+        <p:nvSpPr>
+          <p:cNvPr id="86" name="PlaceHolder 4"/>
+          <p:cNvSpPr>
+            <a:spLocks noGrp="1"/>
+          </p:cNvSpPr>
+          <p:nvPr>
+            <p:ph type="body"/>
+          </p:nvPr>
+        </p:nvSpPr>
+        <p:spPr>
+          <a:xfrm>
+            <a:off x="6231960" y="1604520"/>
+            <a:ext cx="5354280" cy="3977280"/>
+          </a:xfrm>
+          <a:prstGeom prst="rect">
+            <a:avLst/>
+          </a:prstGeom>
+        </p:spPr>
+        <p:txBody>
+          <a:bodyPr lIns="0" rIns="0" tIns="0" bIns="0"/>
+          <a:p>
+            <a:endParaRPr/>
+          </a:p>
+        </p:txBody>
+      </p:sp>
+    </p:spTree>
+  </p:cSld>
+</p:sldLayout>
+</file>
+
+<file path=ppt/slideLayouts/slideLayout32.xml><?xml version="1.0" encoding="utf-8"?>
+<p:sldLayout xmlns:a="http://schemas.openxmlformats.org/drawingml/2006/main" xmlns:p="http://schemas.openxmlformats.org/presentationml/2006/main" xmlns:r="http://schemas.openxmlformats.org/officeDocument/2006/relationships" type="objAndTwoObj" preserve="1">
+  <p:cSld name="Title Content and 2 Content">
+    <p:spTree>
+      <p:nvGrpSpPr>
+        <p:cNvPr id="1" name=""/>
+        <p:cNvGrpSpPr/>
+        <p:nvPr/>
+      </p:nvGrpSpPr>
+      <p:grpSpPr>
+        <a:xfrm>
+          <a:off x="0" y="0"/>
+          <a:ext cx="0" cy="0"/>
+          <a:chOff x="0" y="0"/>
+          <a:chExt cx="0" cy="0"/>
+        </a:xfrm>
+      </p:grpSpPr>
+      <p:sp>
+        <p:nvSpPr>
+          <p:cNvPr id="87" name="PlaceHolder 1"/>
+          <p:cNvSpPr>
+            <a:spLocks noGrp="1"/>
+          </p:cNvSpPr>
+          <p:nvPr>
+            <p:ph type="title"/>
+          </p:nvPr>
+        </p:nvSpPr>
+        <p:spPr>
+          <a:xfrm>
+            <a:off x="609480" y="273600"/>
+            <a:ext cx="10972440" cy="1145160"/>
+          </a:xfrm>
+          <a:prstGeom prst="rect">
+            <a:avLst/>
+          </a:prstGeom>
+        </p:spPr>
+        <p:txBody>
+          <a:bodyPr lIns="0" rIns="0" tIns="0" bIns="0" anchor="ctr"/>
+          <a:p>
+            <a:pPr algn="ctr"/>
+            <a:endParaRPr/>
+          </a:p>
+        </p:txBody>
+      </p:sp>
+      <p:sp>
+        <p:nvSpPr>
+          <p:cNvPr id="88" name="PlaceHolder 2"/>
+          <p:cNvSpPr>
+            <a:spLocks noGrp="1"/>
+          </p:cNvSpPr>
+          <p:nvPr>
+            <p:ph type="body"/>
+          </p:nvPr>
+        </p:nvSpPr>
+        <p:spPr>
+          <a:xfrm>
+            <a:off x="609480" y="1604520"/>
+            <a:ext cx="5354280" cy="3977280"/>
+          </a:xfrm>
+          <a:prstGeom prst="rect">
+            <a:avLst/>
+          </a:prstGeom>
+        </p:spPr>
+        <p:txBody>
+          <a:bodyPr lIns="0" rIns="0" tIns="0" bIns="0"/>
+          <a:p>
+            <a:endParaRPr/>
+          </a:p>
+        </p:txBody>
+      </p:sp>
+      <p:sp>
+        <p:nvSpPr>
+          <p:cNvPr id="89" name="PlaceHolder 3"/>
+          <p:cNvSpPr>
+            <a:spLocks noGrp="1"/>
+          </p:cNvSpPr>
+          <p:nvPr>
+            <p:ph type="body"/>
+          </p:nvPr>
+        </p:nvSpPr>
+        <p:spPr>
+          <a:xfrm>
+            <a:off x="6231960" y="1604520"/>
+            <a:ext cx="5354280" cy="1896840"/>
+          </a:xfrm>
+          <a:prstGeom prst="rect">
+            <a:avLst/>
+          </a:prstGeom>
+        </p:spPr>
+        <p:txBody>
+          <a:bodyPr lIns="0" rIns="0" tIns="0" bIns="0"/>
+          <a:p>
+            <a:endParaRPr/>
+          </a:p>
+        </p:txBody>
+      </p:sp>
+      <p:sp>
+        <p:nvSpPr>
+          <p:cNvPr id="90" name="PlaceHolder 4"/>
+          <p:cNvSpPr>
+            <a:spLocks noGrp="1"/>
+          </p:cNvSpPr>
+          <p:nvPr>
+            <p:ph type="body"/>
+          </p:nvPr>
+        </p:nvSpPr>
+        <p:spPr>
+          <a:xfrm>
+            <a:off x="6231960" y="3682080"/>
+            <a:ext cx="5354280" cy="1896840"/>
+          </a:xfrm>
+          <a:prstGeom prst="rect">
+            <a:avLst/>
+          </a:prstGeom>
+        </p:spPr>
+        <p:txBody>
+          <a:bodyPr lIns="0" rIns="0" tIns="0" bIns="0"/>
+          <a:p>
+            <a:endParaRPr/>
+          </a:p>
+        </p:txBody>
+      </p:sp>
+    </p:spTree>
+  </p:cSld>
+</p:sldLayout>
+</file>
+
+<file path=ppt/slideLayouts/slideLayout33.xml><?xml version="1.0" encoding="utf-8"?>
+<p:sldLayout xmlns:a="http://schemas.openxmlformats.org/drawingml/2006/main" xmlns:p="http://schemas.openxmlformats.org/presentationml/2006/main" xmlns:r="http://schemas.openxmlformats.org/officeDocument/2006/relationships" type="twoObjOverTx" preserve="1">
+  <p:cSld name="Title, 2 Content over Content">
+    <p:spTree>
+      <p:nvGrpSpPr>
+        <p:cNvPr id="1" name=""/>
+        <p:cNvGrpSpPr/>
+        <p:nvPr/>
+      </p:nvGrpSpPr>
+      <p:grpSpPr>
+        <a:xfrm>
+          <a:off x="0" y="0"/>
+          <a:ext cx="0" cy="0"/>
+          <a:chOff x="0" y="0"/>
+          <a:chExt cx="0" cy="0"/>
+        </a:xfrm>
+      </p:grpSpPr>
+      <p:sp>
+        <p:nvSpPr>
+          <p:cNvPr id="91" name="PlaceHolder 1"/>
+          <p:cNvSpPr>
+            <a:spLocks noGrp="1"/>
+          </p:cNvSpPr>
+          <p:nvPr>
+            <p:ph type="title"/>
+          </p:nvPr>
+        </p:nvSpPr>
+        <p:spPr>
+          <a:xfrm>
+            <a:off x="609480" y="273600"/>
+            <a:ext cx="10972440" cy="1145160"/>
+          </a:xfrm>
+          <a:prstGeom prst="rect">
+            <a:avLst/>
+          </a:prstGeom>
+        </p:spPr>
+        <p:txBody>
+          <a:bodyPr lIns="0" rIns="0" tIns="0" bIns="0" anchor="ctr"/>
+          <a:p>
+            <a:pPr algn="ctr"/>
+            <a:endParaRPr/>
+          </a:p>
+        </p:txBody>
+      </p:sp>
+      <p:sp>
+        <p:nvSpPr>
+          <p:cNvPr id="92" name="PlaceHolder 2"/>
+          <p:cNvSpPr>
+            <a:spLocks noGrp="1"/>
+          </p:cNvSpPr>
+          <p:nvPr>
+            <p:ph type="body"/>
+          </p:nvPr>
+        </p:nvSpPr>
+        <p:spPr>
+          <a:xfrm>
+            <a:off x="609480" y="1604520"/>
+            <a:ext cx="5354280" cy="1896840"/>
+          </a:xfrm>
+          <a:prstGeom prst="rect">
+            <a:avLst/>
+          </a:prstGeom>
+        </p:spPr>
+        <p:txBody>
+          <a:bodyPr lIns="0" rIns="0" tIns="0" bIns="0"/>
+          <a:p>
+            <a:endParaRPr/>
+          </a:p>
+        </p:txBody>
+      </p:sp>
+      <p:sp>
+        <p:nvSpPr>
+          <p:cNvPr id="93" name="PlaceHolder 3"/>
+          <p:cNvSpPr>
+            <a:spLocks noGrp="1"/>
+          </p:cNvSpPr>
+          <p:nvPr>
+            <p:ph type="body"/>
+          </p:nvPr>
+        </p:nvSpPr>
+        <p:spPr>
+          <a:xfrm>
+            <a:off x="6231960" y="1604520"/>
+            <a:ext cx="5354280" cy="1896840"/>
+          </a:xfrm>
+          <a:prstGeom prst="rect">
+            <a:avLst/>
+          </a:prstGeom>
+        </p:spPr>
+        <p:txBody>
+          <a:bodyPr lIns="0" rIns="0" tIns="0" bIns="0"/>
+          <a:p>
+            <a:endParaRPr/>
+          </a:p>
+        </p:txBody>
+      </p:sp>
+      <p:sp>
+        <p:nvSpPr>
+          <p:cNvPr id="94" name="PlaceHolder 4"/>
+          <p:cNvSpPr>
+            <a:spLocks noGrp="1"/>
+          </p:cNvSpPr>
+          <p:nvPr>
+            <p:ph type="body"/>
+          </p:nvPr>
+        </p:nvSpPr>
+        <p:spPr>
+          <a:xfrm>
+            <a:off x="609480" y="3682080"/>
+            <a:ext cx="10972440" cy="1896840"/>
+          </a:xfrm>
+          <a:prstGeom prst="rect">
+            <a:avLst/>
+          </a:prstGeom>
+        </p:spPr>
+        <p:txBody>
+          <a:bodyPr lIns="0" rIns="0" tIns="0" bIns="0"/>
+          <a:p>
+            <a:endParaRPr/>
+          </a:p>
+        </p:txBody>
+      </p:sp>
+    </p:spTree>
+  </p:cSld>
+</p:sldLayout>
+</file>
+
+<file path=ppt/slideLayouts/slideLayout34.xml><?xml version="1.0" encoding="utf-8"?>
+<p:sldLayout xmlns:a="http://schemas.openxmlformats.org/drawingml/2006/main" xmlns:p="http://schemas.openxmlformats.org/presentationml/2006/main" xmlns:r="http://schemas.openxmlformats.org/officeDocument/2006/relationships" type="objOverTx" preserve="1">
+  <p:cSld name="Title, Content over Content">
+    <p:spTree>
+      <p:nvGrpSpPr>
+        <p:cNvPr id="1" name=""/>
+        <p:cNvGrpSpPr/>
+        <p:nvPr/>
+      </p:nvGrpSpPr>
+      <p:grpSpPr>
+        <a:xfrm>
+          <a:off x="0" y="0"/>
+          <a:ext cx="0" cy="0"/>
+          <a:chOff x="0" y="0"/>
+          <a:chExt cx="0" cy="0"/>
+        </a:xfrm>
+      </p:grpSpPr>
+      <p:sp>
+        <p:nvSpPr>
+          <p:cNvPr id="95" name="PlaceHolder 1"/>
+          <p:cNvSpPr>
+            <a:spLocks noGrp="1"/>
+          </p:cNvSpPr>
+          <p:nvPr>
+            <p:ph type="title"/>
+          </p:nvPr>
+        </p:nvSpPr>
+        <p:spPr>
+          <a:xfrm>
+            <a:off x="609480" y="273600"/>
+            <a:ext cx="10972440" cy="1145160"/>
+          </a:xfrm>
+          <a:prstGeom prst="rect">
+            <a:avLst/>
+          </a:prstGeom>
+        </p:spPr>
+        <p:txBody>
+          <a:bodyPr lIns="0" rIns="0" tIns="0" bIns="0" anchor="ctr"/>
+          <a:p>
+            <a:pPr algn="ctr"/>
+            <a:endParaRPr/>
+          </a:p>
+        </p:txBody>
+      </p:sp>
+      <p:sp>
+        <p:nvSpPr>
+          <p:cNvPr id="96" name="PlaceHolder 2"/>
+          <p:cNvSpPr>
+            <a:spLocks noGrp="1"/>
+          </p:cNvSpPr>
+          <p:nvPr>
+            <p:ph type="body"/>
+          </p:nvPr>
+        </p:nvSpPr>
+        <p:spPr>
+          <a:xfrm>
+            <a:off x="609480" y="1604520"/>
+            <a:ext cx="10972440" cy="1896840"/>
+          </a:xfrm>
+          <a:prstGeom prst="rect">
+            <a:avLst/>
+          </a:prstGeom>
+        </p:spPr>
+        <p:txBody>
+          <a:bodyPr lIns="0" rIns="0" tIns="0" bIns="0"/>
+          <a:p>
+            <a:endParaRPr/>
+          </a:p>
+        </p:txBody>
+      </p:sp>
+      <p:sp>
+        <p:nvSpPr>
+          <p:cNvPr id="97" name="PlaceHolder 3"/>
+          <p:cNvSpPr>
+            <a:spLocks noGrp="1"/>
+          </p:cNvSpPr>
+          <p:nvPr>
+            <p:ph type="body"/>
+          </p:nvPr>
+        </p:nvSpPr>
+        <p:spPr>
+          <a:xfrm>
+            <a:off x="609480" y="3682080"/>
+            <a:ext cx="10972440" cy="1896840"/>
+          </a:xfrm>
+          <a:prstGeom prst="rect">
+            <a:avLst/>
+          </a:prstGeom>
+        </p:spPr>
+        <p:txBody>
+          <a:bodyPr lIns="0" rIns="0" tIns="0" bIns="0"/>
+          <a:p>
+            <a:endParaRPr/>
+          </a:p>
+        </p:txBody>
+      </p:sp>
+    </p:spTree>
+  </p:cSld>
+</p:sldLayout>
+</file>
+
+<file path=ppt/slideLayouts/slideLayout35.xml><?xml version="1.0" encoding="utf-8"?>
+<p:sldLayout xmlns:a="http://schemas.openxmlformats.org/drawingml/2006/main" xmlns:p="http://schemas.openxmlformats.org/presentationml/2006/main" xmlns:r="http://schemas.openxmlformats.org/officeDocument/2006/relationships" type="fourObj" preserve="1">
+  <p:cSld name="Title, 4 Content">
+    <p:spTree>
+      <p:nvGrpSpPr>
+        <p:cNvPr id="1" name=""/>
+        <p:cNvGrpSpPr/>
+        <p:nvPr/>
+      </p:nvGrpSpPr>
+      <p:grpSpPr>
+        <a:xfrm>
+          <a:off x="0" y="0"/>
+          <a:ext cx="0" cy="0"/>
+          <a:chOff x="0" y="0"/>
+          <a:chExt cx="0" cy="0"/>
+        </a:xfrm>
+      </p:grpSpPr>
+      <p:sp>
+        <p:nvSpPr>
+          <p:cNvPr id="98" name="PlaceHolder 1"/>
+          <p:cNvSpPr>
+            <a:spLocks noGrp="1"/>
+          </p:cNvSpPr>
+          <p:nvPr>
+            <p:ph type="title"/>
+          </p:nvPr>
+        </p:nvSpPr>
+        <p:spPr>
+          <a:xfrm>
+            <a:off x="609480" y="273600"/>
+            <a:ext cx="10972440" cy="1145160"/>
+          </a:xfrm>
+          <a:prstGeom prst="rect">
+            <a:avLst/>
+          </a:prstGeom>
+        </p:spPr>
+        <p:txBody>
+          <a:bodyPr lIns="0" rIns="0" tIns="0" bIns="0" anchor="ctr"/>
+          <a:p>
+            <a:pPr algn="ctr"/>
+            <a:endParaRPr/>
+          </a:p>
+        </p:txBody>
+      </p:sp>
+      <p:sp>
+        <p:nvSpPr>
+          <p:cNvPr id="99" name="PlaceHolder 2"/>
+          <p:cNvSpPr>
+            <a:spLocks noGrp="1"/>
+          </p:cNvSpPr>
+          <p:nvPr>
+            <p:ph type="body"/>
+          </p:nvPr>
+        </p:nvSpPr>
+        <p:spPr>
+          <a:xfrm>
+            <a:off x="609480" y="1604520"/>
+            <a:ext cx="5354280" cy="1896840"/>
+          </a:xfrm>
+          <a:prstGeom prst="rect">
+            <a:avLst/>
+          </a:prstGeom>
+        </p:spPr>
+        <p:txBody>
+          <a:bodyPr lIns="0" rIns="0" tIns="0" bIns="0"/>
+          <a:p>
+            <a:endParaRPr/>
+          </a:p>
+        </p:txBody>
+      </p:sp>
+      <p:sp>
+        <p:nvSpPr>
+          <p:cNvPr id="100" name="PlaceHolder 3"/>
+          <p:cNvSpPr>
+            <a:spLocks noGrp="1"/>
+          </p:cNvSpPr>
+          <p:nvPr>
+            <p:ph type="body"/>
+          </p:nvPr>
+        </p:nvSpPr>
+        <p:spPr>
+          <a:xfrm>
+            <a:off x="6231960" y="1604520"/>
+            <a:ext cx="5354280" cy="1896840"/>
+          </a:xfrm>
+          <a:prstGeom prst="rect">
+            <a:avLst/>
+          </a:prstGeom>
+        </p:spPr>
+        <p:txBody>
+          <a:bodyPr lIns="0" rIns="0" tIns="0" bIns="0"/>
+          <a:p>
+            <a:endParaRPr/>
+          </a:p>
+        </p:txBody>
+      </p:sp>
+      <p:sp>
+        <p:nvSpPr>
+          <p:cNvPr id="101" name="PlaceHolder 4"/>
+          <p:cNvSpPr>
+            <a:spLocks noGrp="1"/>
+          </p:cNvSpPr>
+          <p:nvPr>
+            <p:ph type="body"/>
+          </p:nvPr>
+        </p:nvSpPr>
+        <p:spPr>
+          <a:xfrm>
+            <a:off x="6231960" y="3682080"/>
+            <a:ext cx="5354280" cy="1896840"/>
+          </a:xfrm>
+          <a:prstGeom prst="rect">
+            <a:avLst/>
+          </a:prstGeom>
+        </p:spPr>
+        <p:txBody>
+          <a:bodyPr lIns="0" rIns="0" tIns="0" bIns="0"/>
+          <a:p>
+            <a:endParaRPr/>
+          </a:p>
+        </p:txBody>
+      </p:sp>
+      <p:sp>
+        <p:nvSpPr>
+          <p:cNvPr id="102" name="PlaceHolder 5"/>
+          <p:cNvSpPr>
+            <a:spLocks noGrp="1"/>
+          </p:cNvSpPr>
+          <p:nvPr>
+            <p:ph type="body"/>
+          </p:nvPr>
+        </p:nvSpPr>
+        <p:spPr>
+          <a:xfrm>
+            <a:off x="609480" y="3682080"/>
+            <a:ext cx="5354280" cy="1896840"/>
+          </a:xfrm>
+          <a:prstGeom prst="rect">
+            <a:avLst/>
+          </a:prstGeom>
+        </p:spPr>
+        <p:txBody>
+          <a:bodyPr lIns="0" rIns="0" tIns="0" bIns="0"/>
+          <a:p>
+            <a:endParaRPr/>
+          </a:p>
+        </p:txBody>
+      </p:sp>
+    </p:spTree>
+  </p:cSld>
+</p:sldLayout>
+</file>
+
+<file path=ppt/slideLayouts/slideLayout36.xml><?xml version="1.0" encoding="utf-8"?>
+<p:sldLayout xmlns:a="http://schemas.openxmlformats.org/drawingml/2006/main" xmlns:p="http://schemas.openxmlformats.org/presentationml/2006/main" xmlns:r="http://schemas.openxmlformats.org/officeDocument/2006/relationships" type="blank" preserve="1">
+  <p:cSld name="Title, 6 Content">
+    <p:spTree>
+      <p:nvGrpSpPr>
+        <p:cNvPr id="1" name=""/>
+        <p:cNvGrpSpPr/>
+        <p:nvPr/>
+      </p:nvGrpSpPr>
+      <p:grpSpPr>
+        <a:xfrm>
+          <a:off x="0" y="0"/>
+          <a:ext cx="0" cy="0"/>
+          <a:chOff x="0" y="0"/>
+          <a:chExt cx="0" cy="0"/>
+        </a:xfrm>
+      </p:grpSpPr>
+      <p:sp>
+        <p:nvSpPr>
+          <p:cNvPr id="103" name="PlaceHolder 1"/>
+          <p:cNvSpPr>
+            <a:spLocks noGrp="1"/>
+          </p:cNvSpPr>
+          <p:nvPr>
+            <p:ph type="title"/>
+          </p:nvPr>
+        </p:nvSpPr>
+        <p:spPr>
+          <a:xfrm>
+            <a:off x="609480" y="273600"/>
+            <a:ext cx="10972440" cy="1145160"/>
+          </a:xfrm>
+          <a:prstGeom prst="rect">
+            <a:avLst/>
+          </a:prstGeom>
+        </p:spPr>
+        <p:txBody>
+          <a:bodyPr lIns="0" rIns="0" tIns="0" bIns="0" anchor="ctr"/>
+          <a:p>
+            <a:pPr algn="ctr"/>
+            <a:endParaRPr/>
+          </a:p>
+        </p:txBody>
+      </p:sp>
+      <p:sp>
+        <p:nvSpPr>
+          <p:cNvPr id="104" name="PlaceHolder 2"/>
+          <p:cNvSpPr>
+            <a:spLocks noGrp="1"/>
+          </p:cNvSpPr>
+          <p:nvPr>
+            <p:ph type="body"/>
+          </p:nvPr>
+        </p:nvSpPr>
+        <p:spPr>
+          <a:xfrm>
+            <a:off x="609480" y="1604520"/>
+            <a:ext cx="10972440" cy="3977280"/>
+          </a:xfrm>
+          <a:prstGeom prst="rect">
+            <a:avLst/>
+          </a:prstGeom>
+        </p:spPr>
+        <p:txBody>
+          <a:bodyPr lIns="0" rIns="0" tIns="0" bIns="0"/>
+          <a:p>
+            <a:endParaRPr/>
+          </a:p>
+        </p:txBody>
+      </p:sp>
+      <p:sp>
+        <p:nvSpPr>
+          <p:cNvPr id="105" name="PlaceHolder 3"/>
+          <p:cNvSpPr>
+            <a:spLocks noGrp="1"/>
+          </p:cNvSpPr>
+          <p:nvPr>
+            <p:ph type="body"/>
+          </p:nvPr>
+        </p:nvSpPr>
+        <p:spPr>
+          <a:xfrm>
+            <a:off x="609480" y="1604520"/>
+            <a:ext cx="10972440" cy="3977280"/>
+          </a:xfrm>
+          <a:prstGeom prst="rect">
+            <a:avLst/>
+          </a:prstGeom>
+        </p:spPr>
+        <p:txBody>
+          <a:bodyPr lIns="0" rIns="0" tIns="0" bIns="0"/>
+          <a:p>
+            <a:endParaRPr/>
+          </a:p>
+        </p:txBody>
+      </p:sp>
+      <p:pic>
+        <p:nvPicPr>
+          <p:cNvPr id="106" name="" descr=""/>
+          <p:cNvPicPr/>
+          <p:nvPr/>
+        </p:nvPicPr>
+        <p:blipFill>
+          <a:blip r:embed="rId2"/>
+          <a:stretch>
+            <a:fillRect/>
+          </a:stretch>
+        </p:blipFill>
+        <p:spPr>
+          <a:xfrm>
+            <a:off x="3602880" y="1604520"/>
+            <a:ext cx="4984920" cy="3977280"/>
+          </a:xfrm>
+          <a:prstGeom prst="rect">
+            <a:avLst/>
+          </a:prstGeom>
+          <a:ln>
+            <a:noFill/>
+          </a:ln>
+        </p:spPr>
+      </p:pic>
+      <p:pic>
+        <p:nvPicPr>
+          <p:cNvPr id="107" name="" descr=""/>
+          <p:cNvPicPr/>
+          <p:nvPr/>
+        </p:nvPicPr>
+        <p:blipFill>
+          <a:blip r:embed="rId3"/>
+          <a:stretch>
+            <a:fillRect/>
+          </a:stretch>
+        </p:blipFill>
+        <p:spPr>
+          <a:xfrm>
+            <a:off x="3602880" y="1604520"/>
+            <a:ext cx="4984920" cy="3977280"/>
+          </a:xfrm>
+          <a:prstGeom prst="rect">
+            <a:avLst/>
+          </a:prstGeom>
+          <a:ln>
+            <a:noFill/>
+          </a:ln>
+        </p:spPr>
+      </p:pic>
+    </p:spTree>
+  </p:cSld>
+</p:sldLayout>
+</file>
+
+<file path=ppt/slideLayouts/slideLayout37.xml><?xml version="1.0" encoding="utf-8"?>
+<p:sldLayout xmlns:a="http://schemas.openxmlformats.org/drawingml/2006/main" xmlns:p="http://schemas.openxmlformats.org/presentationml/2006/main" xmlns:r="http://schemas.openxmlformats.org/officeDocument/2006/relationships" type="blank" preserve="1">
+  <p:cSld name="Blank Slide">
+    <p:spTree>
+      <p:nvGrpSpPr>
+        <p:cNvPr id="1" name=""/>
+        <p:cNvGrpSpPr/>
+        <p:nvPr/>
+      </p:nvGrpSpPr>
+      <p:grpSpPr>
+        <a:xfrm>
+          <a:off x="0" y="0"/>
+          <a:ext cx="0" cy="0"/>
+          <a:chOff x="0" y="0"/>
+          <a:chExt cx="0" cy="0"/>
+        </a:xfrm>
+      </p:grpSpPr>
+    </p:spTree>
+  </p:cSld>
+</p:sldLayout>
+</file>
+
+<file path=ppt/slideLayouts/slideLayout38.xml><?xml version="1.0" encoding="utf-8"?>
+<p:sldLayout xmlns:a="http://schemas.openxmlformats.org/drawingml/2006/main" xmlns:p="http://schemas.openxmlformats.org/presentationml/2006/main" xmlns:r="http://schemas.openxmlformats.org/officeDocument/2006/relationships" type="tx" preserve="1">
+  <p:cSld name="Title Slide">
+    <p:spTree>
+      <p:nvGrpSpPr>
+        <p:cNvPr id="1" name=""/>
+        <p:cNvGrpSpPr/>
+        <p:nvPr/>
+      </p:nvGrpSpPr>
+      <p:grpSpPr>
+        <a:xfrm>
+          <a:off x="0" y="0"/>
+          <a:ext cx="0" cy="0"/>
+          <a:chOff x="0" y="0"/>
+          <a:chExt cx="0" cy="0"/>
+        </a:xfrm>
+      </p:grpSpPr>
+      <p:sp>
+        <p:nvSpPr>
+          <p:cNvPr id="110" name="PlaceHolder 1"/>
+          <p:cNvSpPr>
+            <a:spLocks noGrp="1"/>
+          </p:cNvSpPr>
+          <p:nvPr>
+            <p:ph type="title"/>
+          </p:nvPr>
+        </p:nvSpPr>
+        <p:spPr>
+          <a:xfrm>
+            <a:off x="609480" y="273600"/>
+            <a:ext cx="10972440" cy="1145160"/>
+          </a:xfrm>
+          <a:prstGeom prst="rect">
+            <a:avLst/>
+          </a:prstGeom>
+        </p:spPr>
+        <p:txBody>
+          <a:bodyPr lIns="0" rIns="0" tIns="0" bIns="0" anchor="ctr"/>
+          <a:p>
+            <a:pPr algn="ctr"/>
+            <a:endParaRPr/>
+          </a:p>
+        </p:txBody>
+      </p:sp>
+      <p:sp>
+        <p:nvSpPr>
+          <p:cNvPr id="111" name="PlaceHolder 2"/>
+          <p:cNvSpPr>
+            <a:spLocks noGrp="1"/>
+          </p:cNvSpPr>
+          <p:nvPr>
+            <p:ph type="subTitle"/>
+          </p:nvPr>
+        </p:nvSpPr>
+        <p:spPr>
+          <a:xfrm>
+            <a:off x="609480" y="1604520"/>
+            <a:ext cx="10972440" cy="3977640"/>
+          </a:xfrm>
+          <a:prstGeom prst="rect">
+            <a:avLst/>
+          </a:prstGeom>
+        </p:spPr>
+        <p:txBody>
+          <a:bodyPr lIns="0" rIns="0" tIns="0" bIns="0" anchor="ctr"/>
+          <a:p>
+            <a:pPr algn="ctr"/>
+            <a:endParaRPr/>
+          </a:p>
+        </p:txBody>
+      </p:sp>
+    </p:spTree>
+  </p:cSld>
+</p:sldLayout>
+</file>
+
+<file path=ppt/slideLayouts/slideLayout39.xml><?xml version="1.0" encoding="utf-8"?>
+<p:sldLayout xmlns:a="http://schemas.openxmlformats.org/drawingml/2006/main" xmlns:p="http://schemas.openxmlformats.org/presentationml/2006/main" xmlns:r="http://schemas.openxmlformats.org/officeDocument/2006/relationships" type="obj" preserve="1">
+  <p:cSld name="Title, Content">
+    <p:spTree>
+      <p:nvGrpSpPr>
+        <p:cNvPr id="1" name=""/>
+        <p:cNvGrpSpPr/>
+        <p:nvPr/>
+      </p:nvGrpSpPr>
+      <p:grpSpPr>
+        <a:xfrm>
+          <a:off x="0" y="0"/>
+          <a:ext cx="0" cy="0"/>
+          <a:chOff x="0" y="0"/>
+          <a:chExt cx="0" cy="0"/>
+        </a:xfrm>
+      </p:grpSpPr>
+      <p:sp>
+        <p:nvSpPr>
+          <p:cNvPr id="112" name="PlaceHolder 1"/>
+          <p:cNvSpPr>
+            <a:spLocks noGrp="1"/>
+          </p:cNvSpPr>
+          <p:nvPr>
+            <p:ph type="title"/>
+          </p:nvPr>
+        </p:nvSpPr>
+        <p:spPr>
+          <a:xfrm>
+            <a:off x="609480" y="273600"/>
+            <a:ext cx="10972440" cy="1145160"/>
+          </a:xfrm>
+          <a:prstGeom prst="rect">
+            <a:avLst/>
+          </a:prstGeom>
+        </p:spPr>
+        <p:txBody>
+          <a:bodyPr lIns="0" rIns="0" tIns="0" bIns="0" anchor="ctr"/>
+          <a:p>
+            <a:pPr algn="ctr"/>
+            <a:endParaRPr/>
+          </a:p>
+        </p:txBody>
+      </p:sp>
+      <p:sp>
+        <p:nvSpPr>
+          <p:cNvPr id="113" name="PlaceHolder 2"/>
+          <p:cNvSpPr>
+            <a:spLocks noGrp="1"/>
+          </p:cNvSpPr>
+          <p:nvPr>
+            <p:ph type="body"/>
+          </p:nvPr>
+        </p:nvSpPr>
+        <p:spPr>
+          <a:xfrm>
+            <a:off x="609480" y="1604520"/>
+            <a:ext cx="10972440" cy="3977280"/>
           </a:xfrm>
           <a:prstGeom prst="rect">
             <a:avLst/>
@@ -2035,7 +3392,7 @@
       </p:grpSpPr>
       <p:sp>
         <p:nvSpPr>
-          <p:cNvPr id="9" name="PlaceHolder 1"/>
+          <p:cNvPr id="6" name="PlaceHolder 1"/>
           <p:cNvSpPr>
             <a:spLocks noGrp="1"/>
           </p:cNvSpPr>
@@ -2045,8 +3402,8 @@
         </p:nvSpPr>
         <p:spPr>
           <a:xfrm>
-            <a:off x="838080" y="365040"/>
-            <a:ext cx="10515240" cy="1325520"/>
+            <a:off x="609480" y="273600"/>
+            <a:ext cx="10972440" cy="1145160"/>
           </a:xfrm>
           <a:prstGeom prst="rect">
             <a:avLst/>
@@ -2055,13 +3412,14 @@
         <p:txBody>
           <a:bodyPr lIns="0" rIns="0" tIns="0" bIns="0" anchor="ctr"/>
           <a:p>
-            <a:endParaRPr/>
-          </a:p>
-        </p:txBody>
-      </p:sp>
-      <p:sp>
-        <p:nvSpPr>
-          <p:cNvPr id="10" name="PlaceHolder 2"/>
+            <a:pPr algn="ctr"/>
+            <a:endParaRPr/>
+          </a:p>
+        </p:txBody>
+      </p:sp>
+      <p:sp>
+        <p:nvSpPr>
+          <p:cNvPr id="7" name="PlaceHolder 2"/>
           <p:cNvSpPr>
             <a:spLocks noGrp="1"/>
           </p:cNvSpPr>
@@ -2071,8 +3429,8 @@
         </p:nvSpPr>
         <p:spPr>
           <a:xfrm>
-            <a:off x="838080" y="1825560"/>
-            <a:ext cx="5131080" cy="4350960"/>
+            <a:off x="609480" y="1604520"/>
+            <a:ext cx="5354280" cy="3977280"/>
           </a:xfrm>
           <a:prstGeom prst="rect">
             <a:avLst/>
@@ -2087,7 +3445,7 @@
       </p:sp>
       <p:sp>
         <p:nvSpPr>
-          <p:cNvPr id="11" name="PlaceHolder 3"/>
+          <p:cNvPr id="8" name="PlaceHolder 3"/>
           <p:cNvSpPr>
             <a:spLocks noGrp="1"/>
           </p:cNvSpPr>
@@ -2097,8 +3455,8 @@
         </p:nvSpPr>
         <p:spPr>
           <a:xfrm>
-            <a:off x="6226200" y="1825560"/>
-            <a:ext cx="5131080" cy="4350960"/>
+            <a:off x="6231960" y="1604520"/>
+            <a:ext cx="5354280" cy="3977280"/>
           </a:xfrm>
           <a:prstGeom prst="rect">
             <a:avLst/>
@@ -2111,6 +3469,991 @@
           </a:p>
         </p:txBody>
       </p:sp>
+    </p:spTree>
+  </p:cSld>
+</p:sldLayout>
+</file>
+
+<file path=ppt/slideLayouts/slideLayout40.xml><?xml version="1.0" encoding="utf-8"?>
+<p:sldLayout xmlns:a="http://schemas.openxmlformats.org/drawingml/2006/main" xmlns:p="http://schemas.openxmlformats.org/presentationml/2006/main" xmlns:r="http://schemas.openxmlformats.org/officeDocument/2006/relationships" type="twoObj" preserve="1">
+  <p:cSld name="Title, 2 Content">
+    <p:spTree>
+      <p:nvGrpSpPr>
+        <p:cNvPr id="1" name=""/>
+        <p:cNvGrpSpPr/>
+        <p:nvPr/>
+      </p:nvGrpSpPr>
+      <p:grpSpPr>
+        <a:xfrm>
+          <a:off x="0" y="0"/>
+          <a:ext cx="0" cy="0"/>
+          <a:chOff x="0" y="0"/>
+          <a:chExt cx="0" cy="0"/>
+        </a:xfrm>
+      </p:grpSpPr>
+      <p:sp>
+        <p:nvSpPr>
+          <p:cNvPr id="114" name="PlaceHolder 1"/>
+          <p:cNvSpPr>
+            <a:spLocks noGrp="1"/>
+          </p:cNvSpPr>
+          <p:nvPr>
+            <p:ph type="title"/>
+          </p:nvPr>
+        </p:nvSpPr>
+        <p:spPr>
+          <a:xfrm>
+            <a:off x="609480" y="273600"/>
+            <a:ext cx="10972440" cy="1145160"/>
+          </a:xfrm>
+          <a:prstGeom prst="rect">
+            <a:avLst/>
+          </a:prstGeom>
+        </p:spPr>
+        <p:txBody>
+          <a:bodyPr lIns="0" rIns="0" tIns="0" bIns="0" anchor="ctr"/>
+          <a:p>
+            <a:pPr algn="ctr"/>
+            <a:endParaRPr/>
+          </a:p>
+        </p:txBody>
+      </p:sp>
+      <p:sp>
+        <p:nvSpPr>
+          <p:cNvPr id="115" name="PlaceHolder 2"/>
+          <p:cNvSpPr>
+            <a:spLocks noGrp="1"/>
+          </p:cNvSpPr>
+          <p:nvPr>
+            <p:ph type="body"/>
+          </p:nvPr>
+        </p:nvSpPr>
+        <p:spPr>
+          <a:xfrm>
+            <a:off x="609480" y="1604520"/>
+            <a:ext cx="5354280" cy="3977280"/>
+          </a:xfrm>
+          <a:prstGeom prst="rect">
+            <a:avLst/>
+          </a:prstGeom>
+        </p:spPr>
+        <p:txBody>
+          <a:bodyPr lIns="0" rIns="0" tIns="0" bIns="0"/>
+          <a:p>
+            <a:endParaRPr/>
+          </a:p>
+        </p:txBody>
+      </p:sp>
+      <p:sp>
+        <p:nvSpPr>
+          <p:cNvPr id="116" name="PlaceHolder 3"/>
+          <p:cNvSpPr>
+            <a:spLocks noGrp="1"/>
+          </p:cNvSpPr>
+          <p:nvPr>
+            <p:ph type="body"/>
+          </p:nvPr>
+        </p:nvSpPr>
+        <p:spPr>
+          <a:xfrm>
+            <a:off x="6231960" y="1604520"/>
+            <a:ext cx="5354280" cy="3977280"/>
+          </a:xfrm>
+          <a:prstGeom prst="rect">
+            <a:avLst/>
+          </a:prstGeom>
+        </p:spPr>
+        <p:txBody>
+          <a:bodyPr lIns="0" rIns="0" tIns="0" bIns="0"/>
+          <a:p>
+            <a:endParaRPr/>
+          </a:p>
+        </p:txBody>
+      </p:sp>
+    </p:spTree>
+  </p:cSld>
+</p:sldLayout>
+</file>
+
+<file path=ppt/slideLayouts/slideLayout41.xml><?xml version="1.0" encoding="utf-8"?>
+<p:sldLayout xmlns:a="http://schemas.openxmlformats.org/drawingml/2006/main" xmlns:p="http://schemas.openxmlformats.org/presentationml/2006/main" xmlns:r="http://schemas.openxmlformats.org/officeDocument/2006/relationships" type="titleOnly" preserve="1">
+  <p:cSld name="Title Only">
+    <p:spTree>
+      <p:nvGrpSpPr>
+        <p:cNvPr id="1" name=""/>
+        <p:cNvGrpSpPr/>
+        <p:nvPr/>
+      </p:nvGrpSpPr>
+      <p:grpSpPr>
+        <a:xfrm>
+          <a:off x="0" y="0"/>
+          <a:ext cx="0" cy="0"/>
+          <a:chOff x="0" y="0"/>
+          <a:chExt cx="0" cy="0"/>
+        </a:xfrm>
+      </p:grpSpPr>
+      <p:sp>
+        <p:nvSpPr>
+          <p:cNvPr id="117" name="PlaceHolder 1"/>
+          <p:cNvSpPr>
+            <a:spLocks noGrp="1"/>
+          </p:cNvSpPr>
+          <p:nvPr>
+            <p:ph type="title"/>
+          </p:nvPr>
+        </p:nvSpPr>
+        <p:spPr>
+          <a:xfrm>
+            <a:off x="609480" y="273600"/>
+            <a:ext cx="10972440" cy="1145160"/>
+          </a:xfrm>
+          <a:prstGeom prst="rect">
+            <a:avLst/>
+          </a:prstGeom>
+        </p:spPr>
+        <p:txBody>
+          <a:bodyPr lIns="0" rIns="0" tIns="0" bIns="0" anchor="ctr"/>
+          <a:p>
+            <a:pPr algn="ctr"/>
+            <a:endParaRPr/>
+          </a:p>
+        </p:txBody>
+      </p:sp>
+    </p:spTree>
+  </p:cSld>
+</p:sldLayout>
+</file>
+
+<file path=ppt/slideLayouts/slideLayout42.xml><?xml version="1.0" encoding="utf-8"?>
+<p:sldLayout xmlns:a="http://schemas.openxmlformats.org/drawingml/2006/main" xmlns:p="http://schemas.openxmlformats.org/presentationml/2006/main" xmlns:r="http://schemas.openxmlformats.org/officeDocument/2006/relationships" type="objOnly" preserve="1">
+  <p:cSld name="Centered Text">
+    <p:spTree>
+      <p:nvGrpSpPr>
+        <p:cNvPr id="1" name=""/>
+        <p:cNvGrpSpPr/>
+        <p:nvPr/>
+      </p:nvGrpSpPr>
+      <p:grpSpPr>
+        <a:xfrm>
+          <a:off x="0" y="0"/>
+          <a:ext cx="0" cy="0"/>
+          <a:chOff x="0" y="0"/>
+          <a:chExt cx="0" cy="0"/>
+        </a:xfrm>
+      </p:grpSpPr>
+      <p:sp>
+        <p:nvSpPr>
+          <p:cNvPr id="118" name="PlaceHolder 1"/>
+          <p:cNvSpPr>
+            <a:spLocks noGrp="1"/>
+          </p:cNvSpPr>
+          <p:nvPr>
+            <p:ph type="subTitle"/>
+          </p:nvPr>
+        </p:nvSpPr>
+        <p:spPr>
+          <a:xfrm>
+            <a:off x="609480" y="273600"/>
+            <a:ext cx="10972440" cy="5308200"/>
+          </a:xfrm>
+          <a:prstGeom prst="rect">
+            <a:avLst/>
+          </a:prstGeom>
+        </p:spPr>
+        <p:txBody>
+          <a:bodyPr lIns="0" rIns="0" tIns="0" bIns="0" anchor="ctr"/>
+          <a:p>
+            <a:pPr algn="ctr"/>
+            <a:endParaRPr/>
+          </a:p>
+        </p:txBody>
+      </p:sp>
+    </p:spTree>
+  </p:cSld>
+</p:sldLayout>
+</file>
+
+<file path=ppt/slideLayouts/slideLayout43.xml><?xml version="1.0" encoding="utf-8"?>
+<p:sldLayout xmlns:a="http://schemas.openxmlformats.org/drawingml/2006/main" xmlns:p="http://schemas.openxmlformats.org/presentationml/2006/main" xmlns:r="http://schemas.openxmlformats.org/officeDocument/2006/relationships" type="twoObjAndObj" preserve="1">
+  <p:cSld name="Title, 2 Content and Content">
+    <p:spTree>
+      <p:nvGrpSpPr>
+        <p:cNvPr id="1" name=""/>
+        <p:cNvGrpSpPr/>
+        <p:nvPr/>
+      </p:nvGrpSpPr>
+      <p:grpSpPr>
+        <a:xfrm>
+          <a:off x="0" y="0"/>
+          <a:ext cx="0" cy="0"/>
+          <a:chOff x="0" y="0"/>
+          <a:chExt cx="0" cy="0"/>
+        </a:xfrm>
+      </p:grpSpPr>
+      <p:sp>
+        <p:nvSpPr>
+          <p:cNvPr id="119" name="PlaceHolder 1"/>
+          <p:cNvSpPr>
+            <a:spLocks noGrp="1"/>
+          </p:cNvSpPr>
+          <p:nvPr>
+            <p:ph type="title"/>
+          </p:nvPr>
+        </p:nvSpPr>
+        <p:spPr>
+          <a:xfrm>
+            <a:off x="609480" y="273600"/>
+            <a:ext cx="10972440" cy="1145160"/>
+          </a:xfrm>
+          <a:prstGeom prst="rect">
+            <a:avLst/>
+          </a:prstGeom>
+        </p:spPr>
+        <p:txBody>
+          <a:bodyPr lIns="0" rIns="0" tIns="0" bIns="0" anchor="ctr"/>
+          <a:p>
+            <a:pPr algn="ctr"/>
+            <a:endParaRPr/>
+          </a:p>
+        </p:txBody>
+      </p:sp>
+      <p:sp>
+        <p:nvSpPr>
+          <p:cNvPr id="120" name="PlaceHolder 2"/>
+          <p:cNvSpPr>
+            <a:spLocks noGrp="1"/>
+          </p:cNvSpPr>
+          <p:nvPr>
+            <p:ph type="body"/>
+          </p:nvPr>
+        </p:nvSpPr>
+        <p:spPr>
+          <a:xfrm>
+            <a:off x="609480" y="1604520"/>
+            <a:ext cx="5354280" cy="1896840"/>
+          </a:xfrm>
+          <a:prstGeom prst="rect">
+            <a:avLst/>
+          </a:prstGeom>
+        </p:spPr>
+        <p:txBody>
+          <a:bodyPr lIns="0" rIns="0" tIns="0" bIns="0"/>
+          <a:p>
+            <a:endParaRPr/>
+          </a:p>
+        </p:txBody>
+      </p:sp>
+      <p:sp>
+        <p:nvSpPr>
+          <p:cNvPr id="121" name="PlaceHolder 3"/>
+          <p:cNvSpPr>
+            <a:spLocks noGrp="1"/>
+          </p:cNvSpPr>
+          <p:nvPr>
+            <p:ph type="body"/>
+          </p:nvPr>
+        </p:nvSpPr>
+        <p:spPr>
+          <a:xfrm>
+            <a:off x="609480" y="3682080"/>
+            <a:ext cx="5354280" cy="1896840"/>
+          </a:xfrm>
+          <a:prstGeom prst="rect">
+            <a:avLst/>
+          </a:prstGeom>
+        </p:spPr>
+        <p:txBody>
+          <a:bodyPr lIns="0" rIns="0" tIns="0" bIns="0"/>
+          <a:p>
+            <a:endParaRPr/>
+          </a:p>
+        </p:txBody>
+      </p:sp>
+      <p:sp>
+        <p:nvSpPr>
+          <p:cNvPr id="122" name="PlaceHolder 4"/>
+          <p:cNvSpPr>
+            <a:spLocks noGrp="1"/>
+          </p:cNvSpPr>
+          <p:nvPr>
+            <p:ph type="body"/>
+          </p:nvPr>
+        </p:nvSpPr>
+        <p:spPr>
+          <a:xfrm>
+            <a:off x="6231960" y="1604520"/>
+            <a:ext cx="5354280" cy="3977280"/>
+          </a:xfrm>
+          <a:prstGeom prst="rect">
+            <a:avLst/>
+          </a:prstGeom>
+        </p:spPr>
+        <p:txBody>
+          <a:bodyPr lIns="0" rIns="0" tIns="0" bIns="0"/>
+          <a:p>
+            <a:endParaRPr/>
+          </a:p>
+        </p:txBody>
+      </p:sp>
+    </p:spTree>
+  </p:cSld>
+</p:sldLayout>
+</file>
+
+<file path=ppt/slideLayouts/slideLayout44.xml><?xml version="1.0" encoding="utf-8"?>
+<p:sldLayout xmlns:a="http://schemas.openxmlformats.org/drawingml/2006/main" xmlns:p="http://schemas.openxmlformats.org/presentationml/2006/main" xmlns:r="http://schemas.openxmlformats.org/officeDocument/2006/relationships" type="objAndTwoObj" preserve="1">
+  <p:cSld name="Title Content and 2 Content">
+    <p:spTree>
+      <p:nvGrpSpPr>
+        <p:cNvPr id="1" name=""/>
+        <p:cNvGrpSpPr/>
+        <p:nvPr/>
+      </p:nvGrpSpPr>
+      <p:grpSpPr>
+        <a:xfrm>
+          <a:off x="0" y="0"/>
+          <a:ext cx="0" cy="0"/>
+          <a:chOff x="0" y="0"/>
+          <a:chExt cx="0" cy="0"/>
+        </a:xfrm>
+      </p:grpSpPr>
+      <p:sp>
+        <p:nvSpPr>
+          <p:cNvPr id="123" name="PlaceHolder 1"/>
+          <p:cNvSpPr>
+            <a:spLocks noGrp="1"/>
+          </p:cNvSpPr>
+          <p:nvPr>
+            <p:ph type="title"/>
+          </p:nvPr>
+        </p:nvSpPr>
+        <p:spPr>
+          <a:xfrm>
+            <a:off x="609480" y="273600"/>
+            <a:ext cx="10972440" cy="1145160"/>
+          </a:xfrm>
+          <a:prstGeom prst="rect">
+            <a:avLst/>
+          </a:prstGeom>
+        </p:spPr>
+        <p:txBody>
+          <a:bodyPr lIns="0" rIns="0" tIns="0" bIns="0" anchor="ctr"/>
+          <a:p>
+            <a:pPr algn="ctr"/>
+            <a:endParaRPr/>
+          </a:p>
+        </p:txBody>
+      </p:sp>
+      <p:sp>
+        <p:nvSpPr>
+          <p:cNvPr id="124" name="PlaceHolder 2"/>
+          <p:cNvSpPr>
+            <a:spLocks noGrp="1"/>
+          </p:cNvSpPr>
+          <p:nvPr>
+            <p:ph type="body"/>
+          </p:nvPr>
+        </p:nvSpPr>
+        <p:spPr>
+          <a:xfrm>
+            <a:off x="609480" y="1604520"/>
+            <a:ext cx="5354280" cy="3977280"/>
+          </a:xfrm>
+          <a:prstGeom prst="rect">
+            <a:avLst/>
+          </a:prstGeom>
+        </p:spPr>
+        <p:txBody>
+          <a:bodyPr lIns="0" rIns="0" tIns="0" bIns="0"/>
+          <a:p>
+            <a:endParaRPr/>
+          </a:p>
+        </p:txBody>
+      </p:sp>
+      <p:sp>
+        <p:nvSpPr>
+          <p:cNvPr id="125" name="PlaceHolder 3"/>
+          <p:cNvSpPr>
+            <a:spLocks noGrp="1"/>
+          </p:cNvSpPr>
+          <p:nvPr>
+            <p:ph type="body"/>
+          </p:nvPr>
+        </p:nvSpPr>
+        <p:spPr>
+          <a:xfrm>
+            <a:off x="6231960" y="1604520"/>
+            <a:ext cx="5354280" cy="1896840"/>
+          </a:xfrm>
+          <a:prstGeom prst="rect">
+            <a:avLst/>
+          </a:prstGeom>
+        </p:spPr>
+        <p:txBody>
+          <a:bodyPr lIns="0" rIns="0" tIns="0" bIns="0"/>
+          <a:p>
+            <a:endParaRPr/>
+          </a:p>
+        </p:txBody>
+      </p:sp>
+      <p:sp>
+        <p:nvSpPr>
+          <p:cNvPr id="126" name="PlaceHolder 4"/>
+          <p:cNvSpPr>
+            <a:spLocks noGrp="1"/>
+          </p:cNvSpPr>
+          <p:nvPr>
+            <p:ph type="body"/>
+          </p:nvPr>
+        </p:nvSpPr>
+        <p:spPr>
+          <a:xfrm>
+            <a:off x="6231960" y="3682080"/>
+            <a:ext cx="5354280" cy="1896840"/>
+          </a:xfrm>
+          <a:prstGeom prst="rect">
+            <a:avLst/>
+          </a:prstGeom>
+        </p:spPr>
+        <p:txBody>
+          <a:bodyPr lIns="0" rIns="0" tIns="0" bIns="0"/>
+          <a:p>
+            <a:endParaRPr/>
+          </a:p>
+        </p:txBody>
+      </p:sp>
+    </p:spTree>
+  </p:cSld>
+</p:sldLayout>
+</file>
+
+<file path=ppt/slideLayouts/slideLayout45.xml><?xml version="1.0" encoding="utf-8"?>
+<p:sldLayout xmlns:a="http://schemas.openxmlformats.org/drawingml/2006/main" xmlns:p="http://schemas.openxmlformats.org/presentationml/2006/main" xmlns:r="http://schemas.openxmlformats.org/officeDocument/2006/relationships" type="twoObjOverTx" preserve="1">
+  <p:cSld name="Title, 2 Content over Content">
+    <p:spTree>
+      <p:nvGrpSpPr>
+        <p:cNvPr id="1" name=""/>
+        <p:cNvGrpSpPr/>
+        <p:nvPr/>
+      </p:nvGrpSpPr>
+      <p:grpSpPr>
+        <a:xfrm>
+          <a:off x="0" y="0"/>
+          <a:ext cx="0" cy="0"/>
+          <a:chOff x="0" y="0"/>
+          <a:chExt cx="0" cy="0"/>
+        </a:xfrm>
+      </p:grpSpPr>
+      <p:sp>
+        <p:nvSpPr>
+          <p:cNvPr id="127" name="PlaceHolder 1"/>
+          <p:cNvSpPr>
+            <a:spLocks noGrp="1"/>
+          </p:cNvSpPr>
+          <p:nvPr>
+            <p:ph type="title"/>
+          </p:nvPr>
+        </p:nvSpPr>
+        <p:spPr>
+          <a:xfrm>
+            <a:off x="609480" y="273600"/>
+            <a:ext cx="10972440" cy="1145160"/>
+          </a:xfrm>
+          <a:prstGeom prst="rect">
+            <a:avLst/>
+          </a:prstGeom>
+        </p:spPr>
+        <p:txBody>
+          <a:bodyPr lIns="0" rIns="0" tIns="0" bIns="0" anchor="ctr"/>
+          <a:p>
+            <a:pPr algn="ctr"/>
+            <a:endParaRPr/>
+          </a:p>
+        </p:txBody>
+      </p:sp>
+      <p:sp>
+        <p:nvSpPr>
+          <p:cNvPr id="128" name="PlaceHolder 2"/>
+          <p:cNvSpPr>
+            <a:spLocks noGrp="1"/>
+          </p:cNvSpPr>
+          <p:nvPr>
+            <p:ph type="body"/>
+          </p:nvPr>
+        </p:nvSpPr>
+        <p:spPr>
+          <a:xfrm>
+            <a:off x="609480" y="1604520"/>
+            <a:ext cx="5354280" cy="1896840"/>
+          </a:xfrm>
+          <a:prstGeom prst="rect">
+            <a:avLst/>
+          </a:prstGeom>
+        </p:spPr>
+        <p:txBody>
+          <a:bodyPr lIns="0" rIns="0" tIns="0" bIns="0"/>
+          <a:p>
+            <a:endParaRPr/>
+          </a:p>
+        </p:txBody>
+      </p:sp>
+      <p:sp>
+        <p:nvSpPr>
+          <p:cNvPr id="129" name="PlaceHolder 3"/>
+          <p:cNvSpPr>
+            <a:spLocks noGrp="1"/>
+          </p:cNvSpPr>
+          <p:nvPr>
+            <p:ph type="body"/>
+          </p:nvPr>
+        </p:nvSpPr>
+        <p:spPr>
+          <a:xfrm>
+            <a:off x="6231960" y="1604520"/>
+            <a:ext cx="5354280" cy="1896840"/>
+          </a:xfrm>
+          <a:prstGeom prst="rect">
+            <a:avLst/>
+          </a:prstGeom>
+        </p:spPr>
+        <p:txBody>
+          <a:bodyPr lIns="0" rIns="0" tIns="0" bIns="0"/>
+          <a:p>
+            <a:endParaRPr/>
+          </a:p>
+        </p:txBody>
+      </p:sp>
+      <p:sp>
+        <p:nvSpPr>
+          <p:cNvPr id="130" name="PlaceHolder 4"/>
+          <p:cNvSpPr>
+            <a:spLocks noGrp="1"/>
+          </p:cNvSpPr>
+          <p:nvPr>
+            <p:ph type="body"/>
+          </p:nvPr>
+        </p:nvSpPr>
+        <p:spPr>
+          <a:xfrm>
+            <a:off x="609480" y="3682080"/>
+            <a:ext cx="10972440" cy="1896840"/>
+          </a:xfrm>
+          <a:prstGeom prst="rect">
+            <a:avLst/>
+          </a:prstGeom>
+        </p:spPr>
+        <p:txBody>
+          <a:bodyPr lIns="0" rIns="0" tIns="0" bIns="0"/>
+          <a:p>
+            <a:endParaRPr/>
+          </a:p>
+        </p:txBody>
+      </p:sp>
+    </p:spTree>
+  </p:cSld>
+</p:sldLayout>
+</file>
+
+<file path=ppt/slideLayouts/slideLayout46.xml><?xml version="1.0" encoding="utf-8"?>
+<p:sldLayout xmlns:a="http://schemas.openxmlformats.org/drawingml/2006/main" xmlns:p="http://schemas.openxmlformats.org/presentationml/2006/main" xmlns:r="http://schemas.openxmlformats.org/officeDocument/2006/relationships" type="objOverTx" preserve="1">
+  <p:cSld name="Title, Content over Content">
+    <p:spTree>
+      <p:nvGrpSpPr>
+        <p:cNvPr id="1" name=""/>
+        <p:cNvGrpSpPr/>
+        <p:nvPr/>
+      </p:nvGrpSpPr>
+      <p:grpSpPr>
+        <a:xfrm>
+          <a:off x="0" y="0"/>
+          <a:ext cx="0" cy="0"/>
+          <a:chOff x="0" y="0"/>
+          <a:chExt cx="0" cy="0"/>
+        </a:xfrm>
+      </p:grpSpPr>
+      <p:sp>
+        <p:nvSpPr>
+          <p:cNvPr id="131" name="PlaceHolder 1"/>
+          <p:cNvSpPr>
+            <a:spLocks noGrp="1"/>
+          </p:cNvSpPr>
+          <p:nvPr>
+            <p:ph type="title"/>
+          </p:nvPr>
+        </p:nvSpPr>
+        <p:spPr>
+          <a:xfrm>
+            <a:off x="609480" y="273600"/>
+            <a:ext cx="10972440" cy="1145160"/>
+          </a:xfrm>
+          <a:prstGeom prst="rect">
+            <a:avLst/>
+          </a:prstGeom>
+        </p:spPr>
+        <p:txBody>
+          <a:bodyPr lIns="0" rIns="0" tIns="0" bIns="0" anchor="ctr"/>
+          <a:p>
+            <a:pPr algn="ctr"/>
+            <a:endParaRPr/>
+          </a:p>
+        </p:txBody>
+      </p:sp>
+      <p:sp>
+        <p:nvSpPr>
+          <p:cNvPr id="132" name="PlaceHolder 2"/>
+          <p:cNvSpPr>
+            <a:spLocks noGrp="1"/>
+          </p:cNvSpPr>
+          <p:nvPr>
+            <p:ph type="body"/>
+          </p:nvPr>
+        </p:nvSpPr>
+        <p:spPr>
+          <a:xfrm>
+            <a:off x="609480" y="1604520"/>
+            <a:ext cx="10972440" cy="1896840"/>
+          </a:xfrm>
+          <a:prstGeom prst="rect">
+            <a:avLst/>
+          </a:prstGeom>
+        </p:spPr>
+        <p:txBody>
+          <a:bodyPr lIns="0" rIns="0" tIns="0" bIns="0"/>
+          <a:p>
+            <a:endParaRPr/>
+          </a:p>
+        </p:txBody>
+      </p:sp>
+      <p:sp>
+        <p:nvSpPr>
+          <p:cNvPr id="133" name="PlaceHolder 3"/>
+          <p:cNvSpPr>
+            <a:spLocks noGrp="1"/>
+          </p:cNvSpPr>
+          <p:nvPr>
+            <p:ph type="body"/>
+          </p:nvPr>
+        </p:nvSpPr>
+        <p:spPr>
+          <a:xfrm>
+            <a:off x="609480" y="3682080"/>
+            <a:ext cx="10972440" cy="1896840"/>
+          </a:xfrm>
+          <a:prstGeom prst="rect">
+            <a:avLst/>
+          </a:prstGeom>
+        </p:spPr>
+        <p:txBody>
+          <a:bodyPr lIns="0" rIns="0" tIns="0" bIns="0"/>
+          <a:p>
+            <a:endParaRPr/>
+          </a:p>
+        </p:txBody>
+      </p:sp>
+    </p:spTree>
+  </p:cSld>
+</p:sldLayout>
+</file>
+
+<file path=ppt/slideLayouts/slideLayout47.xml><?xml version="1.0" encoding="utf-8"?>
+<p:sldLayout xmlns:a="http://schemas.openxmlformats.org/drawingml/2006/main" xmlns:p="http://schemas.openxmlformats.org/presentationml/2006/main" xmlns:r="http://schemas.openxmlformats.org/officeDocument/2006/relationships" type="fourObj" preserve="1">
+  <p:cSld name="Title, 4 Content">
+    <p:spTree>
+      <p:nvGrpSpPr>
+        <p:cNvPr id="1" name=""/>
+        <p:cNvGrpSpPr/>
+        <p:nvPr/>
+      </p:nvGrpSpPr>
+      <p:grpSpPr>
+        <a:xfrm>
+          <a:off x="0" y="0"/>
+          <a:ext cx="0" cy="0"/>
+          <a:chOff x="0" y="0"/>
+          <a:chExt cx="0" cy="0"/>
+        </a:xfrm>
+      </p:grpSpPr>
+      <p:sp>
+        <p:nvSpPr>
+          <p:cNvPr id="134" name="PlaceHolder 1"/>
+          <p:cNvSpPr>
+            <a:spLocks noGrp="1"/>
+          </p:cNvSpPr>
+          <p:nvPr>
+            <p:ph type="title"/>
+          </p:nvPr>
+        </p:nvSpPr>
+        <p:spPr>
+          <a:xfrm>
+            <a:off x="609480" y="273600"/>
+            <a:ext cx="10972440" cy="1145160"/>
+          </a:xfrm>
+          <a:prstGeom prst="rect">
+            <a:avLst/>
+          </a:prstGeom>
+        </p:spPr>
+        <p:txBody>
+          <a:bodyPr lIns="0" rIns="0" tIns="0" bIns="0" anchor="ctr"/>
+          <a:p>
+            <a:pPr algn="ctr"/>
+            <a:endParaRPr/>
+          </a:p>
+        </p:txBody>
+      </p:sp>
+      <p:sp>
+        <p:nvSpPr>
+          <p:cNvPr id="135" name="PlaceHolder 2"/>
+          <p:cNvSpPr>
+            <a:spLocks noGrp="1"/>
+          </p:cNvSpPr>
+          <p:nvPr>
+            <p:ph type="body"/>
+          </p:nvPr>
+        </p:nvSpPr>
+        <p:spPr>
+          <a:xfrm>
+            <a:off x="609480" y="1604520"/>
+            <a:ext cx="5354280" cy="1896840"/>
+          </a:xfrm>
+          <a:prstGeom prst="rect">
+            <a:avLst/>
+          </a:prstGeom>
+        </p:spPr>
+        <p:txBody>
+          <a:bodyPr lIns="0" rIns="0" tIns="0" bIns="0"/>
+          <a:p>
+            <a:endParaRPr/>
+          </a:p>
+        </p:txBody>
+      </p:sp>
+      <p:sp>
+        <p:nvSpPr>
+          <p:cNvPr id="136" name="PlaceHolder 3"/>
+          <p:cNvSpPr>
+            <a:spLocks noGrp="1"/>
+          </p:cNvSpPr>
+          <p:nvPr>
+            <p:ph type="body"/>
+          </p:nvPr>
+        </p:nvSpPr>
+        <p:spPr>
+          <a:xfrm>
+            <a:off x="6231960" y="1604520"/>
+            <a:ext cx="5354280" cy="1896840"/>
+          </a:xfrm>
+          <a:prstGeom prst="rect">
+            <a:avLst/>
+          </a:prstGeom>
+        </p:spPr>
+        <p:txBody>
+          <a:bodyPr lIns="0" rIns="0" tIns="0" bIns="0"/>
+          <a:p>
+            <a:endParaRPr/>
+          </a:p>
+        </p:txBody>
+      </p:sp>
+      <p:sp>
+        <p:nvSpPr>
+          <p:cNvPr id="137" name="PlaceHolder 4"/>
+          <p:cNvSpPr>
+            <a:spLocks noGrp="1"/>
+          </p:cNvSpPr>
+          <p:nvPr>
+            <p:ph type="body"/>
+          </p:nvPr>
+        </p:nvSpPr>
+        <p:spPr>
+          <a:xfrm>
+            <a:off x="6231960" y="3682080"/>
+            <a:ext cx="5354280" cy="1896840"/>
+          </a:xfrm>
+          <a:prstGeom prst="rect">
+            <a:avLst/>
+          </a:prstGeom>
+        </p:spPr>
+        <p:txBody>
+          <a:bodyPr lIns="0" rIns="0" tIns="0" bIns="0"/>
+          <a:p>
+            <a:endParaRPr/>
+          </a:p>
+        </p:txBody>
+      </p:sp>
+      <p:sp>
+        <p:nvSpPr>
+          <p:cNvPr id="138" name="PlaceHolder 5"/>
+          <p:cNvSpPr>
+            <a:spLocks noGrp="1"/>
+          </p:cNvSpPr>
+          <p:nvPr>
+            <p:ph type="body"/>
+          </p:nvPr>
+        </p:nvSpPr>
+        <p:spPr>
+          <a:xfrm>
+            <a:off x="609480" y="3682080"/>
+            <a:ext cx="5354280" cy="1896840"/>
+          </a:xfrm>
+          <a:prstGeom prst="rect">
+            <a:avLst/>
+          </a:prstGeom>
+        </p:spPr>
+        <p:txBody>
+          <a:bodyPr lIns="0" rIns="0" tIns="0" bIns="0"/>
+          <a:p>
+            <a:endParaRPr/>
+          </a:p>
+        </p:txBody>
+      </p:sp>
+    </p:spTree>
+  </p:cSld>
+</p:sldLayout>
+</file>
+
+<file path=ppt/slideLayouts/slideLayout48.xml><?xml version="1.0" encoding="utf-8"?>
+<p:sldLayout xmlns:a="http://schemas.openxmlformats.org/drawingml/2006/main" xmlns:p="http://schemas.openxmlformats.org/presentationml/2006/main" xmlns:r="http://schemas.openxmlformats.org/officeDocument/2006/relationships" type="blank" preserve="1">
+  <p:cSld name="Title, 6 Content">
+    <p:spTree>
+      <p:nvGrpSpPr>
+        <p:cNvPr id="1" name=""/>
+        <p:cNvGrpSpPr/>
+        <p:nvPr/>
+      </p:nvGrpSpPr>
+      <p:grpSpPr>
+        <a:xfrm>
+          <a:off x="0" y="0"/>
+          <a:ext cx="0" cy="0"/>
+          <a:chOff x="0" y="0"/>
+          <a:chExt cx="0" cy="0"/>
+        </a:xfrm>
+      </p:grpSpPr>
+      <p:sp>
+        <p:nvSpPr>
+          <p:cNvPr id="139" name="PlaceHolder 1"/>
+          <p:cNvSpPr>
+            <a:spLocks noGrp="1"/>
+          </p:cNvSpPr>
+          <p:nvPr>
+            <p:ph type="title"/>
+          </p:nvPr>
+        </p:nvSpPr>
+        <p:spPr>
+          <a:xfrm>
+            <a:off x="609480" y="273600"/>
+            <a:ext cx="10972440" cy="1145160"/>
+          </a:xfrm>
+          <a:prstGeom prst="rect">
+            <a:avLst/>
+          </a:prstGeom>
+        </p:spPr>
+        <p:txBody>
+          <a:bodyPr lIns="0" rIns="0" tIns="0" bIns="0" anchor="ctr"/>
+          <a:p>
+            <a:pPr algn="ctr"/>
+            <a:endParaRPr/>
+          </a:p>
+        </p:txBody>
+      </p:sp>
+      <p:sp>
+        <p:nvSpPr>
+          <p:cNvPr id="140" name="PlaceHolder 2"/>
+          <p:cNvSpPr>
+            <a:spLocks noGrp="1"/>
+          </p:cNvSpPr>
+          <p:nvPr>
+            <p:ph type="body"/>
+          </p:nvPr>
+        </p:nvSpPr>
+        <p:spPr>
+          <a:xfrm>
+            <a:off x="609480" y="1604520"/>
+            <a:ext cx="10972440" cy="3977280"/>
+          </a:xfrm>
+          <a:prstGeom prst="rect">
+            <a:avLst/>
+          </a:prstGeom>
+        </p:spPr>
+        <p:txBody>
+          <a:bodyPr lIns="0" rIns="0" tIns="0" bIns="0"/>
+          <a:p>
+            <a:endParaRPr/>
+          </a:p>
+        </p:txBody>
+      </p:sp>
+      <p:sp>
+        <p:nvSpPr>
+          <p:cNvPr id="141" name="PlaceHolder 3"/>
+          <p:cNvSpPr>
+            <a:spLocks noGrp="1"/>
+          </p:cNvSpPr>
+          <p:nvPr>
+            <p:ph type="body"/>
+          </p:nvPr>
+        </p:nvSpPr>
+        <p:spPr>
+          <a:xfrm>
+            <a:off x="609480" y="1604520"/>
+            <a:ext cx="10972440" cy="3977280"/>
+          </a:xfrm>
+          <a:prstGeom prst="rect">
+            <a:avLst/>
+          </a:prstGeom>
+        </p:spPr>
+        <p:txBody>
+          <a:bodyPr lIns="0" rIns="0" tIns="0" bIns="0"/>
+          <a:p>
+            <a:endParaRPr/>
+          </a:p>
+        </p:txBody>
+      </p:sp>
+      <p:pic>
+        <p:nvPicPr>
+          <p:cNvPr id="142" name="" descr=""/>
+          <p:cNvPicPr/>
+          <p:nvPr/>
+        </p:nvPicPr>
+        <p:blipFill>
+          <a:blip r:embed="rId2"/>
+          <a:stretch>
+            <a:fillRect/>
+          </a:stretch>
+        </p:blipFill>
+        <p:spPr>
+          <a:xfrm>
+            <a:off x="3602880" y="1604520"/>
+            <a:ext cx="4984920" cy="3977280"/>
+          </a:xfrm>
+          <a:prstGeom prst="rect">
+            <a:avLst/>
+          </a:prstGeom>
+          <a:ln>
+            <a:noFill/>
+          </a:ln>
+        </p:spPr>
+      </p:pic>
+      <p:pic>
+        <p:nvPicPr>
+          <p:cNvPr id="143" name="" descr=""/>
+          <p:cNvPicPr/>
+          <p:nvPr/>
+        </p:nvPicPr>
+        <p:blipFill>
+          <a:blip r:embed="rId3"/>
+          <a:stretch>
+            <a:fillRect/>
+          </a:stretch>
+        </p:blipFill>
+        <p:spPr>
+          <a:xfrm>
+            <a:off x="3602880" y="1604520"/>
+            <a:ext cx="4984920" cy="3977280"/>
+          </a:xfrm>
+          <a:prstGeom prst="rect">
+            <a:avLst/>
+          </a:prstGeom>
+          <a:ln>
+            <a:noFill/>
+          </a:ln>
+        </p:spPr>
+      </p:pic>
     </p:spTree>
   </p:cSld>
 </p:sldLayout>
@@ -2135,7 +4478,7 @@
       </p:grpSpPr>
       <p:sp>
         <p:nvSpPr>
-          <p:cNvPr id="12" name="PlaceHolder 1"/>
+          <p:cNvPr id="9" name="PlaceHolder 1"/>
           <p:cNvSpPr>
             <a:spLocks noGrp="1"/>
           </p:cNvSpPr>
@@ -2145,8 +4488,8 @@
         </p:nvSpPr>
         <p:spPr>
           <a:xfrm>
-            <a:off x="838080" y="365040"/>
-            <a:ext cx="10515240" cy="1325520"/>
+            <a:off x="609480" y="273600"/>
+            <a:ext cx="10972440" cy="1145160"/>
           </a:xfrm>
           <a:prstGeom prst="rect">
             <a:avLst/>
@@ -2155,6 +4498,7 @@
         <p:txBody>
           <a:bodyPr lIns="0" rIns="0" tIns="0" bIns="0" anchor="ctr"/>
           <a:p>
+            <a:pPr algn="ctr"/>
             <a:endParaRPr/>
           </a:p>
         </p:txBody>
@@ -2183,7 +4527,7 @@
       </p:grpSpPr>
       <p:sp>
         <p:nvSpPr>
-          <p:cNvPr id="13" name="PlaceHolder 1"/>
+          <p:cNvPr id="10" name="PlaceHolder 1"/>
           <p:cNvSpPr>
             <a:spLocks noGrp="1"/>
           </p:cNvSpPr>
@@ -2193,8 +4537,8 @@
         </p:nvSpPr>
         <p:spPr>
           <a:xfrm>
-            <a:off x="838080" y="365040"/>
-            <a:ext cx="10515240" cy="6144480"/>
+            <a:off x="609480" y="273600"/>
+            <a:ext cx="10972440" cy="5308200"/>
           </a:xfrm>
           <a:prstGeom prst="rect">
             <a:avLst/>
@@ -2232,7 +4576,7 @@
       </p:grpSpPr>
       <p:sp>
         <p:nvSpPr>
-          <p:cNvPr id="14" name="PlaceHolder 1"/>
+          <p:cNvPr id="11" name="PlaceHolder 1"/>
           <p:cNvSpPr>
             <a:spLocks noGrp="1"/>
           </p:cNvSpPr>
@@ -2242,8 +4586,8 @@
         </p:nvSpPr>
         <p:spPr>
           <a:xfrm>
-            <a:off x="838080" y="365040"/>
-            <a:ext cx="10515240" cy="1325520"/>
+            <a:off x="609480" y="273600"/>
+            <a:ext cx="10972440" cy="1145160"/>
           </a:xfrm>
           <a:prstGeom prst="rect">
             <a:avLst/>
@@ -2252,13 +4596,14 @@
         <p:txBody>
           <a:bodyPr lIns="0" rIns="0" tIns="0" bIns="0" anchor="ctr"/>
           <a:p>
-            <a:endParaRPr/>
-          </a:p>
-        </p:txBody>
-      </p:sp>
-      <p:sp>
-        <p:nvSpPr>
-          <p:cNvPr id="15" name="PlaceHolder 2"/>
+            <a:pPr algn="ctr"/>
+            <a:endParaRPr/>
+          </a:p>
+        </p:txBody>
+      </p:sp>
+      <p:sp>
+        <p:nvSpPr>
+          <p:cNvPr id="12" name="PlaceHolder 2"/>
           <p:cNvSpPr>
             <a:spLocks noGrp="1"/>
           </p:cNvSpPr>
@@ -2268,8 +4613,8 @@
         </p:nvSpPr>
         <p:spPr>
           <a:xfrm>
-            <a:off x="838080" y="1825560"/>
-            <a:ext cx="5131080" cy="2075040"/>
+            <a:off x="609480" y="1604520"/>
+            <a:ext cx="5354280" cy="1896840"/>
           </a:xfrm>
           <a:prstGeom prst="rect">
             <a:avLst/>
@@ -2284,7 +4629,7 @@
       </p:sp>
       <p:sp>
         <p:nvSpPr>
-          <p:cNvPr id="16" name="PlaceHolder 3"/>
+          <p:cNvPr id="13" name="PlaceHolder 3"/>
           <p:cNvSpPr>
             <a:spLocks noGrp="1"/>
           </p:cNvSpPr>
@@ -2294,8 +4639,8 @@
         </p:nvSpPr>
         <p:spPr>
           <a:xfrm>
-            <a:off x="838080" y="4098240"/>
-            <a:ext cx="5131080" cy="2075040"/>
+            <a:off x="609480" y="3682080"/>
+            <a:ext cx="5354280" cy="1896840"/>
           </a:xfrm>
           <a:prstGeom prst="rect">
             <a:avLst/>
@@ -2310,7 +4655,7 @@
       </p:sp>
       <p:sp>
         <p:nvSpPr>
-          <p:cNvPr id="17" name="PlaceHolder 4"/>
+          <p:cNvPr id="14" name="PlaceHolder 4"/>
           <p:cNvSpPr>
             <a:spLocks noGrp="1"/>
           </p:cNvSpPr>
@@ -2320,8 +4665,8 @@
         </p:nvSpPr>
         <p:spPr>
           <a:xfrm>
-            <a:off x="6226200" y="1825560"/>
-            <a:ext cx="5131080" cy="4350960"/>
+            <a:off x="6231960" y="1604520"/>
+            <a:ext cx="5354280" cy="3977280"/>
           </a:xfrm>
           <a:prstGeom prst="rect">
             <a:avLst/>
@@ -2358,7 +4703,7 @@
       </p:grpSpPr>
       <p:sp>
         <p:nvSpPr>
-          <p:cNvPr id="18" name="PlaceHolder 1"/>
+          <p:cNvPr id="15" name="PlaceHolder 1"/>
           <p:cNvSpPr>
             <a:spLocks noGrp="1"/>
           </p:cNvSpPr>
@@ -2368,8 +4713,8 @@
         </p:nvSpPr>
         <p:spPr>
           <a:xfrm>
-            <a:off x="838080" y="365040"/>
-            <a:ext cx="10515240" cy="1325520"/>
+            <a:off x="609480" y="273600"/>
+            <a:ext cx="10972440" cy="1145160"/>
           </a:xfrm>
           <a:prstGeom prst="rect">
             <a:avLst/>
@@ -2378,13 +4723,14 @@
         <p:txBody>
           <a:bodyPr lIns="0" rIns="0" tIns="0" bIns="0" anchor="ctr"/>
           <a:p>
-            <a:endParaRPr/>
-          </a:p>
-        </p:txBody>
-      </p:sp>
-      <p:sp>
-        <p:nvSpPr>
-          <p:cNvPr id="19" name="PlaceHolder 2"/>
+            <a:pPr algn="ctr"/>
+            <a:endParaRPr/>
+          </a:p>
+        </p:txBody>
+      </p:sp>
+      <p:sp>
+        <p:nvSpPr>
+          <p:cNvPr id="16" name="PlaceHolder 2"/>
           <p:cNvSpPr>
             <a:spLocks noGrp="1"/>
           </p:cNvSpPr>
@@ -2394,8 +4740,8 @@
         </p:nvSpPr>
         <p:spPr>
           <a:xfrm>
-            <a:off x="838080" y="1825560"/>
-            <a:ext cx="5131080" cy="4350960"/>
+            <a:off x="609480" y="1604520"/>
+            <a:ext cx="5354280" cy="3977280"/>
           </a:xfrm>
           <a:prstGeom prst="rect">
             <a:avLst/>
@@ -2410,7 +4756,7 @@
       </p:sp>
       <p:sp>
         <p:nvSpPr>
-          <p:cNvPr id="20" name="PlaceHolder 3"/>
+          <p:cNvPr id="17" name="PlaceHolder 3"/>
           <p:cNvSpPr>
             <a:spLocks noGrp="1"/>
           </p:cNvSpPr>
@@ -2420,8 +4766,8 @@
         </p:nvSpPr>
         <p:spPr>
           <a:xfrm>
-            <a:off x="6226200" y="1825560"/>
-            <a:ext cx="5131080" cy="2075040"/>
+            <a:off x="6231960" y="1604520"/>
+            <a:ext cx="5354280" cy="1896840"/>
           </a:xfrm>
           <a:prstGeom prst="rect">
             <a:avLst/>
@@ -2436,7 +4782,7 @@
       </p:sp>
       <p:sp>
         <p:nvSpPr>
-          <p:cNvPr id="21" name="PlaceHolder 4"/>
+          <p:cNvPr id="18" name="PlaceHolder 4"/>
           <p:cNvSpPr>
             <a:spLocks noGrp="1"/>
           </p:cNvSpPr>
@@ -2446,8 +4792,8 @@
         </p:nvSpPr>
         <p:spPr>
           <a:xfrm>
-            <a:off x="6226200" y="4098240"/>
-            <a:ext cx="5131080" cy="2075040"/>
+            <a:off x="6231960" y="3682080"/>
+            <a:ext cx="5354280" cy="1896840"/>
           </a:xfrm>
           <a:prstGeom prst="rect">
             <a:avLst/>
@@ -2484,7 +4830,7 @@
       </p:grpSpPr>
       <p:sp>
         <p:nvSpPr>
-          <p:cNvPr id="22" name="PlaceHolder 1"/>
+          <p:cNvPr id="19" name="PlaceHolder 1"/>
           <p:cNvSpPr>
             <a:spLocks noGrp="1"/>
           </p:cNvSpPr>
@@ -2494,8 +4840,8 @@
         </p:nvSpPr>
         <p:spPr>
           <a:xfrm>
-            <a:off x="838080" y="365040"/>
-            <a:ext cx="10515240" cy="1325520"/>
+            <a:off x="609480" y="273600"/>
+            <a:ext cx="10972440" cy="1145160"/>
           </a:xfrm>
           <a:prstGeom prst="rect">
             <a:avLst/>
@@ -2504,13 +4850,14 @@
         <p:txBody>
           <a:bodyPr lIns="0" rIns="0" tIns="0" bIns="0" anchor="ctr"/>
           <a:p>
-            <a:endParaRPr/>
-          </a:p>
-        </p:txBody>
-      </p:sp>
-      <p:sp>
-        <p:nvSpPr>
-          <p:cNvPr id="23" name="PlaceHolder 2"/>
+            <a:pPr algn="ctr"/>
+            <a:endParaRPr/>
+          </a:p>
+        </p:txBody>
+      </p:sp>
+      <p:sp>
+        <p:nvSpPr>
+          <p:cNvPr id="20" name="PlaceHolder 2"/>
           <p:cNvSpPr>
             <a:spLocks noGrp="1"/>
           </p:cNvSpPr>
@@ -2520,8 +4867,8 @@
         </p:nvSpPr>
         <p:spPr>
           <a:xfrm>
-            <a:off x="838080" y="1825560"/>
-            <a:ext cx="5131080" cy="2075040"/>
+            <a:off x="609480" y="1604520"/>
+            <a:ext cx="5354280" cy="1896840"/>
           </a:xfrm>
           <a:prstGeom prst="rect">
             <a:avLst/>
@@ -2536,7 +4883,7 @@
       </p:sp>
       <p:sp>
         <p:nvSpPr>
-          <p:cNvPr id="24" name="PlaceHolder 3"/>
+          <p:cNvPr id="21" name="PlaceHolder 3"/>
           <p:cNvSpPr>
             <a:spLocks noGrp="1"/>
           </p:cNvSpPr>
@@ -2546,8 +4893,8 @@
         </p:nvSpPr>
         <p:spPr>
           <a:xfrm>
-            <a:off x="6226200" y="1825560"/>
-            <a:ext cx="5131080" cy="2075040"/>
+            <a:off x="6231960" y="1604520"/>
+            <a:ext cx="5354280" cy="1896840"/>
           </a:xfrm>
           <a:prstGeom prst="rect">
             <a:avLst/>
@@ -2562,7 +4909,7 @@
       </p:sp>
       <p:sp>
         <p:nvSpPr>
-          <p:cNvPr id="25" name="PlaceHolder 4"/>
+          <p:cNvPr id="22" name="PlaceHolder 4"/>
           <p:cNvSpPr>
             <a:spLocks noGrp="1"/>
           </p:cNvSpPr>
@@ -2572,8 +4919,8 @@
         </p:nvSpPr>
         <p:spPr>
           <a:xfrm>
-            <a:off x="838080" y="4098240"/>
-            <a:ext cx="10515240" cy="2075040"/>
+            <a:off x="609480" y="3682080"/>
+            <a:ext cx="10972440" cy="1896840"/>
           </a:xfrm>
           <a:prstGeom prst="rect">
             <a:avLst/>
@@ -2627,29 +4974,21 @@
         </p:nvSpPr>
         <p:spPr>
           <a:xfrm>
-            <a:off x="1523880" y="1122480"/>
-            <a:ext cx="9143640" cy="2387160"/>
-          </a:xfrm>
-          <a:prstGeom prst="rect">
-            <a:avLst/>
-          </a:prstGeom>
-        </p:spPr>
-        <p:txBody>
-          <a:bodyPr anchor="b"/>
-          <a:p>
-            <a:pPr algn="ctr">
-              <a:lnSpc>
-                <a:spcPct val="100000"/>
-              </a:lnSpc>
-            </a:pPr>
+            <a:off x="609480" y="273600"/>
+            <a:ext cx="10972080" cy="1144800"/>
+          </a:xfrm>
+          <a:prstGeom prst="rect">
+            <a:avLst/>
+          </a:prstGeom>
+        </p:spPr>
+        <p:txBody>
+          <a:bodyPr lIns="0" rIns="0" tIns="0" bIns="0" anchor="ctr"/>
+          <a:p>
             <a:r>
-              <a:rPr lang="en-US" sz="6000">
-                <a:solidFill>
-                  <a:srgbClr val="000000"/>
-                </a:solidFill>
-                <a:latin typeface="Calibri Light"/>
+              <a:rPr lang="en-AU">
+                <a:latin typeface="Arial"/>
               </a:rPr>
-              <a:t>Click to edit the title text formatClique para editar o título mestre</a:t>
+              <a:t>Click to edit the title text format</a:t>
             </a:r>
             <a:endParaRPr/>
           </a:p>
@@ -2662,119 +5001,13 @@
             <a:spLocks noGrp="1"/>
           </p:cNvSpPr>
           <p:nvPr>
-            <p:ph type="dt"/>
-          </p:nvPr>
-        </p:nvSpPr>
-        <p:spPr>
-          <a:xfrm>
-            <a:off x="838080" y="6356520"/>
-            <a:ext cx="2742840" cy="364680"/>
-          </a:xfrm>
-          <a:prstGeom prst="rect">
-            <a:avLst/>
-          </a:prstGeom>
-        </p:spPr>
-        <p:txBody>
-          <a:bodyPr anchor="ctr"/>
-          <a:p>
-            <a:pPr>
-              <a:lnSpc>
-                <a:spcPct val="100000"/>
-              </a:lnSpc>
-            </a:pPr>
-            <a:r>
-              <a:rPr lang="en-AU" sz="1200">
-                <a:solidFill>
-                  <a:srgbClr val="8b8b8b"/>
-                </a:solidFill>
-                <a:latin typeface="Calibri"/>
-              </a:rPr>
-              <a:t>27/05/15</a:t>
-            </a:r>
-            <a:endParaRPr/>
-          </a:p>
-        </p:txBody>
-      </p:sp>
-      <p:sp>
-        <p:nvSpPr>
-          <p:cNvPr id="2" name="PlaceHolder 3"/>
-          <p:cNvSpPr>
-            <a:spLocks noGrp="1"/>
-          </p:cNvSpPr>
-          <p:nvPr>
-            <p:ph type="ftr"/>
-          </p:nvPr>
-        </p:nvSpPr>
-        <p:spPr>
-          <a:xfrm>
-            <a:off x="4038480" y="6356520"/>
-            <a:ext cx="4114440" cy="364680"/>
-          </a:xfrm>
-          <a:prstGeom prst="rect">
-            <a:avLst/>
-          </a:prstGeom>
-        </p:spPr>
-        <p:txBody>
-          <a:bodyPr anchor="ctr"/>
-          <a:p>
-            <a:endParaRPr/>
-          </a:p>
-        </p:txBody>
-      </p:sp>
-      <p:sp>
-        <p:nvSpPr>
-          <p:cNvPr id="3" name="PlaceHolder 4"/>
-          <p:cNvSpPr>
-            <a:spLocks noGrp="1"/>
-          </p:cNvSpPr>
-          <p:nvPr>
-            <p:ph type="sldNum"/>
-          </p:nvPr>
-        </p:nvSpPr>
-        <p:spPr>
-          <a:xfrm>
-            <a:off x="8610480" y="6356520"/>
-            <a:ext cx="2742840" cy="364680"/>
-          </a:xfrm>
-          <a:prstGeom prst="rect">
-            <a:avLst/>
-          </a:prstGeom>
-        </p:spPr>
-        <p:txBody>
-          <a:bodyPr anchor="ctr"/>
-          <a:p>
-            <a:pPr algn="r">
-              <a:lnSpc>
-                <a:spcPct val="100000"/>
-              </a:lnSpc>
-            </a:pPr>
-            <a:fld id="{FBC48BA0-2DF4-4D7E-A8F3-4178C9C5936E}" type="slidenum">
-              <a:rPr lang="en-AU" sz="1200">
-                <a:solidFill>
-                  <a:srgbClr val="8b8b8b"/>
-                </a:solidFill>
-                <a:latin typeface="Calibri"/>
-              </a:rPr>
-              <a:t>&lt;number&gt;</a:t>
-            </a:fld>
-            <a:endParaRPr/>
-          </a:p>
-        </p:txBody>
-      </p:sp>
-      <p:sp>
-        <p:nvSpPr>
-          <p:cNvPr id="4" name="PlaceHolder 5"/>
-          <p:cNvSpPr>
-            <a:spLocks noGrp="1"/>
-          </p:cNvSpPr>
-          <p:nvPr>
             <p:ph type="body"/>
           </p:nvPr>
         </p:nvSpPr>
         <p:spPr>
           <a:xfrm>
             <a:off x="609480" y="1604520"/>
-            <a:ext cx="10972440" cy="3977280"/>
+            <a:ext cx="10972080" cy="3976920"/>
           </a:xfrm>
           <a:prstGeom prst="rect">
             <a:avLst/>
@@ -2789,8 +5022,8 @@
               <a:buChar char=""/>
             </a:pPr>
             <a:r>
-              <a:rPr lang="en-US" sz="2800">
-                <a:latin typeface="Calibri"/>
+              <a:rPr lang="en-AU">
+                <a:latin typeface="Arial"/>
               </a:rPr>
               <a:t>Click to edit the outline text format</a:t>
             </a:r>
@@ -2803,8 +5036,8 @@
               <a:buChar char=""/>
             </a:pPr>
             <a:r>
-              <a:rPr lang="en-US" sz="2000">
-                <a:latin typeface="Calibri"/>
+              <a:rPr lang="en-AU">
+                <a:latin typeface="Arial"/>
               </a:rPr>
               <a:t>Second Outline Level</a:t>
             </a:r>
@@ -2817,8 +5050,8 @@
               <a:buChar char=""/>
             </a:pPr>
             <a:r>
-              <a:rPr lang="en-US">
-                <a:latin typeface="Calibri"/>
+              <a:rPr lang="en-AU">
+                <a:latin typeface="Arial"/>
               </a:rPr>
               <a:t>Third Outline Level</a:t>
             </a:r>
@@ -2831,8 +5064,8 @@
               <a:buChar char=""/>
             </a:pPr>
             <a:r>
-              <a:rPr lang="en-US">
-                <a:latin typeface="Calibri"/>
+              <a:rPr lang="en-AU">
+                <a:latin typeface="Arial"/>
               </a:rPr>
               <a:t>Fourth Outline Level</a:t>
             </a:r>
@@ -2845,8 +5078,8 @@
               <a:buChar char=""/>
             </a:pPr>
             <a:r>
-              <a:rPr lang="en-US" sz="2000">
-                <a:latin typeface="Calibri"/>
+              <a:rPr lang="en-AU">
+                <a:latin typeface="Arial"/>
               </a:rPr>
               <a:t>Fifth Outline Level</a:t>
             </a:r>
@@ -2859,8 +5092,8 @@
               <a:buChar char=""/>
             </a:pPr>
             <a:r>
-              <a:rPr lang="en-US" sz="2000">
-                <a:latin typeface="Calibri"/>
+              <a:rPr lang="en-AU">
+                <a:latin typeface="Arial"/>
               </a:rPr>
               <a:t>Sixth Outline Level</a:t>
             </a:r>
@@ -2873,8 +5106,8 @@
               <a:buChar char=""/>
             </a:pPr>
             <a:r>
-              <a:rPr lang="en-US" sz="2000">
-                <a:latin typeface="Calibri"/>
+              <a:rPr lang="en-AU">
+                <a:latin typeface="Arial"/>
               </a:rPr>
               <a:t>Seventh Outline Level</a:t>
             </a:r>
@@ -2928,7 +5161,7 @@
       </p:grpSpPr>
       <p:sp>
         <p:nvSpPr>
-          <p:cNvPr id="39" name="PlaceHolder 1"/>
+          <p:cNvPr id="36" name="PlaceHolder 1"/>
           <p:cNvSpPr>
             <a:spLocks noGrp="1"/>
           </p:cNvSpPr>
@@ -2938,29 +5171,22 @@
         </p:nvSpPr>
         <p:spPr>
           <a:xfrm>
-            <a:off x="838080" y="365040"/>
-            <a:ext cx="10515240" cy="1325160"/>
-          </a:xfrm>
-          <a:prstGeom prst="rect">
-            <a:avLst/>
-          </a:prstGeom>
-        </p:spPr>
-        <p:txBody>
-          <a:bodyPr anchor="ctr"/>
-          <a:p>
-            <a:pPr>
-              <a:lnSpc>
-                <a:spcPct val="90000"/>
-              </a:lnSpc>
-            </a:pPr>
+            <a:off x="609480" y="273600"/>
+            <a:ext cx="10972440" cy="1144800"/>
+          </a:xfrm>
+          <a:prstGeom prst="rect">
+            <a:avLst/>
+          </a:prstGeom>
+        </p:spPr>
+        <p:txBody>
+          <a:bodyPr lIns="0" rIns="0" tIns="0" bIns="0" anchor="ctr"/>
+          <a:p>
+            <a:pPr algn="ctr"/>
             <a:r>
-              <a:rPr lang="en-US" sz="4400">
-                <a:solidFill>
-                  <a:srgbClr val="000000"/>
-                </a:solidFill>
-                <a:latin typeface="Calibri Light"/>
+              <a:rPr lang="en-AU" sz="4400">
+                <a:latin typeface="Arial"/>
               </a:rPr>
-              <a:t>Click to edit the title text formatClique para editar o título mestre</a:t>
+              <a:t>Click to edit the title text format</a:t>
             </a:r>
             <a:endParaRPr/>
           </a:p>
@@ -2968,7 +5194,7 @@
       </p:sp>
       <p:sp>
         <p:nvSpPr>
-          <p:cNvPr id="40" name="PlaceHolder 2"/>
+          <p:cNvPr id="37" name="PlaceHolder 2"/>
           <p:cNvSpPr>
             <a:spLocks noGrp="1"/>
           </p:cNvSpPr>
@@ -2978,15 +5204,15 @@
         </p:nvSpPr>
         <p:spPr>
           <a:xfrm>
-            <a:off x="838080" y="1825560"/>
-            <a:ext cx="10515240" cy="4350960"/>
-          </a:xfrm>
-          <a:prstGeom prst="rect">
-            <a:avLst/>
-          </a:prstGeom>
-        </p:spPr>
-        <p:txBody>
-          <a:bodyPr/>
+            <a:off x="609480" y="1604520"/>
+            <a:ext cx="10972440" cy="3977280"/>
+          </a:xfrm>
+          <a:prstGeom prst="rect">
+            <a:avLst/>
+          </a:prstGeom>
+        </p:spPr>
+        <p:txBody>
+          <a:bodyPr lIns="0" rIns="0" tIns="0" bIns="0"/>
           <a:p>
             <a:pPr>
               <a:buSzPct val="45000"/>
@@ -2994,11 +5220,8 @@
               <a:buChar char=""/>
             </a:pPr>
             <a:r>
-              <a:rPr lang="en-US" sz="2800">
-                <a:solidFill>
-                  <a:srgbClr val="000000"/>
-                </a:solidFill>
-                <a:latin typeface="Calibri"/>
+              <a:rPr lang="en-AU" sz="3200">
+                <a:latin typeface="Arial"/>
               </a:rPr>
               <a:t>Click to edit the outline text format</a:t>
             </a:r>
@@ -3011,11 +5234,8 @@
               <a:buChar char=""/>
             </a:pPr>
             <a:r>
-              <a:rPr lang="en-US" sz="2800">
-                <a:solidFill>
-                  <a:srgbClr val="000000"/>
-                </a:solidFill>
-                <a:latin typeface="Calibri"/>
+              <a:rPr lang="en-AU" sz="2800">
+                <a:latin typeface="Arial"/>
               </a:rPr>
               <a:t>Second Outline Level</a:t>
             </a:r>
@@ -3028,11 +5248,8 @@
               <a:buChar char=""/>
             </a:pPr>
             <a:r>
-              <a:rPr lang="en-US" sz="2800">
-                <a:solidFill>
-                  <a:srgbClr val="000000"/>
-                </a:solidFill>
-                <a:latin typeface="Calibri"/>
+              <a:rPr lang="en-AU" sz="2400">
+                <a:latin typeface="Arial"/>
               </a:rPr>
               <a:t>Third Outline Level</a:t>
             </a:r>
@@ -3045,11 +5262,8 @@
               <a:buChar char=""/>
             </a:pPr>
             <a:r>
-              <a:rPr lang="en-US" sz="2800">
-                <a:solidFill>
-                  <a:srgbClr val="000000"/>
-                </a:solidFill>
-                <a:latin typeface="Calibri"/>
+              <a:rPr lang="en-AU" sz="2000">
+                <a:latin typeface="Arial"/>
               </a:rPr>
               <a:t>Fourth Outline Level</a:t>
             </a:r>
@@ -3062,11 +5276,8 @@
               <a:buChar char=""/>
             </a:pPr>
             <a:r>
-              <a:rPr lang="en-US" sz="2800">
-                <a:solidFill>
-                  <a:srgbClr val="000000"/>
-                </a:solidFill>
-                <a:latin typeface="Calibri"/>
+              <a:rPr lang="en-AU" sz="2000">
+                <a:latin typeface="Arial"/>
               </a:rPr>
               <a:t>Fifth Outline Level</a:t>
             </a:r>
@@ -3079,215 +5290,25 @@
               <a:buChar char=""/>
             </a:pPr>
             <a:r>
-              <a:rPr lang="en-US" sz="2800">
-                <a:solidFill>
-                  <a:srgbClr val="000000"/>
-                </a:solidFill>
-                <a:latin typeface="Calibri"/>
+              <a:rPr lang="en-AU" sz="2000">
+                <a:latin typeface="Arial"/>
               </a:rPr>
               <a:t>Sixth Outline Level</a:t>
             </a:r>
             <a:endParaRPr/>
           </a:p>
           <a:p>
-            <a:pPr>
-              <a:lnSpc>
-                <a:spcPct val="100000"/>
-              </a:lnSpc>
-              <a:buFont typeface="Arial"/>
-              <a:buChar char="•"/>
+            <a:pPr lvl="6">
+              <a:buSzPct val="45000"/>
+              <a:buFont typeface="StarSymbol"/>
+              <a:buChar char=""/>
             </a:pPr>
             <a:r>
-              <a:rPr lang="en-US" sz="2800">
-                <a:solidFill>
-                  <a:srgbClr val="000000"/>
-                </a:solidFill>
-                <a:latin typeface="Calibri"/>
+              <a:rPr lang="en-AU" sz="2000">
+                <a:latin typeface="Arial"/>
               </a:rPr>
-              <a:t>Seventh Outline LevelClique para editar o texto mestre</a:t>
+              <a:t>Seventh Outline Level</a:t>
             </a:r>
-            <a:endParaRPr/>
-          </a:p>
-          <a:p>
-            <a:pPr lvl="1">
-              <a:lnSpc>
-                <a:spcPct val="100000"/>
-              </a:lnSpc>
-              <a:buFont typeface="Arial"/>
-              <a:buChar char="•"/>
-            </a:pPr>
-            <a:r>
-              <a:rPr lang="en-US" sz="2400">
-                <a:solidFill>
-                  <a:srgbClr val="000000"/>
-                </a:solidFill>
-                <a:latin typeface="Calibri"/>
-              </a:rPr>
-              <a:t>Segundo nível</a:t>
-            </a:r>
-            <a:endParaRPr/>
-          </a:p>
-          <a:p>
-            <a:pPr lvl="2">
-              <a:lnSpc>
-                <a:spcPct val="100000"/>
-              </a:lnSpc>
-              <a:buFont typeface="Arial"/>
-              <a:buChar char="•"/>
-            </a:pPr>
-            <a:r>
-              <a:rPr lang="en-US" sz="2000">
-                <a:solidFill>
-                  <a:srgbClr val="000000"/>
-                </a:solidFill>
-                <a:latin typeface="Calibri"/>
-              </a:rPr>
-              <a:t>Terceiro nível</a:t>
-            </a:r>
-            <a:endParaRPr/>
-          </a:p>
-          <a:p>
-            <a:pPr lvl="3">
-              <a:lnSpc>
-                <a:spcPct val="100000"/>
-              </a:lnSpc>
-              <a:buFont typeface="Arial"/>
-              <a:buChar char="•"/>
-            </a:pPr>
-            <a:r>
-              <a:rPr lang="en-US">
-                <a:solidFill>
-                  <a:srgbClr val="000000"/>
-                </a:solidFill>
-                <a:latin typeface="Calibri"/>
-              </a:rPr>
-              <a:t>Quarto nível</a:t>
-            </a:r>
-            <a:endParaRPr/>
-          </a:p>
-          <a:p>
-            <a:pPr lvl="4">
-              <a:lnSpc>
-                <a:spcPct val="100000"/>
-              </a:lnSpc>
-              <a:buFont typeface="Arial"/>
-              <a:buChar char="•"/>
-            </a:pPr>
-            <a:r>
-              <a:rPr lang="en-US">
-                <a:solidFill>
-                  <a:srgbClr val="000000"/>
-                </a:solidFill>
-                <a:latin typeface="Calibri"/>
-              </a:rPr>
-              <a:t>Quinto nível</a:t>
-            </a:r>
-            <a:endParaRPr/>
-          </a:p>
-        </p:txBody>
-      </p:sp>
-      <p:sp>
-        <p:nvSpPr>
-          <p:cNvPr id="41" name="PlaceHolder 3"/>
-          <p:cNvSpPr>
-            <a:spLocks noGrp="1"/>
-          </p:cNvSpPr>
-          <p:nvPr>
-            <p:ph type="dt"/>
-          </p:nvPr>
-        </p:nvSpPr>
-        <p:spPr>
-          <a:xfrm>
-            <a:off x="838080" y="6356520"/>
-            <a:ext cx="2742840" cy="364680"/>
-          </a:xfrm>
-          <a:prstGeom prst="rect">
-            <a:avLst/>
-          </a:prstGeom>
-        </p:spPr>
-        <p:txBody>
-          <a:bodyPr anchor="ctr"/>
-          <a:p>
-            <a:pPr>
-              <a:lnSpc>
-                <a:spcPct val="100000"/>
-              </a:lnSpc>
-            </a:pPr>
-            <a:r>
-              <a:rPr lang="en-AU" sz="1200">
-                <a:solidFill>
-                  <a:srgbClr val="8b8b8b"/>
-                </a:solidFill>
-                <a:latin typeface="Calibri"/>
-              </a:rPr>
-              <a:t>27/05/15</a:t>
-            </a:r>
-            <a:endParaRPr/>
-          </a:p>
-        </p:txBody>
-      </p:sp>
-      <p:sp>
-        <p:nvSpPr>
-          <p:cNvPr id="42" name="PlaceHolder 4"/>
-          <p:cNvSpPr>
-            <a:spLocks noGrp="1"/>
-          </p:cNvSpPr>
-          <p:nvPr>
-            <p:ph type="ftr"/>
-          </p:nvPr>
-        </p:nvSpPr>
-        <p:spPr>
-          <a:xfrm>
-            <a:off x="4038480" y="6356520"/>
-            <a:ext cx="4114440" cy="364680"/>
-          </a:xfrm>
-          <a:prstGeom prst="rect">
-            <a:avLst/>
-          </a:prstGeom>
-        </p:spPr>
-        <p:txBody>
-          <a:bodyPr anchor="ctr"/>
-          <a:p>
-            <a:endParaRPr/>
-          </a:p>
-        </p:txBody>
-      </p:sp>
-      <p:sp>
-        <p:nvSpPr>
-          <p:cNvPr id="43" name="PlaceHolder 5"/>
-          <p:cNvSpPr>
-            <a:spLocks noGrp="1"/>
-          </p:cNvSpPr>
-          <p:nvPr>
-            <p:ph type="sldNum"/>
-          </p:nvPr>
-        </p:nvSpPr>
-        <p:spPr>
-          <a:xfrm>
-            <a:off x="8610480" y="6356520"/>
-            <a:ext cx="2742840" cy="364680"/>
-          </a:xfrm>
-          <a:prstGeom prst="rect">
-            <a:avLst/>
-          </a:prstGeom>
-        </p:spPr>
-        <p:txBody>
-          <a:bodyPr anchor="ctr"/>
-          <a:p>
-            <a:pPr algn="r">
-              <a:lnSpc>
-                <a:spcPct val="100000"/>
-              </a:lnSpc>
-            </a:pPr>
-            <a:fld id="{2CF39650-FCA6-4A1E-995E-06A9E577D02D}" type="slidenum">
-              <a:rPr lang="en-AU" sz="1200">
-                <a:solidFill>
-                  <a:srgbClr val="8b8b8b"/>
-                </a:solidFill>
-                <a:latin typeface="Calibri"/>
-              </a:rPr>
-              <a:t>&lt;number&gt;</a:t>
-            </a:fld>
             <a:endParaRPr/>
           </a:p>
         </p:txBody>
@@ -3308,6 +5329,400 @@
     <p:sldLayoutId id="2147483671" r:id="rId11"/>
     <p:sldLayoutId id="2147483672" r:id="rId12"/>
     <p:sldLayoutId id="2147483673" r:id="rId13"/>
+  </p:sldLayoutIdLst>
+</p:sldMaster>
+</file>
+
+<file path=ppt/slideMasters/slideMaster3.xml><?xml version="1.0" encoding="utf-8"?>
+<p:sldMaster xmlns:a="http://schemas.openxmlformats.org/drawingml/2006/main" xmlns:p="http://schemas.openxmlformats.org/presentationml/2006/main" xmlns:r="http://schemas.openxmlformats.org/officeDocument/2006/relationships">
+  <p:cSld>
+    <p:bg>
+      <p:bgPr>
+        <a:solidFill>
+          <a:srgbClr val="ffffff"/>
+        </a:solidFill>
+      </p:bgPr>
+    </p:bg>
+    <p:spTree>
+      <p:nvGrpSpPr>
+        <p:cNvPr id="1" name=""/>
+        <p:cNvGrpSpPr/>
+        <p:nvPr/>
+      </p:nvGrpSpPr>
+      <p:grpSpPr>
+        <a:xfrm>
+          <a:off x="0" y="0"/>
+          <a:ext cx="0" cy="0"/>
+          <a:chOff x="0" y="0"/>
+          <a:chExt cx="0" cy="0"/>
+        </a:xfrm>
+      </p:grpSpPr>
+      <p:sp>
+        <p:nvSpPr>
+          <p:cNvPr id="72" name="PlaceHolder 1"/>
+          <p:cNvSpPr>
+            <a:spLocks noGrp="1"/>
+          </p:cNvSpPr>
+          <p:nvPr>
+            <p:ph type="title"/>
+          </p:nvPr>
+        </p:nvSpPr>
+        <p:spPr>
+          <a:xfrm>
+            <a:off x="609480" y="273600"/>
+            <a:ext cx="10972080" cy="1144800"/>
+          </a:xfrm>
+          <a:prstGeom prst="rect">
+            <a:avLst/>
+          </a:prstGeom>
+        </p:spPr>
+        <p:txBody>
+          <a:bodyPr lIns="0" rIns="0" tIns="0" bIns="0" anchor="ctr"/>
+          <a:p>
+            <a:r>
+              <a:rPr lang="en-AU">
+                <a:latin typeface="Arial"/>
+              </a:rPr>
+              <a:t>Click to edit the title text format</a:t>
+            </a:r>
+            <a:endParaRPr/>
+          </a:p>
+        </p:txBody>
+      </p:sp>
+      <p:sp>
+        <p:nvSpPr>
+          <p:cNvPr id="73" name="PlaceHolder 2"/>
+          <p:cNvSpPr>
+            <a:spLocks noGrp="1"/>
+          </p:cNvSpPr>
+          <p:nvPr>
+            <p:ph type="body"/>
+          </p:nvPr>
+        </p:nvSpPr>
+        <p:spPr>
+          <a:xfrm>
+            <a:off x="609480" y="1604520"/>
+            <a:ext cx="10972440" cy="3977280"/>
+          </a:xfrm>
+          <a:prstGeom prst="rect">
+            <a:avLst/>
+          </a:prstGeom>
+        </p:spPr>
+        <p:txBody>
+          <a:bodyPr lIns="0" rIns="0" tIns="0" bIns="0"/>
+          <a:p>
+            <a:pPr>
+              <a:buSzPct val="45000"/>
+              <a:buFont typeface="StarSymbol"/>
+              <a:buChar char=""/>
+            </a:pPr>
+            <a:r>
+              <a:rPr lang="en-AU" sz="3200">
+                <a:latin typeface="Arial"/>
+              </a:rPr>
+              <a:t>Click to edit the outline text format</a:t>
+            </a:r>
+            <a:endParaRPr/>
+          </a:p>
+          <a:p>
+            <a:pPr lvl="1">
+              <a:buSzPct val="75000"/>
+              <a:buFont typeface="StarSymbol"/>
+              <a:buChar char=""/>
+            </a:pPr>
+            <a:r>
+              <a:rPr lang="en-AU" sz="2800">
+                <a:latin typeface="Arial"/>
+              </a:rPr>
+              <a:t>Second Outline Level</a:t>
+            </a:r>
+            <a:endParaRPr/>
+          </a:p>
+          <a:p>
+            <a:pPr lvl="2">
+              <a:buSzPct val="45000"/>
+              <a:buFont typeface="StarSymbol"/>
+              <a:buChar char=""/>
+            </a:pPr>
+            <a:r>
+              <a:rPr lang="en-AU" sz="2400">
+                <a:latin typeface="Arial"/>
+              </a:rPr>
+              <a:t>Third Outline Level</a:t>
+            </a:r>
+            <a:endParaRPr/>
+          </a:p>
+          <a:p>
+            <a:pPr lvl="3">
+              <a:buSzPct val="75000"/>
+              <a:buFont typeface="StarSymbol"/>
+              <a:buChar char=""/>
+            </a:pPr>
+            <a:r>
+              <a:rPr lang="en-AU" sz="2000">
+                <a:latin typeface="Arial"/>
+              </a:rPr>
+              <a:t>Fourth Outline Level</a:t>
+            </a:r>
+            <a:endParaRPr/>
+          </a:p>
+          <a:p>
+            <a:pPr lvl="4">
+              <a:buSzPct val="45000"/>
+              <a:buFont typeface="StarSymbol"/>
+              <a:buChar char=""/>
+            </a:pPr>
+            <a:r>
+              <a:rPr lang="en-AU" sz="2000">
+                <a:latin typeface="Arial"/>
+              </a:rPr>
+              <a:t>Fifth Outline Level</a:t>
+            </a:r>
+            <a:endParaRPr/>
+          </a:p>
+          <a:p>
+            <a:pPr lvl="5">
+              <a:buSzPct val="45000"/>
+              <a:buFont typeface="StarSymbol"/>
+              <a:buChar char=""/>
+            </a:pPr>
+            <a:r>
+              <a:rPr lang="en-AU" sz="2000">
+                <a:latin typeface="Arial"/>
+              </a:rPr>
+              <a:t>Sixth Outline Level</a:t>
+            </a:r>
+            <a:endParaRPr/>
+          </a:p>
+          <a:p>
+            <a:pPr lvl="6">
+              <a:buSzPct val="45000"/>
+              <a:buFont typeface="StarSymbol"/>
+              <a:buChar char=""/>
+            </a:pPr>
+            <a:r>
+              <a:rPr lang="en-AU" sz="2000">
+                <a:latin typeface="Arial"/>
+              </a:rPr>
+              <a:t>Seventh Outline Level</a:t>
+            </a:r>
+            <a:endParaRPr/>
+          </a:p>
+        </p:txBody>
+      </p:sp>
+    </p:spTree>
+  </p:cSld>
+  <p:clrMap bg1="lt1" bg2="lt2" tx1="dk1" tx2="dk2" accent1="accent1" accent2="accent2" accent3="accent3" accent4="accent4" accent5="accent5" accent6="accent6" hlink="hlink" folHlink="folHlink"/>
+  <p:sldLayoutIdLst>
+    <p:sldLayoutId id="2147483675" r:id="rId2"/>
+    <p:sldLayoutId id="2147483676" r:id="rId3"/>
+    <p:sldLayoutId id="2147483677" r:id="rId4"/>
+    <p:sldLayoutId id="2147483678" r:id="rId5"/>
+    <p:sldLayoutId id="2147483679" r:id="rId6"/>
+    <p:sldLayoutId id="2147483680" r:id="rId7"/>
+    <p:sldLayoutId id="2147483681" r:id="rId8"/>
+    <p:sldLayoutId id="2147483682" r:id="rId9"/>
+    <p:sldLayoutId id="2147483683" r:id="rId10"/>
+    <p:sldLayoutId id="2147483684" r:id="rId11"/>
+    <p:sldLayoutId id="2147483685" r:id="rId12"/>
+    <p:sldLayoutId id="2147483686" r:id="rId13"/>
+  </p:sldLayoutIdLst>
+</p:sldMaster>
+</file>
+
+<file path=ppt/slideMasters/slideMaster4.xml><?xml version="1.0" encoding="utf-8"?>
+<p:sldMaster xmlns:a="http://schemas.openxmlformats.org/drawingml/2006/main" xmlns:p="http://schemas.openxmlformats.org/presentationml/2006/main" xmlns:r="http://schemas.openxmlformats.org/officeDocument/2006/relationships">
+  <p:cSld>
+    <p:bg>
+      <p:bgPr>
+        <a:solidFill>
+          <a:srgbClr val="ffffff"/>
+        </a:solidFill>
+      </p:bgPr>
+    </p:bg>
+    <p:spTree>
+      <p:nvGrpSpPr>
+        <p:cNvPr id="1" name=""/>
+        <p:cNvGrpSpPr/>
+        <p:nvPr/>
+      </p:nvGrpSpPr>
+      <p:grpSpPr>
+        <a:xfrm>
+          <a:off x="0" y="0"/>
+          <a:ext cx="0" cy="0"/>
+          <a:chOff x="0" y="0"/>
+          <a:chExt cx="0" cy="0"/>
+        </a:xfrm>
+      </p:grpSpPr>
+      <p:sp>
+        <p:nvSpPr>
+          <p:cNvPr id="108" name="PlaceHolder 1"/>
+          <p:cNvSpPr>
+            <a:spLocks noGrp="1"/>
+          </p:cNvSpPr>
+          <p:nvPr>
+            <p:ph type="title"/>
+          </p:nvPr>
+        </p:nvSpPr>
+        <p:spPr>
+          <a:xfrm>
+            <a:off x="609480" y="273600"/>
+            <a:ext cx="10972080" cy="1144800"/>
+          </a:xfrm>
+          <a:prstGeom prst="rect">
+            <a:avLst/>
+          </a:prstGeom>
+        </p:spPr>
+        <p:txBody>
+          <a:bodyPr lIns="0" rIns="0" tIns="0" bIns="0" anchor="ctr"/>
+          <a:p>
+            <a:r>
+              <a:rPr lang="en-AU">
+                <a:latin typeface="Arial"/>
+              </a:rPr>
+              <a:t>Click to edit the title text format</a:t>
+            </a:r>
+            <a:endParaRPr/>
+          </a:p>
+        </p:txBody>
+      </p:sp>
+      <p:sp>
+        <p:nvSpPr>
+          <p:cNvPr id="109" name="PlaceHolder 2"/>
+          <p:cNvSpPr>
+            <a:spLocks noGrp="1"/>
+          </p:cNvSpPr>
+          <p:nvPr>
+            <p:ph type="body"/>
+          </p:nvPr>
+        </p:nvSpPr>
+        <p:spPr>
+          <a:xfrm>
+            <a:off x="609480" y="1604520"/>
+            <a:ext cx="10972440" cy="3977280"/>
+          </a:xfrm>
+          <a:prstGeom prst="rect">
+            <a:avLst/>
+          </a:prstGeom>
+        </p:spPr>
+        <p:txBody>
+          <a:bodyPr lIns="0" rIns="0" tIns="0" bIns="0"/>
+          <a:p>
+            <a:pPr>
+              <a:buSzPct val="45000"/>
+              <a:buFont typeface="StarSymbol"/>
+              <a:buChar char=""/>
+            </a:pPr>
+            <a:r>
+              <a:rPr lang="en-AU" sz="3200">
+                <a:latin typeface="Arial"/>
+              </a:rPr>
+              <a:t>Click to edit the outline text format</a:t>
+            </a:r>
+            <a:endParaRPr/>
+          </a:p>
+          <a:p>
+            <a:pPr lvl="1">
+              <a:buSzPct val="75000"/>
+              <a:buFont typeface="StarSymbol"/>
+              <a:buChar char=""/>
+            </a:pPr>
+            <a:r>
+              <a:rPr lang="en-AU" sz="2800">
+                <a:latin typeface="Arial"/>
+              </a:rPr>
+              <a:t>Second Outline Level</a:t>
+            </a:r>
+            <a:endParaRPr/>
+          </a:p>
+          <a:p>
+            <a:pPr lvl="2">
+              <a:buSzPct val="45000"/>
+              <a:buFont typeface="StarSymbol"/>
+              <a:buChar char=""/>
+            </a:pPr>
+            <a:r>
+              <a:rPr lang="en-AU" sz="2400">
+                <a:latin typeface="Arial"/>
+              </a:rPr>
+              <a:t>Third Outline Level</a:t>
+            </a:r>
+            <a:endParaRPr/>
+          </a:p>
+          <a:p>
+            <a:pPr lvl="3">
+              <a:buSzPct val="75000"/>
+              <a:buFont typeface="StarSymbol"/>
+              <a:buChar char=""/>
+            </a:pPr>
+            <a:r>
+              <a:rPr lang="en-AU" sz="2000">
+                <a:latin typeface="Arial"/>
+              </a:rPr>
+              <a:t>Fourth Outline Level</a:t>
+            </a:r>
+            <a:endParaRPr/>
+          </a:p>
+          <a:p>
+            <a:pPr lvl="4">
+              <a:buSzPct val="45000"/>
+              <a:buFont typeface="StarSymbol"/>
+              <a:buChar char=""/>
+            </a:pPr>
+            <a:r>
+              <a:rPr lang="en-AU" sz="2000">
+                <a:latin typeface="Arial"/>
+              </a:rPr>
+              <a:t>Fifth Outline Level</a:t>
+            </a:r>
+            <a:endParaRPr/>
+          </a:p>
+          <a:p>
+            <a:pPr lvl="5">
+              <a:buSzPct val="45000"/>
+              <a:buFont typeface="StarSymbol"/>
+              <a:buChar char=""/>
+            </a:pPr>
+            <a:r>
+              <a:rPr lang="en-AU" sz="2000">
+                <a:latin typeface="Arial"/>
+              </a:rPr>
+              <a:t>Sixth Outline Level</a:t>
+            </a:r>
+            <a:endParaRPr/>
+          </a:p>
+          <a:p>
+            <a:pPr lvl="6">
+              <a:buSzPct val="45000"/>
+              <a:buFont typeface="StarSymbol"/>
+              <a:buChar char=""/>
+            </a:pPr>
+            <a:r>
+              <a:rPr lang="en-AU" sz="2000">
+                <a:latin typeface="Arial"/>
+              </a:rPr>
+              <a:t>Seventh Outline Level</a:t>
+            </a:r>
+            <a:endParaRPr/>
+          </a:p>
+        </p:txBody>
+      </p:sp>
+    </p:spTree>
+  </p:cSld>
+  <p:clrMap bg1="lt1" bg2="lt2" tx1="dk1" tx2="dk2" accent1="accent1" accent2="accent2" accent3="accent3" accent4="accent4" accent5="accent5" accent6="accent6" hlink="hlink" folHlink="folHlink"/>
+  <p:sldLayoutIdLst>
+    <p:sldLayoutId id="2147483688" r:id="rId2"/>
+    <p:sldLayoutId id="2147483689" r:id="rId3"/>
+    <p:sldLayoutId id="2147483690" r:id="rId4"/>
+    <p:sldLayoutId id="2147483691" r:id="rId5"/>
+    <p:sldLayoutId id="2147483692" r:id="rId6"/>
+    <p:sldLayoutId id="2147483693" r:id="rId7"/>
+    <p:sldLayoutId id="2147483694" r:id="rId8"/>
+    <p:sldLayoutId id="2147483695" r:id="rId9"/>
+    <p:sldLayoutId id="2147483696" r:id="rId10"/>
+    <p:sldLayoutId id="2147483697" r:id="rId11"/>
+    <p:sldLayoutId id="2147483698" r:id="rId12"/>
+    <p:sldLayoutId id="2147483699" r:id="rId13"/>
   </p:sldLayoutIdLst>
 </p:sldMaster>
 </file>
@@ -3331,21 +5746,25 @@
       </p:grpSpPr>
       <p:sp>
         <p:nvSpPr>
-          <p:cNvPr id="83" name="TextShape 1"/>
-          <p:cNvSpPr txBox="1"/>
+          <p:cNvPr id="149" name="CustomShape 1"/>
+          <p:cNvSpPr/>
           <p:nvPr/>
         </p:nvSpPr>
         <p:spPr>
           <a:xfrm>
             <a:off x="1523880" y="1122480"/>
-            <a:ext cx="9143640" cy="2387160"/>
-          </a:xfrm>
-          <a:prstGeom prst="rect">
-            <a:avLst/>
-          </a:prstGeom>
-        </p:spPr>
-        <p:txBody>
-          <a:bodyPr anchor="b"/>
+            <a:ext cx="9142920" cy="2386440"/>
+          </a:xfrm>
+          <a:prstGeom prst="rect">
+            <a:avLst/>
+          </a:prstGeom>
+          <a:noFill/>
+          <a:ln>
+            <a:noFill/>
+          </a:ln>
+        </p:spPr>
+        <p:txBody>
+          <a:bodyPr lIns="90000" rIns="90000" tIns="45000" bIns="45000" anchor="b"/>
           <a:p>
             <a:pPr algn="ctr">
               <a:lnSpc>
@@ -3353,7 +5772,7 @@
               </a:lnSpc>
             </a:pPr>
             <a:r>
-              <a:rPr lang="en-US" sz="6000">
+              <a:rPr lang="en-AU" sz="6000">
                 <a:solidFill>
                   <a:srgbClr val="000000"/>
                 </a:solidFill>
@@ -3367,26 +5786,23 @@
       </p:sp>
       <p:sp>
         <p:nvSpPr>
-          <p:cNvPr id="84" name="TextShape 2"/>
-          <p:cNvSpPr txBox="1"/>
+          <p:cNvPr id="150" name="CustomShape 2"/>
+          <p:cNvSpPr/>
           <p:nvPr/>
         </p:nvSpPr>
         <p:spPr>
           <a:xfrm>
             <a:off x="1523880" y="3602160"/>
-            <a:ext cx="9143640" cy="1655280"/>
-          </a:xfrm>
-          <a:prstGeom prst="rect">
-            <a:avLst/>
-          </a:prstGeom>
-        </p:spPr>
-        <p:txBody>
-          <a:bodyPr/>
-          <a:p>
-            <a:pPr algn="ctr"/>
-            <a:endParaRPr/>
-          </a:p>
-        </p:txBody>
+            <a:ext cx="9142920" cy="1654560"/>
+          </a:xfrm>
+          <a:prstGeom prst="rect">
+            <a:avLst/>
+          </a:prstGeom>
+          <a:noFill/>
+          <a:ln>
+            <a:noFill/>
+          </a:ln>
+        </p:spPr>
       </p:sp>
     </p:spTree>
   </p:cSld>
@@ -3439,21 +5855,25 @@
       </p:grpSpPr>
       <p:sp>
         <p:nvSpPr>
-          <p:cNvPr id="105" name="TextShape 1"/>
-          <p:cNvSpPr txBox="1"/>
+          <p:cNvPr id="169" name="CustomShape 1"/>
+          <p:cNvSpPr/>
           <p:nvPr/>
         </p:nvSpPr>
         <p:spPr>
           <a:xfrm>
             <a:off x="838080" y="365040"/>
-            <a:ext cx="10515240" cy="1325160"/>
-          </a:xfrm>
-          <a:prstGeom prst="rect">
-            <a:avLst/>
-          </a:prstGeom>
-        </p:spPr>
-        <p:txBody>
-          <a:bodyPr anchor="ctr"/>
+            <a:ext cx="10514520" cy="1324440"/>
+          </a:xfrm>
+          <a:prstGeom prst="rect">
+            <a:avLst/>
+          </a:prstGeom>
+          <a:noFill/>
+          <a:ln>
+            <a:noFill/>
+          </a:ln>
+        </p:spPr>
+        <p:txBody>
+          <a:bodyPr lIns="90000" rIns="90000" tIns="45000" bIns="45000" anchor="ctr"/>
           <a:p>
             <a:pPr>
               <a:lnSpc>
@@ -3461,13 +5881,13 @@
               </a:lnSpc>
             </a:pPr>
             <a:r>
-              <a:rPr lang="en-US" sz="4400">
+              <a:rPr lang="en-AU" sz="4400">
                 <a:solidFill>
                   <a:srgbClr val="000000"/>
                 </a:solidFill>
                 <a:latin typeface="Calibri Light"/>
               </a:rPr>
-              <a:t>Gráficos</a:t>
+              <a:t>Ferramentas</a:t>
             </a:r>
             <a:endParaRPr/>
           </a:p>
@@ -3475,26 +5895,159 @@
       </p:sp>
       <p:sp>
         <p:nvSpPr>
-          <p:cNvPr id="106" name="TextShape 2"/>
-          <p:cNvSpPr txBox="1"/>
+          <p:cNvPr id="170" name="CustomShape 2"/>
+          <p:cNvSpPr/>
           <p:nvPr/>
         </p:nvSpPr>
         <p:spPr>
           <a:xfrm>
             <a:off x="838080" y="1825560"/>
-            <a:ext cx="10515240" cy="4350960"/>
-          </a:xfrm>
-          <a:prstGeom prst="rect">
-            <a:avLst/>
-          </a:prstGeom>
-        </p:spPr>
-        <p:txBody>
-          <a:bodyPr/>
-          <a:p>
-            <a:endParaRPr/>
-          </a:p>
-        </p:txBody>
-      </p:sp>
+            <a:ext cx="10514520" cy="4350240"/>
+          </a:xfrm>
+          <a:prstGeom prst="rect">
+            <a:avLst/>
+          </a:prstGeom>
+          <a:noFill/>
+          <a:ln>
+            <a:noFill/>
+          </a:ln>
+        </p:spPr>
+        <p:txBody>
+          <a:bodyPr lIns="90000" rIns="90000" tIns="45000" bIns="45000"/>
+          <a:p>
+            <a:pPr>
+              <a:lnSpc>
+                <a:spcPct val="90000"/>
+              </a:lnSpc>
+              <a:buFont typeface="Arial"/>
+              <a:buChar char="•"/>
+            </a:pPr>
+            <a:r>
+              <a:rPr lang="en-AU" sz="2800">
+                <a:solidFill>
+                  <a:srgbClr val="000000"/>
+                </a:solidFill>
+                <a:latin typeface="Calibri"/>
+              </a:rPr>
+              <a:t>Analizo</a:t>
+            </a:r>
+            <a:endParaRPr/>
+          </a:p>
+          <a:p>
+            <a:pPr>
+              <a:lnSpc>
+                <a:spcPct val="90000"/>
+              </a:lnSpc>
+              <a:buFont typeface="Arial"/>
+              <a:buChar char="•"/>
+            </a:pPr>
+            <a:r>
+              <a:rPr lang="en-AU" sz="2800">
+                <a:solidFill>
+                  <a:srgbClr val="000000"/>
+                </a:solidFill>
+                <a:latin typeface="Calibri"/>
+              </a:rPr>
+              <a:t>FindBugs</a:t>
+            </a:r>
+            <a:endParaRPr/>
+          </a:p>
+          <a:p>
+            <a:pPr>
+              <a:lnSpc>
+                <a:spcPct val="90000"/>
+              </a:lnSpc>
+              <a:buFont typeface="Arial"/>
+              <a:buChar char="•"/>
+            </a:pPr>
+            <a:r>
+              <a:rPr lang="en-AU" sz="2800">
+                <a:solidFill>
+                  <a:srgbClr val="000000"/>
+                </a:solidFill>
+                <a:latin typeface="Calibri"/>
+              </a:rPr>
+              <a:t>PMD</a:t>
+            </a:r>
+            <a:endParaRPr/>
+          </a:p>
+        </p:txBody>
+      </p:sp>
+      <p:pic>
+        <p:nvPicPr>
+          <p:cNvPr id="171" name="Imagem 10" descr=""/>
+          <p:cNvPicPr/>
+          <p:nvPr/>
+        </p:nvPicPr>
+        <p:blipFill>
+          <a:blip r:embed="rId1"/>
+          <a:stretch>
+            <a:fillRect/>
+          </a:stretch>
+        </p:blipFill>
+        <p:spPr>
+          <a:xfrm>
+            <a:off x="5334120" y="1825560"/>
+            <a:ext cx="1522800" cy="608400"/>
+          </a:xfrm>
+          <a:prstGeom prst="rect">
+            <a:avLst/>
+          </a:prstGeom>
+          <a:ln>
+            <a:noFill/>
+          </a:ln>
+        </p:spPr>
+      </p:pic>
+      <p:pic>
+        <p:nvPicPr>
+          <p:cNvPr id="172" name="Imagem 11" descr=""/>
+          <p:cNvPicPr/>
+          <p:nvPr/>
+        </p:nvPicPr>
+        <p:blipFill>
+          <a:blip r:embed="rId2"/>
+          <a:stretch>
+            <a:fillRect/>
+          </a:stretch>
+        </p:blipFill>
+        <p:spPr>
+          <a:xfrm>
+            <a:off x="5295960" y="2680560"/>
+            <a:ext cx="1598760" cy="1624320"/>
+          </a:xfrm>
+          <a:prstGeom prst="rect">
+            <a:avLst/>
+          </a:prstGeom>
+          <a:ln>
+            <a:noFill/>
+          </a:ln>
+        </p:spPr>
+      </p:pic>
+      <p:pic>
+        <p:nvPicPr>
+          <p:cNvPr id="173" name="Imagem 12" descr=""/>
+          <p:cNvPicPr/>
+          <p:nvPr/>
+        </p:nvPicPr>
+        <p:blipFill>
+          <a:blip r:embed="rId3"/>
+          <a:stretch>
+            <a:fillRect/>
+          </a:stretch>
+        </p:blipFill>
+        <p:spPr>
+          <a:xfrm>
+            <a:off x="5372280" y="4440960"/>
+            <a:ext cx="1522800" cy="976680"/>
+          </a:xfrm>
+          <a:prstGeom prst="rect">
+            <a:avLst/>
+          </a:prstGeom>
+          <a:ln>
+            <a:noFill/>
+          </a:ln>
+        </p:spPr>
+      </p:pic>
     </p:spTree>
   </p:cSld>
   <p:timing>
@@ -3504,6 +6057,888 @@
           <p:childTnLst>
             <p:seq>
               <p:cTn id="20" nodeType="mainSeq"/>
+              <p:prevCondLst>
+                <p:cond delay="0" evt="onPrev">
+                  <p:tgtEl>
+                    <p:sldTgt/>
+                  </p:tgtEl>
+                </p:cond>
+              </p:prevCondLst>
+              <p:nextCondLst>
+                <p:cond delay="0" evt="onNext">
+                  <p:tgtEl>
+                    <p:sldTgt/>
+                  </p:tgtEl>
+                </p:cond>
+              </p:nextCondLst>
+            </p:seq>
+          </p:childTnLst>
+        </p:cTn>
+      </p:par>
+    </p:tnLst>
+  </p:timing>
+</p:sld>
+</file>
+
+<file path=ppt/slides/slide11.xml><?xml version="1.0" encoding="utf-8"?>
+<p:sld xmlns:a="http://schemas.openxmlformats.org/drawingml/2006/main" xmlns:p="http://schemas.openxmlformats.org/presentationml/2006/main" xmlns:r="http://schemas.openxmlformats.org/officeDocument/2006/relationships">
+  <p:cSld>
+    <p:spTree>
+      <p:nvGrpSpPr>
+        <p:cNvPr id="1" name=""/>
+        <p:cNvGrpSpPr/>
+        <p:nvPr/>
+      </p:nvGrpSpPr>
+      <p:grpSpPr>
+        <a:xfrm>
+          <a:off x="0" y="0"/>
+          <a:ext cx="0" cy="0"/>
+          <a:chOff x="0" y="0"/>
+          <a:chExt cx="0" cy="0"/>
+        </a:xfrm>
+      </p:grpSpPr>
+      <p:sp>
+        <p:nvSpPr>
+          <p:cNvPr id="174" name="CustomShape 1"/>
+          <p:cNvSpPr/>
+          <p:nvPr/>
+        </p:nvSpPr>
+        <p:spPr>
+          <a:xfrm>
+            <a:off x="838080" y="365040"/>
+            <a:ext cx="10514520" cy="1324440"/>
+          </a:xfrm>
+          <a:prstGeom prst="rect">
+            <a:avLst/>
+          </a:prstGeom>
+          <a:noFill/>
+          <a:ln>
+            <a:noFill/>
+          </a:ln>
+        </p:spPr>
+        <p:txBody>
+          <a:bodyPr lIns="90000" rIns="90000" tIns="45000" bIns="45000" anchor="ctr"/>
+          <a:p>
+            <a:pPr>
+              <a:lnSpc>
+                <a:spcPct val="90000"/>
+              </a:lnSpc>
+            </a:pPr>
+            <a:r>
+              <a:rPr lang="en-AU" sz="4400">
+                <a:solidFill>
+                  <a:srgbClr val="000000"/>
+                </a:solidFill>
+                <a:latin typeface="Calibri Light"/>
+              </a:rPr>
+              <a:t>Ferramentas</a:t>
+            </a:r>
+            <a:endParaRPr/>
+          </a:p>
+        </p:txBody>
+      </p:sp>
+      <p:sp>
+        <p:nvSpPr>
+          <p:cNvPr id="175" name="CustomShape 2"/>
+          <p:cNvSpPr/>
+          <p:nvPr/>
+        </p:nvSpPr>
+        <p:spPr>
+          <a:xfrm>
+            <a:off x="838080" y="1825560"/>
+            <a:ext cx="10514520" cy="4350240"/>
+          </a:xfrm>
+          <a:prstGeom prst="rect">
+            <a:avLst/>
+          </a:prstGeom>
+          <a:noFill/>
+          <a:ln>
+            <a:noFill/>
+          </a:ln>
+        </p:spPr>
+        <p:txBody>
+          <a:bodyPr lIns="90000" rIns="90000" tIns="45000" bIns="45000"/>
+          <a:p>
+            <a:pPr>
+              <a:lnSpc>
+                <a:spcPct val="90000"/>
+              </a:lnSpc>
+              <a:buFont typeface="Arial"/>
+              <a:buChar char="•"/>
+            </a:pPr>
+            <a:r>
+              <a:rPr lang="en-AU" sz="2800">
+                <a:solidFill>
+                  <a:srgbClr val="000000"/>
+                </a:solidFill>
+                <a:latin typeface="Calibri"/>
+              </a:rPr>
+              <a:t>Analizo</a:t>
+            </a:r>
+            <a:endParaRPr/>
+          </a:p>
+          <a:p>
+            <a:pPr lvl="2">
+              <a:lnSpc>
+                <a:spcPct val="100000"/>
+              </a:lnSpc>
+              <a:buFont typeface="Arial"/>
+              <a:buChar char="•"/>
+            </a:pPr>
+            <a:r>
+              <a:rPr lang="en-AU" sz="2000">
+                <a:solidFill>
+                  <a:srgbClr val="000000"/>
+                </a:solidFill>
+                <a:latin typeface="Calibri"/>
+              </a:rPr>
+              <a:t>Suporta: Java, C e C++</a:t>
+            </a:r>
+            <a:endParaRPr/>
+          </a:p>
+          <a:p>
+            <a:pPr lvl="2">
+              <a:lnSpc>
+                <a:spcPct val="100000"/>
+              </a:lnSpc>
+              <a:buFont typeface="Arial"/>
+              <a:buChar char="•"/>
+            </a:pPr>
+            <a:r>
+              <a:rPr lang="en-AU" sz="2000">
+                <a:solidFill>
+                  <a:srgbClr val="000000"/>
+                </a:solidFill>
+                <a:latin typeface="Calibri"/>
+              </a:rPr>
+              <a:t>Desenvolvido na UFBA.</a:t>
+            </a:r>
+            <a:endParaRPr/>
+          </a:p>
+          <a:p>
+            <a:pPr lvl="2">
+              <a:lnSpc>
+                <a:spcPct val="100000"/>
+              </a:lnSpc>
+              <a:buFont typeface="Arial"/>
+              <a:buChar char="•"/>
+            </a:pPr>
+            <a:r>
+              <a:rPr lang="en-AU" sz="2000">
+                <a:solidFill>
+                  <a:srgbClr val="000000"/>
+                </a:solidFill>
+                <a:latin typeface="Calibri"/>
+              </a:rPr>
+              <a:t>Fornece as métricas: Total de classes abstratas, total do número de classes, etc.</a:t>
+            </a:r>
+            <a:endParaRPr/>
+          </a:p>
+          <a:p>
+            <a:pPr>
+              <a:lnSpc>
+                <a:spcPct val="90000"/>
+              </a:lnSpc>
+              <a:buFont typeface="Arial"/>
+              <a:buChar char="•"/>
+            </a:pPr>
+            <a:r>
+              <a:rPr lang="en-AU" sz="2800">
+                <a:solidFill>
+                  <a:srgbClr val="000000"/>
+                </a:solidFill>
+                <a:latin typeface="Calibri"/>
+              </a:rPr>
+              <a:t>FindBugs</a:t>
+            </a:r>
+            <a:endParaRPr/>
+          </a:p>
+          <a:p>
+            <a:pPr lvl="2">
+              <a:lnSpc>
+                <a:spcPct val="100000"/>
+              </a:lnSpc>
+              <a:buFont typeface="Arial"/>
+              <a:buChar char="•"/>
+            </a:pPr>
+            <a:r>
+              <a:rPr lang="en-AU" sz="2000">
+                <a:solidFill>
+                  <a:srgbClr val="000000"/>
+                </a:solidFill>
+                <a:latin typeface="Calibri"/>
+              </a:rPr>
+              <a:t>Analisa o código em busca de possíveis bugs.</a:t>
+            </a:r>
+            <a:endParaRPr/>
+          </a:p>
+          <a:p>
+            <a:pPr lvl="2">
+              <a:lnSpc>
+                <a:spcPct val="100000"/>
+              </a:lnSpc>
+              <a:buFont typeface="Arial"/>
+              <a:buChar char="•"/>
+            </a:pPr>
+            <a:r>
+              <a:rPr lang="en-AU" sz="2000">
+                <a:solidFill>
+                  <a:srgbClr val="000000"/>
+                </a:solidFill>
+                <a:latin typeface="Calibri"/>
+              </a:rPr>
+              <a:t>Separados por categorias. Ex: Bad practice.</a:t>
+            </a:r>
+            <a:endParaRPr/>
+          </a:p>
+          <a:p>
+            <a:pPr lvl="2">
+              <a:lnSpc>
+                <a:spcPct val="100000"/>
+              </a:lnSpc>
+              <a:buFont typeface="Arial"/>
+              <a:buChar char="•"/>
+            </a:pPr>
+            <a:r>
+              <a:rPr lang="en-AU" sz="2000">
+                <a:solidFill>
+                  <a:srgbClr val="000000"/>
+                </a:solidFill>
+                <a:latin typeface="Calibri"/>
+              </a:rPr>
+              <a:t>Tipos de Bugs: CN: Class implements Cloneable but does not define or use clone method</a:t>
+            </a:r>
+            <a:endParaRPr/>
+          </a:p>
+          <a:p>
+            <a:pPr>
+              <a:lnSpc>
+                <a:spcPct val="90000"/>
+              </a:lnSpc>
+              <a:buFont typeface="Arial"/>
+              <a:buChar char="•"/>
+            </a:pPr>
+            <a:r>
+              <a:rPr lang="en-AU" sz="2800">
+                <a:solidFill>
+                  <a:srgbClr val="000000"/>
+                </a:solidFill>
+                <a:latin typeface="Calibri"/>
+              </a:rPr>
+              <a:t>PMD</a:t>
+            </a:r>
+            <a:endParaRPr/>
+          </a:p>
+          <a:p>
+            <a:pPr lvl="2">
+              <a:lnSpc>
+                <a:spcPct val="100000"/>
+              </a:lnSpc>
+              <a:buFont typeface="Arial"/>
+              <a:buChar char="•"/>
+            </a:pPr>
+            <a:r>
+              <a:rPr lang="en-AU" sz="2000">
+                <a:solidFill>
+                  <a:srgbClr val="000000"/>
+                </a:solidFill>
+                <a:latin typeface="Calibri"/>
+              </a:rPr>
+              <a:t>Violações</a:t>
+            </a:r>
+            <a:endParaRPr/>
+          </a:p>
+          <a:p>
+            <a:pPr lvl="2">
+              <a:lnSpc>
+                <a:spcPct val="100000"/>
+              </a:lnSpc>
+              <a:buFont typeface="Arial"/>
+              <a:buChar char="•"/>
+            </a:pPr>
+            <a:r>
+              <a:rPr lang="en-AU" sz="2000">
+                <a:solidFill>
+                  <a:srgbClr val="000000"/>
+                </a:solidFill>
+                <a:latin typeface="Calibri"/>
+              </a:rPr>
+              <a:t>Apresenta as possíveis vi</a:t>
+            </a:r>
+            <a:endParaRPr/>
+          </a:p>
+          <a:p>
+            <a:pPr>
+              <a:lnSpc>
+                <a:spcPct val="100000"/>
+              </a:lnSpc>
+            </a:pPr>
+            <a:endParaRPr/>
+          </a:p>
+          <a:p>
+            <a:pPr>
+              <a:lnSpc>
+                <a:spcPct val="100000"/>
+              </a:lnSpc>
+            </a:pPr>
+            <a:r>
+              <a:rPr lang="en-AU" sz="2800">
+                <a:solidFill>
+                  <a:srgbClr val="000000"/>
+                </a:solidFill>
+                <a:latin typeface="Calibri"/>
+              </a:rPr>
+              <a:t> </a:t>
+            </a:r>
+            <a:endParaRPr/>
+          </a:p>
+        </p:txBody>
+      </p:sp>
+    </p:spTree>
+  </p:cSld>
+  <p:timing>
+    <p:tnLst>
+      <p:par>
+        <p:cTn id="21" dur="indefinite" restart="never" nodeType="tmRoot">
+          <p:childTnLst>
+            <p:seq>
+              <p:cTn id="22" nodeType="mainSeq"/>
+              <p:prevCondLst>
+                <p:cond delay="0" evt="onPrev">
+                  <p:tgtEl>
+                    <p:sldTgt/>
+                  </p:tgtEl>
+                </p:cond>
+              </p:prevCondLst>
+              <p:nextCondLst>
+                <p:cond delay="0" evt="onNext">
+                  <p:tgtEl>
+                    <p:sldTgt/>
+                  </p:tgtEl>
+                </p:cond>
+              </p:nextCondLst>
+            </p:seq>
+          </p:childTnLst>
+        </p:cTn>
+      </p:par>
+    </p:tnLst>
+  </p:timing>
+</p:sld>
+</file>
+
+<file path=ppt/slides/slide12.xml><?xml version="1.0" encoding="utf-8"?>
+<p:sld xmlns:a="http://schemas.openxmlformats.org/drawingml/2006/main" xmlns:p="http://schemas.openxmlformats.org/presentationml/2006/main" xmlns:r="http://schemas.openxmlformats.org/officeDocument/2006/relationships">
+  <p:cSld>
+    <p:spTree>
+      <p:nvGrpSpPr>
+        <p:cNvPr id="1" name=""/>
+        <p:cNvGrpSpPr/>
+        <p:nvPr/>
+      </p:nvGrpSpPr>
+      <p:grpSpPr>
+        <a:xfrm>
+          <a:off x="0" y="0"/>
+          <a:ext cx="0" cy="0"/>
+          <a:chOff x="0" y="0"/>
+          <a:chExt cx="0" cy="0"/>
+        </a:xfrm>
+      </p:grpSpPr>
+      <p:sp>
+        <p:nvSpPr>
+          <p:cNvPr id="176" name="CustomShape 1"/>
+          <p:cNvSpPr/>
+          <p:nvPr/>
+        </p:nvSpPr>
+        <p:spPr>
+          <a:xfrm>
+            <a:off x="838080" y="365040"/>
+            <a:ext cx="10514520" cy="1324440"/>
+          </a:xfrm>
+          <a:prstGeom prst="rect">
+            <a:avLst/>
+          </a:prstGeom>
+          <a:noFill/>
+          <a:ln>
+            <a:noFill/>
+          </a:ln>
+        </p:spPr>
+        <p:txBody>
+          <a:bodyPr lIns="90000" rIns="90000" tIns="45000" bIns="45000" anchor="ctr"/>
+          <a:p>
+            <a:pPr>
+              <a:lnSpc>
+                <a:spcPct val="90000"/>
+              </a:lnSpc>
+            </a:pPr>
+            <a:r>
+              <a:rPr lang="en-AU" sz="4400">
+                <a:solidFill>
+                  <a:srgbClr val="000000"/>
+                </a:solidFill>
+                <a:latin typeface="Calibri Light"/>
+              </a:rPr>
+              <a:t>Gráficos</a:t>
+            </a:r>
+            <a:endParaRPr/>
+          </a:p>
+        </p:txBody>
+      </p:sp>
+      <p:sp>
+        <p:nvSpPr>
+          <p:cNvPr id="177" name="CustomShape 2"/>
+          <p:cNvSpPr/>
+          <p:nvPr/>
+        </p:nvSpPr>
+        <p:spPr>
+          <a:xfrm>
+            <a:off x="838080" y="1825560"/>
+            <a:ext cx="10514520" cy="4350240"/>
+          </a:xfrm>
+          <a:prstGeom prst="rect">
+            <a:avLst/>
+          </a:prstGeom>
+          <a:noFill/>
+          <a:ln>
+            <a:noFill/>
+          </a:ln>
+        </p:spPr>
+      </p:sp>
+      <p:pic>
+        <p:nvPicPr>
+          <p:cNvPr id="178" name="" descr=""/>
+          <p:cNvPicPr/>
+          <p:nvPr/>
+        </p:nvPicPr>
+        <p:blipFill>
+          <a:blip r:embed="rId1"/>
+          <a:stretch>
+            <a:fillRect/>
+          </a:stretch>
+        </p:blipFill>
+        <p:spPr>
+          <a:xfrm>
+            <a:off x="1084320" y="1584000"/>
+            <a:ext cx="10147680" cy="4824000"/>
+          </a:xfrm>
+          <a:prstGeom prst="rect">
+            <a:avLst/>
+          </a:prstGeom>
+          <a:ln>
+            <a:noFill/>
+          </a:ln>
+        </p:spPr>
+      </p:pic>
+    </p:spTree>
+  </p:cSld>
+  <p:timing>
+    <p:tnLst>
+      <p:par>
+        <p:cTn id="23" dur="indefinite" restart="never" nodeType="tmRoot">
+          <p:childTnLst>
+            <p:seq>
+              <p:cTn id="24" nodeType="mainSeq"/>
+              <p:prevCondLst>
+                <p:cond delay="0" evt="onPrev">
+                  <p:tgtEl>
+                    <p:sldTgt/>
+                  </p:tgtEl>
+                </p:cond>
+              </p:prevCondLst>
+              <p:nextCondLst>
+                <p:cond delay="0" evt="onNext">
+                  <p:tgtEl>
+                    <p:sldTgt/>
+                  </p:tgtEl>
+                </p:cond>
+              </p:nextCondLst>
+            </p:seq>
+          </p:childTnLst>
+        </p:cTn>
+      </p:par>
+    </p:tnLst>
+  </p:timing>
+</p:sld>
+</file>
+
+<file path=ppt/slides/slide13.xml><?xml version="1.0" encoding="utf-8"?>
+<p:sld xmlns:a="http://schemas.openxmlformats.org/drawingml/2006/main" xmlns:p="http://schemas.openxmlformats.org/presentationml/2006/main" xmlns:r="http://schemas.openxmlformats.org/officeDocument/2006/relationships">
+  <p:cSld>
+    <p:spTree>
+      <p:nvGrpSpPr>
+        <p:cNvPr id="1" name=""/>
+        <p:cNvGrpSpPr/>
+        <p:nvPr/>
+      </p:nvGrpSpPr>
+      <p:grpSpPr>
+        <a:xfrm>
+          <a:off x="0" y="0"/>
+          <a:ext cx="0" cy="0"/>
+          <a:chOff x="0" y="0"/>
+          <a:chExt cx="0" cy="0"/>
+        </a:xfrm>
+      </p:grpSpPr>
+      <p:sp>
+        <p:nvSpPr>
+          <p:cNvPr id="179" name="CustomShape 1"/>
+          <p:cNvSpPr/>
+          <p:nvPr/>
+        </p:nvSpPr>
+        <p:spPr>
+          <a:xfrm>
+            <a:off x="838080" y="365040"/>
+            <a:ext cx="10514520" cy="1324440"/>
+          </a:xfrm>
+          <a:prstGeom prst="rect">
+            <a:avLst/>
+          </a:prstGeom>
+          <a:noFill/>
+          <a:ln>
+            <a:noFill/>
+          </a:ln>
+        </p:spPr>
+        <p:txBody>
+          <a:bodyPr lIns="90000" rIns="90000" tIns="45000" bIns="45000" anchor="ctr"/>
+          <a:p>
+            <a:pPr>
+              <a:lnSpc>
+                <a:spcPct val="90000"/>
+              </a:lnSpc>
+            </a:pPr>
+            <a:r>
+              <a:rPr lang="en-AU" sz="4400">
+                <a:solidFill>
+                  <a:srgbClr val="000000"/>
+                </a:solidFill>
+                <a:latin typeface="Calibri Light"/>
+              </a:rPr>
+              <a:t>Gráficos</a:t>
+            </a:r>
+            <a:endParaRPr/>
+          </a:p>
+        </p:txBody>
+      </p:sp>
+      <p:sp>
+        <p:nvSpPr>
+          <p:cNvPr id="180" name="CustomShape 2"/>
+          <p:cNvSpPr/>
+          <p:nvPr/>
+        </p:nvSpPr>
+        <p:spPr>
+          <a:xfrm>
+            <a:off x="838080" y="1825560"/>
+            <a:ext cx="10514520" cy="4350240"/>
+          </a:xfrm>
+          <a:prstGeom prst="rect">
+            <a:avLst/>
+          </a:prstGeom>
+          <a:noFill/>
+          <a:ln>
+            <a:noFill/>
+          </a:ln>
+        </p:spPr>
+      </p:sp>
+      <p:pic>
+        <p:nvPicPr>
+          <p:cNvPr id="181" name="" descr=""/>
+          <p:cNvPicPr/>
+          <p:nvPr/>
+        </p:nvPicPr>
+        <p:blipFill>
+          <a:blip r:embed="rId1"/>
+          <a:stretch>
+            <a:fillRect/>
+          </a:stretch>
+        </p:blipFill>
+        <p:spPr>
+          <a:xfrm>
+            <a:off x="1084320" y="1584000"/>
+            <a:ext cx="10147680" cy="4824000"/>
+          </a:xfrm>
+          <a:prstGeom prst="rect">
+            <a:avLst/>
+          </a:prstGeom>
+          <a:ln>
+            <a:noFill/>
+          </a:ln>
+        </p:spPr>
+      </p:pic>
+    </p:spTree>
+  </p:cSld>
+  <p:timing>
+    <p:tnLst>
+      <p:par>
+        <p:cTn id="25" dur="indefinite" restart="never" nodeType="tmRoot">
+          <p:childTnLst>
+            <p:seq>
+              <p:cTn id="26" nodeType="mainSeq"/>
+              <p:prevCondLst>
+                <p:cond delay="0" evt="onPrev">
+                  <p:tgtEl>
+                    <p:sldTgt/>
+                  </p:tgtEl>
+                </p:cond>
+              </p:prevCondLst>
+              <p:nextCondLst>
+                <p:cond delay="0" evt="onNext">
+                  <p:tgtEl>
+                    <p:sldTgt/>
+                  </p:tgtEl>
+                </p:cond>
+              </p:nextCondLst>
+            </p:seq>
+          </p:childTnLst>
+        </p:cTn>
+      </p:par>
+    </p:tnLst>
+  </p:timing>
+</p:sld>
+</file>
+
+<file path=ppt/slides/slide14.xml><?xml version="1.0" encoding="utf-8"?>
+<p:sld xmlns:a="http://schemas.openxmlformats.org/drawingml/2006/main" xmlns:p="http://schemas.openxmlformats.org/presentationml/2006/main" xmlns:r="http://schemas.openxmlformats.org/officeDocument/2006/relationships">
+  <p:cSld>
+    <p:spTree>
+      <p:nvGrpSpPr>
+        <p:cNvPr id="1" name=""/>
+        <p:cNvGrpSpPr/>
+        <p:nvPr/>
+      </p:nvGrpSpPr>
+      <p:grpSpPr>
+        <a:xfrm>
+          <a:off x="0" y="0"/>
+          <a:ext cx="0" cy="0"/>
+          <a:chOff x="0" y="0"/>
+          <a:chExt cx="0" cy="0"/>
+        </a:xfrm>
+      </p:grpSpPr>
+      <p:sp>
+        <p:nvSpPr>
+          <p:cNvPr id="182" name="CustomShape 1"/>
+          <p:cNvSpPr/>
+          <p:nvPr/>
+        </p:nvSpPr>
+        <p:spPr>
+          <a:xfrm>
+            <a:off x="838080" y="365040"/>
+            <a:ext cx="10514520" cy="1324440"/>
+          </a:xfrm>
+          <a:prstGeom prst="rect">
+            <a:avLst/>
+          </a:prstGeom>
+          <a:noFill/>
+          <a:ln>
+            <a:noFill/>
+          </a:ln>
+        </p:spPr>
+        <p:txBody>
+          <a:bodyPr lIns="90000" rIns="90000" tIns="45000" bIns="45000" anchor="ctr"/>
+          <a:p>
+            <a:pPr>
+              <a:lnSpc>
+                <a:spcPct val="90000"/>
+              </a:lnSpc>
+            </a:pPr>
+            <a:r>
+              <a:rPr lang="en-AU" sz="4400">
+                <a:solidFill>
+                  <a:srgbClr val="000000"/>
+                </a:solidFill>
+                <a:latin typeface="Calibri Light"/>
+              </a:rPr>
+              <a:t>Gráficos</a:t>
+            </a:r>
+            <a:endParaRPr/>
+          </a:p>
+        </p:txBody>
+      </p:sp>
+      <p:sp>
+        <p:nvSpPr>
+          <p:cNvPr id="183" name="CustomShape 2"/>
+          <p:cNvSpPr/>
+          <p:nvPr/>
+        </p:nvSpPr>
+        <p:spPr>
+          <a:xfrm>
+            <a:off x="838080" y="1825560"/>
+            <a:ext cx="10514520" cy="4350240"/>
+          </a:xfrm>
+          <a:prstGeom prst="rect">
+            <a:avLst/>
+          </a:prstGeom>
+          <a:noFill/>
+          <a:ln>
+            <a:noFill/>
+          </a:ln>
+        </p:spPr>
+      </p:sp>
+      <p:pic>
+        <p:nvPicPr>
+          <p:cNvPr id="184" name="" descr=""/>
+          <p:cNvPicPr/>
+          <p:nvPr/>
+        </p:nvPicPr>
+        <p:blipFill>
+          <a:blip r:embed="rId1"/>
+          <a:stretch>
+            <a:fillRect/>
+          </a:stretch>
+        </p:blipFill>
+        <p:spPr>
+          <a:xfrm>
+            <a:off x="1084320" y="1584000"/>
+            <a:ext cx="10147680" cy="4824000"/>
+          </a:xfrm>
+          <a:prstGeom prst="rect">
+            <a:avLst/>
+          </a:prstGeom>
+          <a:ln>
+            <a:noFill/>
+          </a:ln>
+        </p:spPr>
+      </p:pic>
+    </p:spTree>
+  </p:cSld>
+  <p:timing>
+    <p:tnLst>
+      <p:par>
+        <p:cTn id="27" dur="indefinite" restart="never" nodeType="tmRoot">
+          <p:childTnLst>
+            <p:seq>
+              <p:cTn id="28" nodeType="mainSeq"/>
+              <p:prevCondLst>
+                <p:cond delay="0" evt="onPrev">
+                  <p:tgtEl>
+                    <p:sldTgt/>
+                  </p:tgtEl>
+                </p:cond>
+              </p:prevCondLst>
+              <p:nextCondLst>
+                <p:cond delay="0" evt="onNext">
+                  <p:tgtEl>
+                    <p:sldTgt/>
+                  </p:tgtEl>
+                </p:cond>
+              </p:nextCondLst>
+            </p:seq>
+          </p:childTnLst>
+        </p:cTn>
+      </p:par>
+    </p:tnLst>
+  </p:timing>
+</p:sld>
+</file>
+
+<file path=ppt/slides/slide15.xml><?xml version="1.0" encoding="utf-8"?>
+<p:sld xmlns:a="http://schemas.openxmlformats.org/drawingml/2006/main" xmlns:p="http://schemas.openxmlformats.org/presentationml/2006/main" xmlns:r="http://schemas.openxmlformats.org/officeDocument/2006/relationships">
+  <p:cSld>
+    <p:spTree>
+      <p:nvGrpSpPr>
+        <p:cNvPr id="1" name=""/>
+        <p:cNvGrpSpPr/>
+        <p:nvPr/>
+      </p:nvGrpSpPr>
+      <p:grpSpPr>
+        <a:xfrm>
+          <a:off x="0" y="0"/>
+          <a:ext cx="0" cy="0"/>
+          <a:chOff x="0" y="0"/>
+          <a:chExt cx="0" cy="0"/>
+        </a:xfrm>
+      </p:grpSpPr>
+      <p:sp>
+        <p:nvSpPr>
+          <p:cNvPr id="185" name="CustomShape 1"/>
+          <p:cNvSpPr/>
+          <p:nvPr/>
+        </p:nvSpPr>
+        <p:spPr>
+          <a:xfrm>
+            <a:off x="838080" y="365040"/>
+            <a:ext cx="10514520" cy="1324440"/>
+          </a:xfrm>
+          <a:prstGeom prst="rect">
+            <a:avLst/>
+          </a:prstGeom>
+          <a:noFill/>
+          <a:ln>
+            <a:noFill/>
+          </a:ln>
+        </p:spPr>
+        <p:txBody>
+          <a:bodyPr lIns="90000" rIns="90000" tIns="45000" bIns="45000" anchor="ctr"/>
+          <a:p>
+            <a:pPr>
+              <a:lnSpc>
+                <a:spcPct val="90000"/>
+              </a:lnSpc>
+            </a:pPr>
+            <a:r>
+              <a:rPr lang="en-AU" sz="4400">
+                <a:solidFill>
+                  <a:srgbClr val="000000"/>
+                </a:solidFill>
+                <a:latin typeface="Calibri Light"/>
+              </a:rPr>
+              <a:t>Gráficos</a:t>
+            </a:r>
+            <a:endParaRPr/>
+          </a:p>
+        </p:txBody>
+      </p:sp>
+      <p:sp>
+        <p:nvSpPr>
+          <p:cNvPr id="186" name="CustomShape 2"/>
+          <p:cNvSpPr/>
+          <p:nvPr/>
+        </p:nvSpPr>
+        <p:spPr>
+          <a:xfrm>
+            <a:off x="838080" y="1825560"/>
+            <a:ext cx="10514520" cy="4350240"/>
+          </a:xfrm>
+          <a:prstGeom prst="rect">
+            <a:avLst/>
+          </a:prstGeom>
+          <a:noFill/>
+          <a:ln>
+            <a:noFill/>
+          </a:ln>
+        </p:spPr>
+      </p:sp>
+      <p:pic>
+        <p:nvPicPr>
+          <p:cNvPr id="187" name="" descr=""/>
+          <p:cNvPicPr/>
+          <p:nvPr/>
+        </p:nvPicPr>
+        <p:blipFill>
+          <a:blip r:embed="rId1"/>
+          <a:stretch>
+            <a:fillRect/>
+          </a:stretch>
+        </p:blipFill>
+        <p:spPr>
+          <a:xfrm>
+            <a:off x="1084320" y="1584000"/>
+            <a:ext cx="10147680" cy="4824000"/>
+          </a:xfrm>
+          <a:prstGeom prst="rect">
+            <a:avLst/>
+          </a:prstGeom>
+          <a:ln>
+            <a:noFill/>
+          </a:ln>
+        </p:spPr>
+      </p:pic>
+    </p:spTree>
+  </p:cSld>
+  <p:timing>
+    <p:tnLst>
+      <p:par>
+        <p:cTn id="29" dur="indefinite" restart="never" nodeType="tmRoot">
+          <p:childTnLst>
+            <p:seq>
+              <p:cTn id="30" nodeType="mainSeq"/>
               <p:prevCondLst>
                 <p:cond delay="0" evt="onPrev">
                   <p:tgtEl>
@@ -3546,21 +6981,25 @@
       </p:grpSpPr>
       <p:sp>
         <p:nvSpPr>
-          <p:cNvPr id="85" name="TextShape 1"/>
-          <p:cNvSpPr txBox="1"/>
+          <p:cNvPr id="151" name="CustomShape 1"/>
+          <p:cNvSpPr/>
           <p:nvPr/>
         </p:nvSpPr>
         <p:spPr>
           <a:xfrm>
             <a:off x="838080" y="168480"/>
-            <a:ext cx="10515240" cy="1521720"/>
-          </a:xfrm>
-          <a:prstGeom prst="rect">
-            <a:avLst/>
-          </a:prstGeom>
-        </p:spPr>
-        <p:txBody>
-          <a:bodyPr anchor="ctr"/>
+            <a:ext cx="10514520" cy="1521000"/>
+          </a:xfrm>
+          <a:prstGeom prst="rect">
+            <a:avLst/>
+          </a:prstGeom>
+          <a:noFill/>
+          <a:ln>
+            <a:noFill/>
+          </a:ln>
+        </p:spPr>
+        <p:txBody>
+          <a:bodyPr lIns="90000" rIns="90000" tIns="45000" bIns="45000" anchor="ctr"/>
           <a:p>
             <a:pPr>
               <a:lnSpc>
@@ -3568,7 +7007,7 @@
               </a:lnSpc>
             </a:pPr>
             <a:r>
-              <a:rPr lang="en-US" sz="4000">
+              <a:rPr lang="en-AU" sz="4000">
                 <a:solidFill>
                   <a:srgbClr val="000000"/>
                 </a:solidFill>
@@ -3577,7 +7016,7 @@
               <a:t>Laborátorio Avançado de Produção Pesquisa e Inovação em Software (LAPPIS) </a:t>
             </a:r>
             <a:r>
-              <a:rPr lang="en-US" sz="4400">
+              <a:rPr lang="en-AU" sz="4400">
                 <a:solidFill>
                   <a:srgbClr val="000000"/>
                 </a:solidFill>
@@ -3586,7 +7025,7 @@
               <a:t>	</a:t>
             </a:r>
             <a:r>
-              <a:rPr lang="en-US" sz="4400">
+              <a:rPr lang="en-AU" sz="4400">
                 <a:solidFill>
                   <a:srgbClr val="000000"/>
                 </a:solidFill>
@@ -3600,21 +7039,25 @@
       </p:sp>
       <p:sp>
         <p:nvSpPr>
-          <p:cNvPr id="86" name="TextShape 2"/>
-          <p:cNvSpPr txBox="1"/>
+          <p:cNvPr id="152" name="CustomShape 2"/>
+          <p:cNvSpPr/>
           <p:nvPr/>
         </p:nvSpPr>
         <p:spPr>
           <a:xfrm>
             <a:off x="838080" y="1825560"/>
-            <a:ext cx="10515240" cy="4350960"/>
-          </a:xfrm>
-          <a:prstGeom prst="rect">
-            <a:avLst/>
-          </a:prstGeom>
-        </p:spPr>
-        <p:txBody>
-          <a:bodyPr/>
+            <a:ext cx="10514520" cy="4350240"/>
+          </a:xfrm>
+          <a:prstGeom prst="rect">
+            <a:avLst/>
+          </a:prstGeom>
+          <a:noFill/>
+          <a:ln>
+            <a:noFill/>
+          </a:ln>
+        </p:spPr>
+        <p:txBody>
+          <a:bodyPr lIns="90000" rIns="90000" tIns="45000" bIns="45000"/>
           <a:p>
             <a:pPr>
               <a:lnSpc>
@@ -3624,7 +7067,7 @@
               <a:buChar char="-"/>
             </a:pPr>
             <a:r>
-              <a:rPr lang="en-US" sz="2800">
+              <a:rPr lang="en-AU" sz="2800">
                 <a:solidFill>
                   <a:srgbClr val="000000"/>
                 </a:solidFill>
@@ -3643,7 +7086,7 @@
               <a:buChar char="-"/>
             </a:pPr>
             <a:r>
-              <a:rPr lang="en-US" sz="2400">
+              <a:rPr lang="en-AU" sz="2400">
                 <a:solidFill>
                   <a:srgbClr val="000000"/>
                 </a:solidFill>
@@ -3662,7 +7105,7 @@
               <a:buChar char="-"/>
             </a:pPr>
             <a:r>
-              <a:rPr lang="en-US" sz="2400">
+              <a:rPr lang="en-AU" sz="2400">
                 <a:solidFill>
                   <a:srgbClr val="000000"/>
                 </a:solidFill>
@@ -3673,6 +7116,11 @@
             <a:endParaRPr/>
           </a:p>
           <a:p>
+            <a:pPr>
+              <a:lnSpc>
+                <a:spcPct val="100000"/>
+              </a:lnSpc>
+            </a:pPr>
             <a:endParaRPr/>
           </a:p>
         </p:txBody>
@@ -3726,159 +7174,68 @@
           <a:chExt cx="0" cy="0"/>
         </a:xfrm>
       </p:grpSpPr>
-      <p:sp>
-        <p:nvSpPr>
-          <p:cNvPr id="87" name="TextShape 1"/>
-          <p:cNvSpPr txBox="1"/>
+      <p:pic>
+        <p:nvPicPr>
+          <p:cNvPr id="153" name="Shape 30" descr=""/>
+          <p:cNvPicPr/>
           <p:nvPr/>
-        </p:nvSpPr>
-        <p:spPr>
-          <a:xfrm>
-            <a:off x="838080" y="365040"/>
-            <a:ext cx="10515240" cy="1325160"/>
-          </a:xfrm>
-          <a:prstGeom prst="rect">
-            <a:avLst/>
-          </a:prstGeom>
-        </p:spPr>
-        <p:txBody>
-          <a:bodyPr anchor="ctr"/>
-          <a:p>
-            <a:pPr>
-              <a:lnSpc>
-                <a:spcPct val="90000"/>
-              </a:lnSpc>
-            </a:pPr>
-            <a:r>
-              <a:rPr lang="en-US" sz="4400">
-                <a:solidFill>
-                  <a:srgbClr val="000000"/>
-                </a:solidFill>
-                <a:latin typeface="Calibri Light"/>
-              </a:rPr>
-              <a:t>Métricas</a:t>
-            </a:r>
-            <a:endParaRPr/>
-          </a:p>
-        </p:txBody>
-      </p:sp>
-      <p:sp>
-        <p:nvSpPr>
-          <p:cNvPr id="88" name="TextShape 2"/>
-          <p:cNvSpPr txBox="1"/>
+        </p:nvPicPr>
+        <p:blipFill>
+          <a:blip r:embed="rId1"/>
+          <a:srcRect l="0" t="6774" r="0" b="0"/>
+          <a:stretch>
+            <a:fillRect/>
+          </a:stretch>
+        </p:blipFill>
+        <p:spPr>
+          <a:xfrm>
+            <a:off x="0" y="0"/>
+            <a:ext cx="12191400" cy="6856560"/>
+          </a:xfrm>
+          <a:prstGeom prst="rect">
+            <a:avLst/>
+          </a:prstGeom>
+          <a:ln>
+            <a:noFill/>
+          </a:ln>
+        </p:spPr>
+      </p:pic>
+      <p:sp>
+        <p:nvSpPr>
+          <p:cNvPr id="154" name="CustomShape 1"/>
+          <p:cNvSpPr/>
           <p:nvPr/>
         </p:nvSpPr>
         <p:spPr>
           <a:xfrm>
-            <a:off x="838080" y="1825560"/>
-            <a:ext cx="10515240" cy="4350960"/>
-          </a:xfrm>
-          <a:prstGeom prst="rect">
-            <a:avLst/>
-          </a:prstGeom>
-        </p:spPr>
-        <p:txBody>
-          <a:bodyPr/>
-          <a:p>
-            <a:pPr algn="just">
+            <a:off x="0" y="384120"/>
+            <a:ext cx="8520840" cy="1142640"/>
+          </a:xfrm>
+          <a:prstGeom prst="rect">
+            <a:avLst/>
+          </a:prstGeom>
+          <a:noFill/>
+          <a:ln>
+            <a:noFill/>
+          </a:ln>
+        </p:spPr>
+        <p:txBody>
+          <a:bodyPr lIns="90000" rIns="90000" tIns="91440" bIns="91440" anchor="b"/>
+          <a:p>
+            <a:pPr algn="ctr">
               <a:lnSpc>
                 <a:spcPct val="100000"/>
               </a:lnSpc>
             </a:pPr>
             <a:r>
-              <a:rPr lang="en-US" sz="2800">
+              <a:rPr b="1" lang="en-AU" sz="4800">
                 <a:solidFill>
                   <a:srgbClr val="000000"/>
                 </a:solidFill>
-                <a:latin typeface="Calibri"/>
+                <a:latin typeface="Arial"/>
+                <a:ea typeface="Arial"/>
               </a:rPr>
-              <a:t>“</a:t>
-            </a:r>
-            <a:r>
-              <a:rPr lang="en-US" sz="2800">
-                <a:solidFill>
-                  <a:srgbClr val="000000"/>
-                </a:solidFill>
-                <a:latin typeface="Calibri"/>
-              </a:rPr>
-              <a:t>Métricas nos permitem criar mecanismos automatizáveis para detecção de características obtidas através da análise do código-fonte” (Machine et al, 2010)</a:t>
-            </a:r>
-            <a:endParaRPr/>
-          </a:p>
-          <a:p>
-            <a:pPr algn="just">
-              <a:lnSpc>
-                <a:spcPct val="100000"/>
-              </a:lnSpc>
-            </a:pPr>
-            <a:endParaRPr/>
-          </a:p>
-          <a:p>
-            <a:pPr algn="just">
-              <a:lnSpc>
-                <a:spcPct val="100000"/>
-              </a:lnSpc>
-            </a:pPr>
-            <a:r>
-              <a:rPr lang="en-US" sz="2800">
-                <a:solidFill>
-                  <a:srgbClr val="000000"/>
-                </a:solidFill>
-                <a:latin typeface="Calibri"/>
-              </a:rPr>
-              <a:t>Ex:</a:t>
-            </a:r>
-            <a:endParaRPr/>
-          </a:p>
-          <a:p>
-            <a:pPr algn="just">
-              <a:lnSpc>
-                <a:spcPct val="100000"/>
-              </a:lnSpc>
-            </a:pPr>
-            <a:r>
-              <a:rPr lang="en-US" sz="2800">
-                <a:solidFill>
-                  <a:srgbClr val="000000"/>
-                </a:solidFill>
-                <a:latin typeface="Calibri"/>
-              </a:rPr>
-              <a:t>	</a:t>
-            </a:r>
-            <a:r>
-              <a:rPr lang="en-US" sz="2800">
-                <a:solidFill>
-                  <a:srgbClr val="000000"/>
-                </a:solidFill>
-                <a:latin typeface="Calibri"/>
-              </a:rPr>
-              <a:t>NC (Números de chamadas)</a:t>
-            </a:r>
-            <a:endParaRPr/>
-          </a:p>
-          <a:p>
-            <a:pPr algn="just">
-              <a:lnSpc>
-                <a:spcPct val="100000"/>
-              </a:lnSpc>
-            </a:pPr>
-            <a:r>
-              <a:rPr lang="en-US" sz="2800">
-                <a:solidFill>
-                  <a:srgbClr val="000000"/>
-                </a:solidFill>
-                <a:latin typeface="Calibri"/>
-              </a:rPr>
-              <a:t>	</a:t>
-            </a:r>
-            <a:r>
-              <a:rPr lang="en-US" sz="2800">
-                <a:solidFill>
-                  <a:srgbClr val="000000"/>
-                </a:solidFill>
-                <a:latin typeface="Calibri"/>
-              </a:rPr>
-              <a:t>NCC (Números de classes chamadas)</a:t>
+              <a:t>Métricas de Código</a:t>
             </a:r>
             <a:endParaRPr/>
           </a:p>
@@ -3933,59 +7290,52 @@
           <a:chExt cx="0" cy="0"/>
         </a:xfrm>
       </p:grpSpPr>
-      <p:sp>
-        <p:nvSpPr>
-          <p:cNvPr id="89" name="TextShape 1"/>
-          <p:cNvSpPr txBox="1"/>
+      <p:pic>
+        <p:nvPicPr>
+          <p:cNvPr id="155" name="Shape 36" descr=""/>
+          <p:cNvPicPr/>
           <p:nvPr/>
-        </p:nvSpPr>
-        <p:spPr>
-          <a:xfrm>
-            <a:off x="838080" y="365040"/>
-            <a:ext cx="10515240" cy="1325160"/>
-          </a:xfrm>
-          <a:prstGeom prst="rect">
-            <a:avLst/>
-          </a:prstGeom>
-        </p:spPr>
-        <p:txBody>
-          <a:bodyPr anchor="ctr"/>
-          <a:p>
-            <a:pPr>
-              <a:lnSpc>
-                <a:spcPct val="90000"/>
-              </a:lnSpc>
-            </a:pPr>
-            <a:r>
-              <a:rPr lang="en-US" sz="4400">
-                <a:solidFill>
-                  <a:srgbClr val="000000"/>
-                </a:solidFill>
-                <a:latin typeface="Calibri Light"/>
-              </a:rPr>
-              <a:t>Cenários de Limpeza</a:t>
-            </a:r>
-            <a:endParaRPr/>
-          </a:p>
-        </p:txBody>
-      </p:sp>
-      <p:sp>
-        <p:nvSpPr>
-          <p:cNvPr id="90" name="TextShape 2"/>
-          <p:cNvSpPr txBox="1"/>
+        </p:nvPicPr>
+        <p:blipFill>
+          <a:blip r:embed="rId1"/>
+          <a:stretch>
+            <a:fillRect/>
+          </a:stretch>
+        </p:blipFill>
+        <p:spPr>
+          <a:xfrm>
+            <a:off x="3283560" y="0"/>
+            <a:ext cx="8875080" cy="6856560"/>
+          </a:xfrm>
+          <a:prstGeom prst="rect">
+            <a:avLst/>
+          </a:prstGeom>
+          <a:ln>
+            <a:noFill/>
+          </a:ln>
+        </p:spPr>
+      </p:pic>
+      <p:sp>
+        <p:nvSpPr>
+          <p:cNvPr id="156" name="CustomShape 1"/>
+          <p:cNvSpPr/>
           <p:nvPr/>
         </p:nvSpPr>
         <p:spPr>
           <a:xfrm>
-            <a:off x="838080" y="1825560"/>
-            <a:ext cx="10515240" cy="4350960"/>
-          </a:xfrm>
-          <a:prstGeom prst="rect">
-            <a:avLst/>
-          </a:prstGeom>
-        </p:spPr>
-        <p:txBody>
-          <a:bodyPr/>
+            <a:off x="0" y="302760"/>
+            <a:ext cx="5413680" cy="1045440"/>
+          </a:xfrm>
+          <a:prstGeom prst="rect">
+            <a:avLst/>
+          </a:prstGeom>
+          <a:noFill/>
+          <a:ln>
+            <a:noFill/>
+          </a:ln>
+        </p:spPr>
+        <p:txBody>
+          <a:bodyPr lIns="90000" rIns="90000" tIns="91440" bIns="91440"/>
           <a:p>
             <a:pPr>
               <a:lnSpc>
@@ -3993,64 +7343,14 @@
               </a:lnSpc>
             </a:pPr>
             <a:r>
-              <a:rPr lang="en-US" sz="2800">
+              <a:rPr b="1" lang="en-AU" sz="4800">
                 <a:solidFill>
                   <a:srgbClr val="000000"/>
                 </a:solidFill>
-                <a:latin typeface="Calibri"/>
+                <a:latin typeface="Arial"/>
+                <a:ea typeface="Arial"/>
               </a:rPr>
-              <a:t>	</a:t>
-            </a:r>
-            <a:r>
-              <a:rPr lang="en-US" sz="2800">
-                <a:solidFill>
-                  <a:srgbClr val="000000"/>
-                </a:solidFill>
-                <a:latin typeface="Calibri"/>
-              </a:rPr>
-              <a:t>Cenários são correlações entre métricas de código fonte e conceitos de código limpo.</a:t>
-            </a:r>
-            <a:endParaRPr/>
-          </a:p>
-          <a:p>
-            <a:pPr>
-              <a:lnSpc>
-                <a:spcPct val="100000"/>
-              </a:lnSpc>
-            </a:pPr>
-            <a:endParaRPr/>
-          </a:p>
-          <a:p>
-            <a:pPr>
-              <a:lnSpc>
-                <a:spcPct val="100000"/>
-              </a:lnSpc>
-            </a:pPr>
-            <a:r>
-              <a:rPr lang="en-US" sz="2800">
-                <a:solidFill>
-                  <a:srgbClr val="000000"/>
-                </a:solidFill>
-                <a:latin typeface="Calibri"/>
-              </a:rPr>
-              <a:t>Ex:</a:t>
-            </a:r>
-            <a:endParaRPr/>
-          </a:p>
-          <a:p>
-            <a:pPr>
-              <a:lnSpc>
-                <a:spcPct val="100000"/>
-              </a:lnSpc>
-            </a:pPr>
-            <a:r>
-              <a:rPr lang="en-US" sz="2800">
-                <a:solidFill>
-                  <a:srgbClr val="000000"/>
-                </a:solidFill>
-                <a:latin typeface="Calibri"/>
-              </a:rPr>
-              <a:t>Classe pouco coesa </a:t>
+              <a:t>O que são?</a:t>
             </a:r>
             <a:endParaRPr/>
           </a:p>
@@ -4105,68 +7405,53 @@
           <a:chExt cx="0" cy="0"/>
         </a:xfrm>
       </p:grpSpPr>
-      <p:sp>
-        <p:nvSpPr>
-          <p:cNvPr id="91" name="TextShape 1"/>
-          <p:cNvSpPr txBox="1"/>
+      <p:pic>
+        <p:nvPicPr>
+          <p:cNvPr id="157" name="Shape 42" descr=""/>
+          <p:cNvPicPr/>
           <p:nvPr/>
-        </p:nvSpPr>
-        <p:spPr>
-          <a:xfrm>
-            <a:off x="838080" y="365040"/>
-            <a:ext cx="10515240" cy="1325160"/>
-          </a:xfrm>
-          <a:prstGeom prst="rect">
-            <a:avLst/>
-          </a:prstGeom>
-        </p:spPr>
-        <p:txBody>
-          <a:bodyPr anchor="ctr"/>
-          <a:p>
-            <a:pPr>
-              <a:lnSpc>
-                <a:spcPct val="90000"/>
-              </a:lnSpc>
-            </a:pPr>
-            <a:r>
-              <a:rPr lang="en-US" sz="4400">
-                <a:solidFill>
-                  <a:srgbClr val="000000"/>
-                </a:solidFill>
-                <a:latin typeface="Calibri Light"/>
-              </a:rPr>
-              <a:t>Percentil</a:t>
-            </a:r>
-            <a:r>
-              <a:rPr lang="en-US" sz="4400">
-                <a:solidFill>
-                  <a:srgbClr val="000000"/>
-                </a:solidFill>
-                <a:latin typeface="Calibri Light"/>
-              </a:rPr>
-              <a:t>	</a:t>
-            </a:r>
-            <a:endParaRPr/>
-          </a:p>
-        </p:txBody>
-      </p:sp>
-      <p:sp>
-        <p:nvSpPr>
-          <p:cNvPr id="92" name="TextShape 2"/>
-          <p:cNvSpPr txBox="1"/>
+        </p:nvPicPr>
+        <p:blipFill>
+          <a:blip r:embed="rId1"/>
+          <a:srcRect l="-135704" t="-1513130" r="1426195" b="0"/>
+          <a:stretch>
+            <a:fillRect/>
+          </a:stretch>
+        </p:blipFill>
+        <p:spPr>
+          <a:xfrm>
+            <a:off x="0" y="1938960"/>
+            <a:ext cx="8216280" cy="4917960"/>
+          </a:xfrm>
+          <a:prstGeom prst="rect">
+            <a:avLst/>
+          </a:prstGeom>
+          <a:ln>
+            <a:noFill/>
+          </a:ln>
+        </p:spPr>
+      </p:pic>
+      <p:sp>
+        <p:nvSpPr>
+          <p:cNvPr id="158" name="CustomShape 1"/>
+          <p:cNvSpPr/>
           <p:nvPr/>
         </p:nvSpPr>
         <p:spPr>
           <a:xfrm>
-            <a:off x="838080" y="1825560"/>
-            <a:ext cx="10515240" cy="4350960"/>
-          </a:xfrm>
-          <a:prstGeom prst="rect">
-            <a:avLst/>
-          </a:prstGeom>
-        </p:spPr>
-        <p:txBody>
-          <a:bodyPr/>
+            <a:off x="232920" y="185040"/>
+            <a:ext cx="7983360" cy="1453680"/>
+          </a:xfrm>
+          <a:prstGeom prst="rect">
+            <a:avLst/>
+          </a:prstGeom>
+          <a:noFill/>
+          <a:ln>
+            <a:noFill/>
+          </a:ln>
+        </p:spPr>
+        <p:txBody>
+          <a:bodyPr lIns="90000" rIns="90000" tIns="91440" bIns="91440"/>
           <a:p>
             <a:pPr>
               <a:lnSpc>
@@ -4174,13 +7459,14 @@
               </a:lnSpc>
             </a:pPr>
             <a:r>
-              <a:rPr lang="en-US" sz="2800">
+              <a:rPr lang="en-AU" sz="4800">
                 <a:solidFill>
                   <a:srgbClr val="000000"/>
                 </a:solidFill>
-                <a:latin typeface="Calibri"/>
+                <a:latin typeface="Arial"/>
+                <a:ea typeface="Arial"/>
               </a:rPr>
-              <a:t>Transformação em um valor quantitativo para um valor qualitativo. Os índices utilizados são Excelente, Bom, Regular, Ruim.  </a:t>
+              <a:t>Para o que servem?</a:t>
             </a:r>
             <a:endParaRPr/>
           </a:p>
@@ -4235,23 +7521,338 @@
           <a:chExt cx="0" cy="0"/>
         </a:xfrm>
       </p:grpSpPr>
-      <p:sp>
-        <p:nvSpPr>
-          <p:cNvPr id="93" name="TextShape 1"/>
-          <p:cNvSpPr txBox="1"/>
+      <p:pic>
+        <p:nvPicPr>
+          <p:cNvPr id="159" name="Shape 48" descr=""/>
+          <p:cNvPicPr/>
           <p:nvPr/>
+        </p:nvPicPr>
+        <p:blipFill>
+          <a:blip r:embed="rId1"/>
+          <a:srcRect l="-135704" t="-1513130" r="1426195" b="0"/>
+          <a:stretch>
+            <a:fillRect/>
+          </a:stretch>
+        </p:blipFill>
+        <p:spPr>
+          <a:xfrm>
+            <a:off x="0" y="1938960"/>
+            <a:ext cx="8216280" cy="4917960"/>
+          </a:xfrm>
+          <a:prstGeom prst="rect">
+            <a:avLst/>
+          </a:prstGeom>
+          <a:ln>
+            <a:noFill/>
+          </a:ln>
+        </p:spPr>
+      </p:pic>
+      <p:sp>
+        <p:nvSpPr>
+          <p:cNvPr id="160" name="CustomShape 1"/>
+          <p:cNvSpPr/>
+          <p:nvPr/>
+        </p:nvSpPr>
+        <p:spPr>
+          <a:xfrm>
+            <a:off x="232920" y="185040"/>
+            <a:ext cx="7983360" cy="1453680"/>
+          </a:xfrm>
+          <a:prstGeom prst="rect">
+            <a:avLst/>
+          </a:prstGeom>
+          <a:noFill/>
+          <a:ln>
+            <a:noFill/>
+          </a:ln>
+        </p:spPr>
+        <p:txBody>
+          <a:bodyPr lIns="90000" rIns="90000" tIns="91440" bIns="91440"/>
+          <a:p>
+            <a:pPr>
+              <a:lnSpc>
+                <a:spcPct val="100000"/>
+              </a:lnSpc>
+            </a:pPr>
+            <a:r>
+              <a:rPr lang="en-AU" sz="4800">
+                <a:solidFill>
+                  <a:srgbClr val="000000"/>
+                </a:solidFill>
+                <a:latin typeface="Arial"/>
+                <a:ea typeface="Arial"/>
+              </a:rPr>
+              <a:t>Para o que servem?</a:t>
+            </a:r>
+            <a:endParaRPr/>
+          </a:p>
+        </p:txBody>
+      </p:sp>
+      <p:sp>
+        <p:nvSpPr>
+          <p:cNvPr id="161" name="CustomShape 2"/>
+          <p:cNvSpPr/>
+          <p:nvPr/>
+        </p:nvSpPr>
+        <p:spPr>
+          <a:xfrm>
+            <a:off x="8069400" y="1639440"/>
+            <a:ext cx="3677400" cy="4290840"/>
+          </a:xfrm>
+          <a:prstGeom prst="rect">
+            <a:avLst/>
+          </a:prstGeom>
+          <a:noFill/>
+          <a:ln>
+            <a:noFill/>
+          </a:ln>
+        </p:spPr>
+        <p:txBody>
+          <a:bodyPr lIns="90000" rIns="90000" tIns="91440" bIns="91440"/>
+          <a:p>
+            <a:pPr>
+              <a:lnSpc>
+                <a:spcPct val="100000"/>
+              </a:lnSpc>
+            </a:pPr>
+            <a:r>
+              <a:rPr lang="en-AU">
+                <a:solidFill>
+                  <a:srgbClr val="000000"/>
+                </a:solidFill>
+                <a:latin typeface="Arial"/>
+                <a:ea typeface="Arial"/>
+              </a:rPr>
+              <a:t>Permitem a análise de dados relacionados a</a:t>
+            </a:r>
+            <a:endParaRPr/>
+          </a:p>
+          <a:p>
+            <a:pPr>
+              <a:lnSpc>
+                <a:spcPct val="100000"/>
+              </a:lnSpc>
+            </a:pPr>
+            <a:endParaRPr/>
+          </a:p>
+          <a:p>
+            <a:pPr>
+              <a:lnSpc>
+                <a:spcPct val="100000"/>
+              </a:lnSpc>
+              <a:buFont typeface="Arial"/>
+              <a:buChar char="●"/>
+            </a:pPr>
+            <a:r>
+              <a:rPr lang="en-AU">
+                <a:solidFill>
+                  <a:srgbClr val="000000"/>
+                </a:solidFill>
+                <a:latin typeface="Arial"/>
+                <a:ea typeface="Arial"/>
+              </a:rPr>
+              <a:t>Erros</a:t>
+            </a:r>
+            <a:endParaRPr/>
+          </a:p>
+          <a:p>
+            <a:pPr>
+              <a:lnSpc>
+                <a:spcPct val="100000"/>
+              </a:lnSpc>
+              <a:buFont typeface="Arial"/>
+              <a:buChar char="●"/>
+            </a:pPr>
+            <a:r>
+              <a:rPr lang="en-AU">
+                <a:solidFill>
+                  <a:srgbClr val="000000"/>
+                </a:solidFill>
+                <a:latin typeface="Arial"/>
+                <a:ea typeface="Arial"/>
+              </a:rPr>
+              <a:t>Flexibilidade</a:t>
+            </a:r>
+            <a:endParaRPr/>
+          </a:p>
+          <a:p>
+            <a:pPr>
+              <a:lnSpc>
+                <a:spcPct val="100000"/>
+              </a:lnSpc>
+              <a:buFont typeface="Arial"/>
+              <a:buChar char="●"/>
+            </a:pPr>
+            <a:r>
+              <a:rPr lang="en-AU">
+                <a:solidFill>
+                  <a:srgbClr val="000000"/>
+                </a:solidFill>
+                <a:latin typeface="Arial"/>
+                <a:ea typeface="Arial"/>
+              </a:rPr>
+              <a:t>Complexidade</a:t>
+            </a:r>
+            <a:endParaRPr/>
+          </a:p>
+          <a:p>
+            <a:pPr>
+              <a:lnSpc>
+                <a:spcPct val="100000"/>
+              </a:lnSpc>
+              <a:buFont typeface="Arial"/>
+              <a:buChar char="●"/>
+            </a:pPr>
+            <a:r>
+              <a:rPr lang="en-AU">
+                <a:solidFill>
+                  <a:srgbClr val="000000"/>
+                </a:solidFill>
+                <a:latin typeface="Arial"/>
+                <a:ea typeface="Arial"/>
+              </a:rPr>
+              <a:t>Legibilidade</a:t>
+            </a:r>
+            <a:endParaRPr/>
+          </a:p>
+          <a:p>
+            <a:pPr>
+              <a:lnSpc>
+                <a:spcPct val="100000"/>
+              </a:lnSpc>
+              <a:buFont typeface="Arial"/>
+              <a:buChar char="●"/>
+            </a:pPr>
+            <a:r>
+              <a:rPr lang="en-AU">
+                <a:solidFill>
+                  <a:srgbClr val="000000"/>
+                </a:solidFill>
+                <a:latin typeface="Arial"/>
+                <a:ea typeface="Arial"/>
+              </a:rPr>
+              <a:t>Manutenibilidade</a:t>
+            </a:r>
+            <a:endParaRPr/>
+          </a:p>
+          <a:p>
+            <a:pPr>
+              <a:lnSpc>
+                <a:spcPct val="100000"/>
+              </a:lnSpc>
+              <a:buFont typeface="Arial"/>
+              <a:buChar char="●"/>
+            </a:pPr>
+            <a:r>
+              <a:rPr lang="en-AU">
+                <a:solidFill>
+                  <a:srgbClr val="000000"/>
+                </a:solidFill>
+                <a:latin typeface="Arial"/>
+                <a:ea typeface="Arial"/>
+              </a:rPr>
+              <a:t>Segurança e portabilidade</a:t>
+            </a:r>
+            <a:endParaRPr/>
+          </a:p>
+          <a:p>
+            <a:pPr>
+              <a:lnSpc>
+                <a:spcPct val="100000"/>
+              </a:lnSpc>
+            </a:pPr>
+            <a:endParaRPr/>
+          </a:p>
+          <a:p>
+            <a:pPr algn="r">
+              <a:lnSpc>
+                <a:spcPct val="100000"/>
+              </a:lnSpc>
+            </a:pPr>
+            <a:r>
+              <a:rPr i="1" lang="en-AU" sz="1200">
+                <a:solidFill>
+                  <a:srgbClr val="000000"/>
+                </a:solidFill>
+                <a:latin typeface="Arial"/>
+                <a:ea typeface="Arial"/>
+              </a:rPr>
+              <a:t>Henderson-Sellers, 1996</a:t>
+            </a:r>
+            <a:endParaRPr/>
+          </a:p>
+        </p:txBody>
+      </p:sp>
+    </p:spTree>
+  </p:cSld>
+  <p:timing>
+    <p:tnLst>
+      <p:par>
+        <p:cTn id="11" dur="indefinite" restart="never" nodeType="tmRoot">
+          <p:childTnLst>
+            <p:seq>
+              <p:cTn id="12" nodeType="mainSeq"/>
+              <p:prevCondLst>
+                <p:cond delay="0" evt="onPrev">
+                  <p:tgtEl>
+                    <p:sldTgt/>
+                  </p:tgtEl>
+                </p:cond>
+              </p:prevCondLst>
+              <p:nextCondLst>
+                <p:cond delay="0" evt="onNext">
+                  <p:tgtEl>
+                    <p:sldTgt/>
+                  </p:tgtEl>
+                </p:cond>
+              </p:nextCondLst>
+            </p:seq>
+          </p:childTnLst>
+        </p:cTn>
+      </p:par>
+    </p:tnLst>
+  </p:timing>
+</p:sld>
+</file>
+
+<file path=ppt/slides/slide7.xml><?xml version="1.0" encoding="utf-8"?>
+<p:sld xmlns:a="http://schemas.openxmlformats.org/drawingml/2006/main" xmlns:p="http://schemas.openxmlformats.org/presentationml/2006/main" xmlns:r="http://schemas.openxmlformats.org/officeDocument/2006/relationships">
+  <p:cSld>
+    <p:spTree>
+      <p:nvGrpSpPr>
+        <p:cNvPr id="1" name=""/>
+        <p:cNvGrpSpPr/>
+        <p:nvPr/>
+      </p:nvGrpSpPr>
+      <p:grpSpPr>
+        <a:xfrm>
+          <a:off x="0" y="0"/>
+          <a:ext cx="0" cy="0"/>
+          <a:chOff x="0" y="0"/>
+          <a:chExt cx="0" cy="0"/>
+        </a:xfrm>
+      </p:grpSpPr>
+      <p:sp>
+        <p:nvSpPr>
+          <p:cNvPr id="162" name="CustomShape 1"/>
+          <p:cNvSpPr/>
+          <p:nvPr/>
         </p:nvSpPr>
         <p:spPr>
           <a:xfrm>
             <a:off x="838080" y="365040"/>
-            <a:ext cx="10515240" cy="1325160"/>
-          </a:xfrm>
-          <a:prstGeom prst="rect">
-            <a:avLst/>
-          </a:prstGeom>
-        </p:spPr>
-        <p:txBody>
-          <a:bodyPr anchor="ctr"/>
+            <a:ext cx="10514520" cy="1324440"/>
+          </a:xfrm>
+          <a:prstGeom prst="rect">
+            <a:avLst/>
+          </a:prstGeom>
+          <a:noFill/>
+          <a:ln>
+            <a:noFill/>
+          </a:ln>
+        </p:spPr>
+        <p:txBody>
+          <a:bodyPr lIns="90000" rIns="90000" tIns="45000" bIns="45000" anchor="ctr"/>
           <a:p>
             <a:pPr>
               <a:lnSpc>
@@ -4259,7 +7860,187 @@
               </a:lnSpc>
             </a:pPr>
             <a:r>
-              <a:rPr lang="en-US" sz="4400">
+              <a:rPr lang="en-AU" sz="4400">
+                <a:solidFill>
+                  <a:srgbClr val="000000"/>
+                </a:solidFill>
+                <a:latin typeface="Calibri Light"/>
+              </a:rPr>
+              <a:t>Cenários de Limpeza</a:t>
+            </a:r>
+            <a:endParaRPr/>
+          </a:p>
+        </p:txBody>
+      </p:sp>
+      <p:sp>
+        <p:nvSpPr>
+          <p:cNvPr id="163" name="CustomShape 2"/>
+          <p:cNvSpPr/>
+          <p:nvPr/>
+        </p:nvSpPr>
+        <p:spPr>
+          <a:xfrm>
+            <a:off x="838080" y="1825560"/>
+            <a:ext cx="10514520" cy="4350240"/>
+          </a:xfrm>
+          <a:prstGeom prst="rect">
+            <a:avLst/>
+          </a:prstGeom>
+          <a:noFill/>
+          <a:ln>
+            <a:noFill/>
+          </a:ln>
+        </p:spPr>
+        <p:txBody>
+          <a:bodyPr lIns="90000" rIns="90000" tIns="45000" bIns="45000"/>
+          <a:p>
+            <a:pPr>
+              <a:lnSpc>
+                <a:spcPct val="100000"/>
+              </a:lnSpc>
+            </a:pPr>
+            <a:r>
+              <a:rPr lang="en-AU" sz="2800">
+                <a:solidFill>
+                  <a:srgbClr val="000000"/>
+                </a:solidFill>
+                <a:latin typeface="Calibri"/>
+              </a:rPr>
+              <a:t>	</a:t>
+            </a:r>
+            <a:r>
+              <a:rPr lang="en-AU" sz="2800">
+                <a:solidFill>
+                  <a:srgbClr val="000000"/>
+                </a:solidFill>
+                <a:latin typeface="Calibri"/>
+              </a:rPr>
+              <a:t>Cenários são correlações entre métricas de código fonte e conceitos de código limpo.</a:t>
+            </a:r>
+            <a:endParaRPr/>
+          </a:p>
+          <a:p>
+            <a:pPr>
+              <a:lnSpc>
+                <a:spcPct val="100000"/>
+              </a:lnSpc>
+            </a:pPr>
+            <a:endParaRPr/>
+          </a:p>
+          <a:p>
+            <a:pPr>
+              <a:lnSpc>
+                <a:spcPct val="100000"/>
+              </a:lnSpc>
+            </a:pPr>
+            <a:r>
+              <a:rPr lang="en-AU" sz="2800">
+                <a:solidFill>
+                  <a:srgbClr val="000000"/>
+                </a:solidFill>
+                <a:latin typeface="Calibri"/>
+              </a:rPr>
+              <a:t>Ex:</a:t>
+            </a:r>
+            <a:endParaRPr/>
+          </a:p>
+          <a:p>
+            <a:pPr>
+              <a:lnSpc>
+                <a:spcPct val="100000"/>
+              </a:lnSpc>
+            </a:pPr>
+            <a:r>
+              <a:rPr lang="en-AU" sz="2800">
+                <a:solidFill>
+                  <a:srgbClr val="000000"/>
+                </a:solidFill>
+                <a:latin typeface="Calibri"/>
+              </a:rPr>
+              <a:t>Classe pouco coesa </a:t>
+            </a:r>
+            <a:endParaRPr/>
+          </a:p>
+        </p:txBody>
+      </p:sp>
+    </p:spTree>
+  </p:cSld>
+  <p:timing>
+    <p:tnLst>
+      <p:par>
+        <p:cTn id="13" dur="indefinite" restart="never" nodeType="tmRoot">
+          <p:childTnLst>
+            <p:seq>
+              <p:cTn id="14" nodeType="mainSeq"/>
+              <p:prevCondLst>
+                <p:cond delay="0" evt="onPrev">
+                  <p:tgtEl>
+                    <p:sldTgt/>
+                  </p:tgtEl>
+                </p:cond>
+              </p:prevCondLst>
+              <p:nextCondLst>
+                <p:cond delay="0" evt="onNext">
+                  <p:tgtEl>
+                    <p:sldTgt/>
+                  </p:tgtEl>
+                </p:cond>
+              </p:nextCondLst>
+            </p:seq>
+          </p:childTnLst>
+        </p:cTn>
+      </p:par>
+    </p:tnLst>
+  </p:timing>
+</p:sld>
+</file>
+
+<file path=ppt/slides/slide8.xml><?xml version="1.0" encoding="utf-8"?>
+<p:sld xmlns:a="http://schemas.openxmlformats.org/drawingml/2006/main" xmlns:p="http://schemas.openxmlformats.org/presentationml/2006/main" xmlns:r="http://schemas.openxmlformats.org/officeDocument/2006/relationships">
+  <p:cSld>
+    <p:spTree>
+      <p:nvGrpSpPr>
+        <p:cNvPr id="1" name=""/>
+        <p:cNvGrpSpPr/>
+        <p:nvPr/>
+      </p:nvGrpSpPr>
+      <p:grpSpPr>
+        <a:xfrm>
+          <a:off x="0" y="0"/>
+          <a:ext cx="0" cy="0"/>
+          <a:chOff x="0" y="0"/>
+          <a:chExt cx="0" cy="0"/>
+        </a:xfrm>
+      </p:grpSpPr>
+      <p:sp>
+        <p:nvSpPr>
+          <p:cNvPr id="164" name="CustomShape 1"/>
+          <p:cNvSpPr/>
+          <p:nvPr/>
+        </p:nvSpPr>
+        <p:spPr>
+          <a:xfrm>
+            <a:off x="838080" y="365040"/>
+            <a:ext cx="10514520" cy="1324440"/>
+          </a:xfrm>
+          <a:prstGeom prst="rect">
+            <a:avLst/>
+          </a:prstGeom>
+          <a:noFill/>
+          <a:ln>
+            <a:noFill/>
+          </a:ln>
+        </p:spPr>
+        <p:txBody>
+          <a:bodyPr lIns="90000" rIns="90000" tIns="45000" bIns="45000" anchor="ctr"/>
+          <a:p>
+            <a:pPr>
+              <a:lnSpc>
+                <a:spcPct val="90000"/>
+              </a:lnSpc>
+            </a:pPr>
+            <a:r>
+              <a:rPr lang="en-AU" sz="4400">
                 <a:solidFill>
                   <a:srgbClr val="000000"/>
                 </a:solidFill>
@@ -4273,21 +8054,21 @@
       </p:sp>
       <p:graphicFrame>
         <p:nvGraphicFramePr>
-          <p:cNvPr id="94" name="Table 2"/>
+          <p:cNvPr id="165" name="Table 2"/>
           <p:cNvGraphicFramePr/>
           <p:nvPr/>
         </p:nvGraphicFramePr>
         <p:xfrm>
           <a:off x="838080" y="1825560"/>
-          <a:ext cx="10515240" cy="2864880"/>
+          <a:ext cx="10514520" cy="2864160"/>
         </p:xfrm>
         <a:graphic>
           <a:graphicData uri="http://schemas.openxmlformats.org/drawingml/2006/table">
             <a:tbl>
               <a:tblPr/>
               <a:tblGrid>
-                <a:gridCol w="5257800"/>
-                <a:gridCol w="5257800"/>
+                <a:gridCol w="5257440"/>
+                <a:gridCol w="5257440"/>
               </a:tblGrid>
               <a:tr h="360000">
                 <a:tc>
@@ -4634,10 +8415,10 @@
   <p:timing>
     <p:tnLst>
       <p:par>
-        <p:cTn id="11" dur="indefinite" restart="never" nodeType="tmRoot">
+        <p:cTn id="15" dur="indefinite" restart="never" nodeType="tmRoot">
           <p:childTnLst>
             <p:seq>
-              <p:cTn id="12" nodeType="mainSeq"/>
+              <p:cTn id="16" nodeType="mainSeq"/>
               <p:prevCondLst>
                 <p:cond delay="0" evt="onPrev">
                   <p:tgtEl>
@@ -4661,7 +8442,7 @@
 </p:sld>
 </file>
 
-<file path=ppt/slides/slide7.xml><?xml version="1.0" encoding="utf-8"?>
+<file path=ppt/slides/slide9.xml><?xml version="1.0" encoding="utf-8"?>
 <p:sld xmlns:a="http://schemas.openxmlformats.org/drawingml/2006/main" xmlns:p="http://schemas.openxmlformats.org/presentationml/2006/main" xmlns:r="http://schemas.openxmlformats.org/officeDocument/2006/relationships">
   <p:cSld>
     <p:spTree>
@@ -4680,21 +8461,25 @@
       </p:grpSpPr>
       <p:sp>
         <p:nvSpPr>
-          <p:cNvPr id="95" name="TextShape 1"/>
-          <p:cNvSpPr txBox="1"/>
+          <p:cNvPr id="166" name="CustomShape 1"/>
+          <p:cNvSpPr/>
           <p:nvPr/>
         </p:nvSpPr>
         <p:spPr>
           <a:xfrm>
             <a:off x="838080" y="365040"/>
-            <a:ext cx="10515240" cy="1325160"/>
-          </a:xfrm>
-          <a:prstGeom prst="rect">
-            <a:avLst/>
-          </a:prstGeom>
-        </p:spPr>
-        <p:txBody>
-          <a:bodyPr anchor="ctr"/>
+            <a:ext cx="10514520" cy="1324440"/>
+          </a:xfrm>
+          <a:prstGeom prst="rect">
+            <a:avLst/>
+          </a:prstGeom>
+          <a:noFill/>
+          <a:ln>
+            <a:noFill/>
+          </a:ln>
+        </p:spPr>
+        <p:txBody>
+          <a:bodyPr lIns="90000" rIns="90000" tIns="45000" bIns="45000" anchor="ctr"/>
           <a:p>
             <a:pPr>
               <a:lnSpc>
@@ -4702,13 +8487,13 @@
               </a:lnSpc>
             </a:pPr>
             <a:r>
-              <a:rPr lang="en-US" sz="4400">
+              <a:rPr lang="en-AU" sz="4400">
                 <a:solidFill>
                   <a:srgbClr val="000000"/>
                 </a:solidFill>
                 <a:latin typeface="Calibri Light"/>
               </a:rPr>
-              <a:t>Possíveis cenários/Méticas</a:t>
+              <a:t>Possíveis cenários/Métricas</a:t>
             </a:r>
             <a:endParaRPr/>
           </a:p>
@@ -4716,21 +8501,21 @@
       </p:sp>
       <p:graphicFrame>
         <p:nvGraphicFramePr>
-          <p:cNvPr id="96" name="Table 2"/>
+          <p:cNvPr id="167" name="Table 2"/>
           <p:cNvGraphicFramePr/>
           <p:nvPr/>
         </p:nvGraphicFramePr>
         <p:xfrm>
           <a:off x="838080" y="1825560"/>
-          <a:ext cx="10013760" cy="2864880"/>
+          <a:ext cx="10013040" cy="2864160"/>
         </p:xfrm>
         <a:graphic>
           <a:graphicData uri="http://schemas.openxmlformats.org/drawingml/2006/table">
             <a:tbl>
               <a:tblPr/>
               <a:tblGrid>
-                <a:gridCol w="5006880"/>
-                <a:gridCol w="5006880"/>
+                <a:gridCol w="5006520"/>
+                <a:gridCol w="5006520"/>
               </a:tblGrid>
               <a:tr h="372240">
                 <a:tc>
@@ -5020,7 +8805,7 @@
                   <a:tcPr/>
                 </a:tc>
               </a:tr>
-              <a:tr h="372960">
+              <a:tr h="372240">
                 <a:tc>
                   <a:txBody>
                     <a:bodyPr/>
@@ -5074,21 +8859,25 @@
       </p:graphicFrame>
       <p:sp>
         <p:nvSpPr>
-          <p:cNvPr id="97" name="TextShape 3"/>
-          <p:cNvSpPr txBox="1"/>
+          <p:cNvPr id="168" name="CustomShape 3"/>
+          <p:cNvSpPr/>
           <p:nvPr/>
         </p:nvSpPr>
         <p:spPr>
           <a:xfrm>
             <a:off x="838080" y="6076080"/>
-            <a:ext cx="10062000" cy="645120"/>
-          </a:xfrm>
-          <a:prstGeom prst="rect">
-            <a:avLst/>
-          </a:prstGeom>
-        </p:spPr>
-        <p:txBody>
-          <a:bodyPr anchor="ctr"/>
+            <a:ext cx="10061280" cy="644400"/>
+          </a:xfrm>
+          <a:prstGeom prst="rect">
+            <a:avLst/>
+          </a:prstGeom>
+          <a:noFill/>
+          <a:ln>
+            <a:noFill/>
+          </a:ln>
+        </p:spPr>
+        <p:txBody>
+          <a:bodyPr lIns="90000" rIns="90000" tIns="45000" bIns="45000" anchor="ctr"/>
           <a:p>
             <a:pPr algn="ctr">
               <a:lnSpc>
@@ -5103,575 +8892,6 @@
                 <a:latin typeface="Calibri"/>
               </a:rPr>
               <a:t>LCOM4(Falta de coesão entre métodos), RFC(Resposta para uma classe), ANPM(Média de número de parâmetros por método), NOC(Número de sub classes) , AMLOC(Número de linhas de código por método), ACCM(Média da complexidade ciclomática por métodos), NPA(Número de atributos públicos), CBO( Acomplamento entre objetos).</a:t>
-            </a:r>
-            <a:endParaRPr/>
-          </a:p>
-        </p:txBody>
-      </p:sp>
-    </p:spTree>
-  </p:cSld>
-  <p:timing>
-    <p:tnLst>
-      <p:par>
-        <p:cTn id="13" dur="indefinite" restart="never" nodeType="tmRoot">
-          <p:childTnLst>
-            <p:seq>
-              <p:cTn id="14" nodeType="mainSeq"/>
-              <p:prevCondLst>
-                <p:cond delay="0" evt="onPrev">
-                  <p:tgtEl>
-                    <p:sldTgt/>
-                  </p:tgtEl>
-                </p:cond>
-              </p:prevCondLst>
-              <p:nextCondLst>
-                <p:cond delay="0" evt="onNext">
-                  <p:tgtEl>
-                    <p:sldTgt/>
-                  </p:tgtEl>
-                </p:cond>
-              </p:nextCondLst>
-            </p:seq>
-          </p:childTnLst>
-        </p:cTn>
-      </p:par>
-    </p:tnLst>
-  </p:timing>
-</p:sld>
-</file>
-
-<file path=ppt/slides/slide8.xml><?xml version="1.0" encoding="utf-8"?>
-<p:sld xmlns:a="http://schemas.openxmlformats.org/drawingml/2006/main" xmlns:p="http://schemas.openxmlformats.org/presentationml/2006/main" xmlns:r="http://schemas.openxmlformats.org/officeDocument/2006/relationships">
-  <p:cSld>
-    <p:spTree>
-      <p:nvGrpSpPr>
-        <p:cNvPr id="1" name=""/>
-        <p:cNvGrpSpPr/>
-        <p:nvPr/>
-      </p:nvGrpSpPr>
-      <p:grpSpPr>
-        <a:xfrm>
-          <a:off x="0" y="0"/>
-          <a:ext cx="0" cy="0"/>
-          <a:chOff x="0" y="0"/>
-          <a:chExt cx="0" cy="0"/>
-        </a:xfrm>
-      </p:grpSpPr>
-      <p:sp>
-        <p:nvSpPr>
-          <p:cNvPr id="98" name="TextShape 1"/>
-          <p:cNvSpPr txBox="1"/>
-          <p:nvPr/>
-        </p:nvSpPr>
-        <p:spPr>
-          <a:xfrm>
-            <a:off x="838080" y="365040"/>
-            <a:ext cx="10515240" cy="1325160"/>
-          </a:xfrm>
-          <a:prstGeom prst="rect">
-            <a:avLst/>
-          </a:prstGeom>
-        </p:spPr>
-        <p:txBody>
-          <a:bodyPr anchor="ctr"/>
-          <a:p>
-            <a:pPr>
-              <a:lnSpc>
-                <a:spcPct val="90000"/>
-              </a:lnSpc>
-            </a:pPr>
-            <a:r>
-              <a:rPr lang="en-US" sz="4400">
-                <a:solidFill>
-                  <a:srgbClr val="000000"/>
-                </a:solidFill>
-                <a:latin typeface="Calibri Light"/>
-              </a:rPr>
-              <a:t>Ferramentas</a:t>
-            </a:r>
-            <a:endParaRPr/>
-          </a:p>
-        </p:txBody>
-      </p:sp>
-      <p:sp>
-        <p:nvSpPr>
-          <p:cNvPr id="99" name="TextShape 2"/>
-          <p:cNvSpPr txBox="1"/>
-          <p:nvPr/>
-        </p:nvSpPr>
-        <p:spPr>
-          <a:xfrm>
-            <a:off x="838080" y="1825560"/>
-            <a:ext cx="10515240" cy="4350960"/>
-          </a:xfrm>
-          <a:prstGeom prst="rect">
-            <a:avLst/>
-          </a:prstGeom>
-        </p:spPr>
-        <p:txBody>
-          <a:bodyPr/>
-          <a:p>
-            <a:pPr>
-              <a:lnSpc>
-                <a:spcPct val="90000"/>
-              </a:lnSpc>
-              <a:buFont typeface="Arial"/>
-              <a:buChar char="•"/>
-            </a:pPr>
-            <a:r>
-              <a:rPr lang="en-US" sz="2800">
-                <a:solidFill>
-                  <a:srgbClr val="000000"/>
-                </a:solidFill>
-                <a:latin typeface="Calibri"/>
-              </a:rPr>
-              <a:t>Analizo</a:t>
-            </a:r>
-            <a:endParaRPr/>
-          </a:p>
-          <a:p>
-            <a:pPr>
-              <a:lnSpc>
-                <a:spcPct val="90000"/>
-              </a:lnSpc>
-              <a:buFont typeface="Arial"/>
-              <a:buChar char="•"/>
-            </a:pPr>
-            <a:r>
-              <a:rPr lang="en-US" sz="2800">
-                <a:solidFill>
-                  <a:srgbClr val="000000"/>
-                </a:solidFill>
-                <a:latin typeface="Calibri"/>
-              </a:rPr>
-              <a:t>FindBugs</a:t>
-            </a:r>
-            <a:endParaRPr/>
-          </a:p>
-          <a:p>
-            <a:pPr>
-              <a:lnSpc>
-                <a:spcPct val="90000"/>
-              </a:lnSpc>
-              <a:buFont typeface="Arial"/>
-              <a:buChar char="•"/>
-            </a:pPr>
-            <a:r>
-              <a:rPr lang="en-US" sz="2800">
-                <a:solidFill>
-                  <a:srgbClr val="000000"/>
-                </a:solidFill>
-                <a:latin typeface="Calibri"/>
-              </a:rPr>
-              <a:t>PMD</a:t>
-            </a:r>
-            <a:endParaRPr/>
-          </a:p>
-        </p:txBody>
-      </p:sp>
-      <p:pic>
-        <p:nvPicPr>
-          <p:cNvPr id="100" name="Imagem 10" descr=""/>
-          <p:cNvPicPr/>
-          <p:nvPr/>
-        </p:nvPicPr>
-        <p:blipFill>
-          <a:blip r:embed="rId1"/>
-          <a:stretch>
-            <a:fillRect/>
-          </a:stretch>
-        </p:blipFill>
-        <p:spPr>
-          <a:xfrm>
-            <a:off x="5334120" y="1825560"/>
-            <a:ext cx="1523520" cy="609120"/>
-          </a:xfrm>
-          <a:prstGeom prst="rect">
-            <a:avLst/>
-          </a:prstGeom>
-          <a:ln>
-            <a:noFill/>
-          </a:ln>
-        </p:spPr>
-      </p:pic>
-      <p:pic>
-        <p:nvPicPr>
-          <p:cNvPr id="101" name="Imagem 11" descr=""/>
-          <p:cNvPicPr/>
-          <p:nvPr/>
-        </p:nvPicPr>
-        <p:blipFill>
-          <a:blip r:embed="rId2"/>
-          <a:stretch>
-            <a:fillRect/>
-          </a:stretch>
-        </p:blipFill>
-        <p:spPr>
-          <a:xfrm>
-            <a:off x="5295960" y="2680560"/>
-            <a:ext cx="1599480" cy="1625040"/>
-          </a:xfrm>
-          <a:prstGeom prst="rect">
-            <a:avLst/>
-          </a:prstGeom>
-          <a:ln>
-            <a:noFill/>
-          </a:ln>
-        </p:spPr>
-      </p:pic>
-      <p:pic>
-        <p:nvPicPr>
-          <p:cNvPr id="102" name="Imagem 12" descr=""/>
-          <p:cNvPicPr/>
-          <p:nvPr/>
-        </p:nvPicPr>
-        <p:blipFill>
-          <a:blip r:embed="rId3"/>
-          <a:stretch>
-            <a:fillRect/>
-          </a:stretch>
-        </p:blipFill>
-        <p:spPr>
-          <a:xfrm>
-            <a:off x="5372280" y="4440960"/>
-            <a:ext cx="1523520" cy="977400"/>
-          </a:xfrm>
-          <a:prstGeom prst="rect">
-            <a:avLst/>
-          </a:prstGeom>
-          <a:ln>
-            <a:noFill/>
-          </a:ln>
-        </p:spPr>
-      </p:pic>
-    </p:spTree>
-  </p:cSld>
-  <p:timing>
-    <p:tnLst>
-      <p:par>
-        <p:cTn id="15" dur="indefinite" restart="never" nodeType="tmRoot">
-          <p:childTnLst>
-            <p:seq>
-              <p:cTn id="16" nodeType="mainSeq"/>
-              <p:prevCondLst>
-                <p:cond delay="0" evt="onPrev">
-                  <p:tgtEl>
-                    <p:sldTgt/>
-                  </p:tgtEl>
-                </p:cond>
-              </p:prevCondLst>
-              <p:nextCondLst>
-                <p:cond delay="0" evt="onNext">
-                  <p:tgtEl>
-                    <p:sldTgt/>
-                  </p:tgtEl>
-                </p:cond>
-              </p:nextCondLst>
-            </p:seq>
-          </p:childTnLst>
-        </p:cTn>
-      </p:par>
-    </p:tnLst>
-  </p:timing>
-</p:sld>
-</file>
-
-<file path=ppt/slides/slide9.xml><?xml version="1.0" encoding="utf-8"?>
-<p:sld xmlns:a="http://schemas.openxmlformats.org/drawingml/2006/main" xmlns:p="http://schemas.openxmlformats.org/presentationml/2006/main" xmlns:r="http://schemas.openxmlformats.org/officeDocument/2006/relationships">
-  <p:cSld>
-    <p:spTree>
-      <p:nvGrpSpPr>
-        <p:cNvPr id="1" name=""/>
-        <p:cNvGrpSpPr/>
-        <p:nvPr/>
-      </p:nvGrpSpPr>
-      <p:grpSpPr>
-        <a:xfrm>
-          <a:off x="0" y="0"/>
-          <a:ext cx="0" cy="0"/>
-          <a:chOff x="0" y="0"/>
-          <a:chExt cx="0" cy="0"/>
-        </a:xfrm>
-      </p:grpSpPr>
-      <p:sp>
-        <p:nvSpPr>
-          <p:cNvPr id="103" name="TextShape 1"/>
-          <p:cNvSpPr txBox="1"/>
-          <p:nvPr/>
-        </p:nvSpPr>
-        <p:spPr>
-          <a:xfrm>
-            <a:off x="838080" y="365040"/>
-            <a:ext cx="10515240" cy="1325160"/>
-          </a:xfrm>
-          <a:prstGeom prst="rect">
-            <a:avLst/>
-          </a:prstGeom>
-        </p:spPr>
-        <p:txBody>
-          <a:bodyPr anchor="ctr"/>
-          <a:p>
-            <a:pPr>
-              <a:lnSpc>
-                <a:spcPct val="90000"/>
-              </a:lnSpc>
-            </a:pPr>
-            <a:r>
-              <a:rPr lang="en-US" sz="4400">
-                <a:solidFill>
-                  <a:srgbClr val="000000"/>
-                </a:solidFill>
-                <a:latin typeface="Calibri Light"/>
-              </a:rPr>
-              <a:t>Ferramentas</a:t>
-            </a:r>
-            <a:endParaRPr/>
-          </a:p>
-        </p:txBody>
-      </p:sp>
-      <p:sp>
-        <p:nvSpPr>
-          <p:cNvPr id="104" name="TextShape 2"/>
-          <p:cNvSpPr txBox="1"/>
-          <p:nvPr/>
-        </p:nvSpPr>
-        <p:spPr>
-          <a:xfrm>
-            <a:off x="838080" y="1825560"/>
-            <a:ext cx="10515240" cy="4350960"/>
-          </a:xfrm>
-          <a:prstGeom prst="rect">
-            <a:avLst/>
-          </a:prstGeom>
-        </p:spPr>
-        <p:txBody>
-          <a:bodyPr/>
-          <a:p>
-            <a:pPr>
-              <a:lnSpc>
-                <a:spcPct val="90000"/>
-              </a:lnSpc>
-              <a:buFont typeface="Arial"/>
-              <a:buChar char="•"/>
-            </a:pPr>
-            <a:r>
-              <a:rPr lang="en-US" sz="2800">
-                <a:solidFill>
-                  <a:srgbClr val="000000"/>
-                </a:solidFill>
-                <a:latin typeface="Calibri"/>
-              </a:rPr>
-              <a:t>Analizo</a:t>
-            </a:r>
-            <a:endParaRPr/>
-          </a:p>
-          <a:p>
-            <a:pPr lvl="2">
-              <a:lnSpc>
-                <a:spcPct val="100000"/>
-              </a:lnSpc>
-              <a:buFont typeface="Arial"/>
-              <a:buChar char="•"/>
-            </a:pPr>
-            <a:r>
-              <a:rPr lang="en-US" sz="2000">
-                <a:solidFill>
-                  <a:srgbClr val="000000"/>
-                </a:solidFill>
-                <a:latin typeface="Calibri"/>
-              </a:rPr>
-              <a:t>Suporta: Java, C e C++</a:t>
-            </a:r>
-            <a:endParaRPr/>
-          </a:p>
-          <a:p>
-            <a:pPr lvl="2">
-              <a:lnSpc>
-                <a:spcPct val="100000"/>
-              </a:lnSpc>
-              <a:buFont typeface="Arial"/>
-              <a:buChar char="•"/>
-            </a:pPr>
-            <a:r>
-              <a:rPr lang="en-US" sz="2000">
-                <a:solidFill>
-                  <a:srgbClr val="000000"/>
-                </a:solidFill>
-                <a:latin typeface="Calibri"/>
-              </a:rPr>
-              <a:t>Desenvolvido na UFBA.</a:t>
-            </a:r>
-            <a:endParaRPr/>
-          </a:p>
-          <a:p>
-            <a:pPr lvl="2">
-              <a:lnSpc>
-                <a:spcPct val="100000"/>
-              </a:lnSpc>
-              <a:buFont typeface="Arial"/>
-              <a:buChar char="•"/>
-            </a:pPr>
-            <a:r>
-              <a:rPr lang="en-US" sz="2000">
-                <a:solidFill>
-                  <a:srgbClr val="000000"/>
-                </a:solidFill>
-                <a:latin typeface="Calibri"/>
-              </a:rPr>
-              <a:t>Fornece as métricas: Total de classes abstratas, total do número de classes, etc.</a:t>
-            </a:r>
-            <a:endParaRPr/>
-          </a:p>
-          <a:p>
-            <a:pPr>
-              <a:lnSpc>
-                <a:spcPct val="90000"/>
-              </a:lnSpc>
-              <a:buFont typeface="Arial"/>
-              <a:buChar char="•"/>
-            </a:pPr>
-            <a:r>
-              <a:rPr lang="en-US" sz="2800">
-                <a:solidFill>
-                  <a:srgbClr val="000000"/>
-                </a:solidFill>
-                <a:latin typeface="Calibri"/>
-              </a:rPr>
-              <a:t>FindBugs</a:t>
-            </a:r>
-            <a:endParaRPr/>
-          </a:p>
-          <a:p>
-            <a:pPr lvl="2">
-              <a:lnSpc>
-                <a:spcPct val="100000"/>
-              </a:lnSpc>
-              <a:buFont typeface="Arial"/>
-              <a:buChar char="•"/>
-            </a:pPr>
-            <a:r>
-              <a:rPr lang="en-US" sz="2000">
-                <a:solidFill>
-                  <a:srgbClr val="000000"/>
-                </a:solidFill>
-                <a:latin typeface="Calibri"/>
-              </a:rPr>
-              <a:t>Analisa o código em busca de possíveis bugs.</a:t>
-            </a:r>
-            <a:endParaRPr/>
-          </a:p>
-          <a:p>
-            <a:pPr lvl="2">
-              <a:lnSpc>
-                <a:spcPct val="100000"/>
-              </a:lnSpc>
-              <a:buFont typeface="Arial"/>
-              <a:buChar char="•"/>
-            </a:pPr>
-            <a:r>
-              <a:rPr lang="en-US" sz="2000">
-                <a:solidFill>
-                  <a:srgbClr val="000000"/>
-                </a:solidFill>
-                <a:latin typeface="Calibri"/>
-              </a:rPr>
-              <a:t>Separados por categorias. Ex: Bad practice.</a:t>
-            </a:r>
-            <a:endParaRPr/>
-          </a:p>
-          <a:p>
-            <a:pPr lvl="2">
-              <a:lnSpc>
-                <a:spcPct val="100000"/>
-              </a:lnSpc>
-              <a:buFont typeface="Arial"/>
-              <a:buChar char="•"/>
-            </a:pPr>
-            <a:r>
-              <a:rPr lang="en-US" sz="2000">
-                <a:solidFill>
-                  <a:srgbClr val="000000"/>
-                </a:solidFill>
-                <a:latin typeface="Calibri"/>
-              </a:rPr>
-              <a:t>Tipos de Bugs: CN: Class implements Cloneable but does not define or use clone method</a:t>
-            </a:r>
-            <a:endParaRPr/>
-          </a:p>
-          <a:p>
-            <a:pPr>
-              <a:lnSpc>
-                <a:spcPct val="90000"/>
-              </a:lnSpc>
-              <a:buFont typeface="Arial"/>
-              <a:buChar char="•"/>
-            </a:pPr>
-            <a:r>
-              <a:rPr lang="en-US" sz="2800">
-                <a:solidFill>
-                  <a:srgbClr val="000000"/>
-                </a:solidFill>
-                <a:latin typeface="Calibri"/>
-              </a:rPr>
-              <a:t>PMD</a:t>
-            </a:r>
-            <a:endParaRPr/>
-          </a:p>
-          <a:p>
-            <a:pPr lvl="2">
-              <a:lnSpc>
-                <a:spcPct val="100000"/>
-              </a:lnSpc>
-              <a:buFont typeface="Arial"/>
-              <a:buChar char="•"/>
-            </a:pPr>
-            <a:r>
-              <a:rPr lang="en-US" sz="2000">
-                <a:solidFill>
-                  <a:srgbClr val="000000"/>
-                </a:solidFill>
-                <a:latin typeface="Calibri"/>
-              </a:rPr>
-              <a:t>Violações</a:t>
-            </a:r>
-            <a:endParaRPr/>
-          </a:p>
-          <a:p>
-            <a:pPr lvl="2">
-              <a:lnSpc>
-                <a:spcPct val="100000"/>
-              </a:lnSpc>
-              <a:buFont typeface="Arial"/>
-              <a:buChar char="•"/>
-            </a:pPr>
-            <a:r>
-              <a:rPr lang="en-US" sz="2000">
-                <a:solidFill>
-                  <a:srgbClr val="000000"/>
-                </a:solidFill>
-                <a:latin typeface="Calibri"/>
-              </a:rPr>
-              <a:t>Apresenta as possíveis vi</a:t>
-            </a:r>
-            <a:endParaRPr/>
-          </a:p>
-          <a:p>
-            <a:endParaRPr/>
-          </a:p>
-          <a:p>
-            <a:pPr>
-              <a:lnSpc>
-                <a:spcPct val="100000"/>
-              </a:lnSpc>
-            </a:pPr>
-            <a:r>
-              <a:rPr lang="en-US" sz="2800">
-                <a:solidFill>
-                  <a:srgbClr val="000000"/>
-                </a:solidFill>
-                <a:latin typeface="Calibri"/>
-              </a:rPr>
-              <a:t> </a:t>
             </a:r>
             <a:endParaRPr/>
           </a:p>
@@ -6376,4 +9596,450 @@
     </a:fmtScheme>
   </a:themeElements>
 </a:theme>
+</file>
+
+<file path=ppt/theme/theme4.xml><?xml version="1.0" encoding="utf-8"?>
+<a:theme xmlns:a="http://schemas.openxmlformats.org/drawingml/2006/main" name="Office Theme">
+  <a:themeElements>
+    <a:clrScheme name="Office">
+      <a:dk1>
+        <a:sysClr val="windowText" lastClr="000000"/>
+      </a:dk1>
+      <a:lt1>
+        <a:sysClr val="window" lastClr="FFFFFF"/>
+      </a:lt1>
+      <a:dk2>
+        <a:srgbClr val="1F497D"/>
+      </a:dk2>
+      <a:lt2>
+        <a:srgbClr val="EEECE1"/>
+      </a:lt2>
+      <a:accent1>
+        <a:srgbClr val="4F81BD"/>
+      </a:accent1>
+      <a:accent2>
+        <a:srgbClr val="C0504D"/>
+      </a:accent2>
+      <a:accent3>
+        <a:srgbClr val="9BBB59"/>
+      </a:accent3>
+      <a:accent4>
+        <a:srgbClr val="8064A2"/>
+      </a:accent4>
+      <a:accent5>
+        <a:srgbClr val="4BACC6"/>
+      </a:accent5>
+      <a:accent6>
+        <a:srgbClr val="F79646"/>
+      </a:accent6>
+      <a:hlink>
+        <a:srgbClr val="0000FF"/>
+      </a:hlink>
+      <a:folHlink>
+        <a:srgbClr val="800080"/>
+      </a:folHlink>
+    </a:clrScheme>
+    <a:fontScheme name="Office">
+      <a:majorFont>
+        <a:latin typeface="Arial"/>
+        <a:ea typeface="DejaVu Sans"/>
+        <a:cs typeface="DejaVu Sans"/>
+      </a:majorFont>
+      <a:minorFont>
+        <a:latin typeface="Arial"/>
+        <a:ea typeface="DejaVu Sans"/>
+        <a:cs typeface="DejaVu Sans"/>
+      </a:minorFont>
+    </a:fontScheme>
+    <a:fmtScheme name="Office">
+      <a:fillStyleLst>
+        <a:solidFill>
+          <a:schemeClr val="phClr"/>
+        </a:solidFill>
+        <a:gradFill rotWithShape="1">
+          <a:gsLst>
+            <a:gs pos="0">
+              <a:schemeClr val="phClr">
+                <a:tint val="50000"/>
+                <a:satMod val="300000"/>
+              </a:schemeClr>
+            </a:gs>
+            <a:gs pos="35000">
+              <a:schemeClr val="phClr">
+                <a:tint val="37000"/>
+                <a:satMod val="300000"/>
+              </a:schemeClr>
+            </a:gs>
+            <a:gs pos="100000">
+              <a:schemeClr val="phClr">
+                <a:tint val="15000"/>
+                <a:satMod val="350000"/>
+              </a:schemeClr>
+            </a:gs>
+          </a:gsLst>
+          <a:lin ang="16200000" scaled="1"/>
+        </a:gradFill>
+        <a:gradFill rotWithShape="1">
+          <a:gsLst>
+            <a:gs pos="0">
+              <a:schemeClr val="phClr">
+                <a:shade val="51000"/>
+                <a:satMod val="130000"/>
+              </a:schemeClr>
+            </a:gs>
+            <a:gs pos="80000">
+              <a:schemeClr val="phClr">
+                <a:shade val="93000"/>
+                <a:satMod val="130000"/>
+              </a:schemeClr>
+            </a:gs>
+            <a:gs pos="100000">
+              <a:schemeClr val="phClr">
+                <a:shade val="94000"/>
+                <a:satMod val="135000"/>
+              </a:schemeClr>
+            </a:gs>
+          </a:gsLst>
+          <a:lin ang="16200000" scaled="0"/>
+        </a:gradFill>
+      </a:fillStyleLst>
+      <a:lnStyleLst>
+        <a:ln w="9525" cap="flat" cmpd="sng" algn="ctr">
+          <a:solidFill>
+            <a:schemeClr val="phClr">
+              <a:shade val="95000"/>
+              <a:satMod val="105000"/>
+            </a:schemeClr>
+          </a:solidFill>
+          <a:prstDash val="solid"/>
+        </a:ln>
+        <a:ln w="25400" cap="flat" cmpd="sng" algn="ctr">
+          <a:solidFill>
+            <a:schemeClr val="phClr"/>
+          </a:solidFill>
+          <a:prstDash val="solid"/>
+        </a:ln>
+        <a:ln w="38100" cap="flat" cmpd="sng" algn="ctr">
+          <a:solidFill>
+            <a:schemeClr val="phClr"/>
+          </a:solidFill>
+          <a:prstDash val="solid"/>
+        </a:ln>
+      </a:lnStyleLst>
+      <a:effectStyleLst>
+        <a:effectStyle>
+          <a:effectLst>
+            <a:outerShdw blurRad="40000" dist="20000" dir="5400000" rotWithShape="0">
+              <a:srgbClr val="000000">
+                <a:alpha val="38000"/>
+              </a:srgbClr>
+            </a:outerShdw>
+          </a:effectLst>
+        </a:effectStyle>
+        <a:effectStyle>
+          <a:effectLst>
+            <a:outerShdw blurRad="40000" dist="23000" dir="5400000" rotWithShape="0">
+              <a:srgbClr val="000000">
+                <a:alpha val="35000"/>
+              </a:srgbClr>
+            </a:outerShdw>
+          </a:effectLst>
+        </a:effectStyle>
+        <a:effectStyle>
+          <a:effectLst>
+            <a:outerShdw blurRad="40000" dist="23000" dir="5400000" rotWithShape="0">
+              <a:srgbClr val="000000">
+                <a:alpha val="35000"/>
+              </a:srgbClr>
+            </a:outerShdw>
+          </a:effectLst>
+          <a:scene3d>
+            <a:camera prst="orthographicFront">
+              <a:rot lat="0" lon="0" rev="0"/>
+            </a:camera>
+            <a:lightRig rig="threePt" dir="t">
+              <a:rot lat="0" lon="0" rev="1200000"/>
+            </a:lightRig>
+          </a:scene3d>
+          <a:sp3d>
+            <a:bevelT w="63500" h="25400"/>
+          </a:sp3d>
+        </a:effectStyle>
+      </a:effectStyleLst>
+      <a:bgFillStyleLst>
+        <a:solidFill>
+          <a:schemeClr val="phClr"/>
+        </a:solidFill>
+        <a:gradFill rotWithShape="1">
+          <a:gsLst>
+            <a:gs pos="0">
+              <a:schemeClr val="phClr">
+                <a:tint val="40000"/>
+                <a:satMod val="350000"/>
+              </a:schemeClr>
+            </a:gs>
+            <a:gs pos="40000">
+              <a:schemeClr val="phClr">
+                <a:tint val="45000"/>
+                <a:shade val="99000"/>
+                <a:satMod val="350000"/>
+              </a:schemeClr>
+            </a:gs>
+            <a:gs pos="100000">
+              <a:schemeClr val="phClr">
+                <a:shade val="20000"/>
+                <a:satMod val="255000"/>
+              </a:schemeClr>
+            </a:gs>
+          </a:gsLst>
+          <a:path path="circle">
+            <a:fillToRect l="50000" t="-80000" r="50000" b="180000"/>
+          </a:path>
+        </a:gradFill>
+        <a:gradFill rotWithShape="1">
+          <a:gsLst>
+            <a:gs pos="0">
+              <a:schemeClr val="phClr">
+                <a:tint val="80000"/>
+                <a:satMod val="300000"/>
+              </a:schemeClr>
+            </a:gs>
+            <a:gs pos="100000">
+              <a:schemeClr val="phClr">
+                <a:shade val="30000"/>
+                <a:satMod val="200000"/>
+              </a:schemeClr>
+            </a:gs>
+          </a:gsLst>
+          <a:path path="circle">
+            <a:fillToRect l="50000" t="50000" r="50000" b="50000"/>
+          </a:path>
+        </a:gradFill>
+      </a:bgFillStyleLst>
+    </a:fmtScheme>
+  </a:themeElements>
+</a:theme>
+</file>
+
+<file path=ppt/theme/theme5.xml><?xml version="1.0" encoding="utf-8"?>
+<a:theme xmlns:a="http://schemas.openxmlformats.org/drawingml/2006/main" name="Office Theme">
+  <a:themeElements>
+    <a:clrScheme name="Office">
+      <a:dk1>
+        <a:sysClr val="windowText" lastClr="000000"/>
+      </a:dk1>
+      <a:lt1>
+        <a:sysClr val="window" lastClr="FFFFFF"/>
+      </a:lt1>
+      <a:dk2>
+        <a:srgbClr val="1F497D"/>
+      </a:dk2>
+      <a:lt2>
+        <a:srgbClr val="EEECE1"/>
+      </a:lt2>
+      <a:accent1>
+        <a:srgbClr val="4F81BD"/>
+      </a:accent1>
+      <a:accent2>
+        <a:srgbClr val="C0504D"/>
+      </a:accent2>
+      <a:accent3>
+        <a:srgbClr val="9BBB59"/>
+      </a:accent3>
+      <a:accent4>
+        <a:srgbClr val="8064A2"/>
+      </a:accent4>
+      <a:accent5>
+        <a:srgbClr val="4BACC6"/>
+      </a:accent5>
+      <a:accent6>
+        <a:srgbClr val="F79646"/>
+      </a:accent6>
+      <a:hlink>
+        <a:srgbClr val="0000FF"/>
+      </a:hlink>
+      <a:folHlink>
+        <a:srgbClr val="800080"/>
+      </a:folHlink>
+    </a:clrScheme>
+    <a:fontScheme name="Office">
+      <a:majorFont>
+        <a:latin typeface="Arial"/>
+        <a:ea typeface="DejaVu Sans"/>
+        <a:cs typeface="DejaVu Sans"/>
+      </a:majorFont>
+      <a:minorFont>
+        <a:latin typeface="Arial"/>
+        <a:ea typeface="DejaVu Sans"/>
+        <a:cs typeface="DejaVu Sans"/>
+      </a:minorFont>
+    </a:fontScheme>
+    <a:fmtScheme name="Office">
+      <a:fillStyleLst>
+        <a:solidFill>
+          <a:schemeClr val="phClr"/>
+        </a:solidFill>
+        <a:gradFill rotWithShape="1">
+          <a:gsLst>
+            <a:gs pos="0">
+              <a:schemeClr val="phClr">
+                <a:tint val="50000"/>
+                <a:satMod val="300000"/>
+              </a:schemeClr>
+            </a:gs>
+            <a:gs pos="35000">
+              <a:schemeClr val="phClr">
+                <a:tint val="37000"/>
+                <a:satMod val="300000"/>
+              </a:schemeClr>
+            </a:gs>
+            <a:gs pos="100000">
+              <a:schemeClr val="phClr">
+                <a:tint val="15000"/>
+                <a:satMod val="350000"/>
+              </a:schemeClr>
+            </a:gs>
+          </a:gsLst>
+          <a:lin ang="16200000" scaled="1"/>
+        </a:gradFill>
+        <a:gradFill rotWithShape="1">
+          <a:gsLst>
+            <a:gs pos="0">
+              <a:schemeClr val="phClr">
+                <a:shade val="51000"/>
+                <a:satMod val="130000"/>
+              </a:schemeClr>
+            </a:gs>
+            <a:gs pos="80000">
+              <a:schemeClr val="phClr">
+                <a:shade val="93000"/>
+                <a:satMod val="130000"/>
+              </a:schemeClr>
+            </a:gs>
+            <a:gs pos="100000">
+              <a:schemeClr val="phClr">
+                <a:shade val="94000"/>
+                <a:satMod val="135000"/>
+              </a:schemeClr>
+            </a:gs>
+          </a:gsLst>
+          <a:lin ang="16200000" scaled="0"/>
+        </a:gradFill>
+      </a:fillStyleLst>
+      <a:lnStyleLst>
+        <a:ln w="9525" cap="flat" cmpd="sng" algn="ctr">
+          <a:solidFill>
+            <a:schemeClr val="phClr">
+              <a:shade val="95000"/>
+              <a:satMod val="105000"/>
+            </a:schemeClr>
+          </a:solidFill>
+          <a:prstDash val="solid"/>
+        </a:ln>
+        <a:ln w="25400" cap="flat" cmpd="sng" algn="ctr">
+          <a:solidFill>
+            <a:schemeClr val="phClr"/>
+          </a:solidFill>
+          <a:prstDash val="solid"/>
+        </a:ln>
+        <a:ln w="38100" cap="flat" cmpd="sng" algn="ctr">
+          <a:solidFill>
+            <a:schemeClr val="phClr"/>
+          </a:solidFill>
+          <a:prstDash val="solid"/>
+        </a:ln>
+      </a:lnStyleLst>
+      <a:effectStyleLst>
+        <a:effectStyle>
+          <a:effectLst>
+            <a:outerShdw blurRad="40000" dist="20000" dir="5400000" rotWithShape="0">
+              <a:srgbClr val="000000">
+                <a:alpha val="38000"/>
+              </a:srgbClr>
+            </a:outerShdw>
+          </a:effectLst>
+        </a:effectStyle>
+        <a:effectStyle>
+          <a:effectLst>
+            <a:outerShdw blurRad="40000" dist="23000" dir="5400000" rotWithShape="0">
+              <a:srgbClr val="000000">
+                <a:alpha val="35000"/>
+              </a:srgbClr>
+            </a:outerShdw>
+          </a:effectLst>
+        </a:effectStyle>
+        <a:effectStyle>
+          <a:effectLst>
+            <a:outerShdw blurRad="40000" dist="23000" dir="5400000" rotWithShape="0">
+              <a:srgbClr val="000000">
+                <a:alpha val="35000"/>
+              </a:srgbClr>
+            </a:outerShdw>
+          </a:effectLst>
+          <a:scene3d>
+            <a:camera prst="orthographicFront">
+              <a:rot lat="0" lon="0" rev="0"/>
+            </a:camera>
+            <a:lightRig rig="threePt" dir="t">
+              <a:rot lat="0" lon="0" rev="1200000"/>
+            </a:lightRig>
+          </a:scene3d>
+          <a:sp3d>
+            <a:bevelT w="63500" h="25400"/>
+          </a:sp3d>
+        </a:effectStyle>
+      </a:effectStyleLst>
+      <a:bgFillStyleLst>
+        <a:solidFill>
+          <a:schemeClr val="phClr"/>
+        </a:solidFill>
+        <a:gradFill rotWithShape="1">
+          <a:gsLst>
+            <a:gs pos="0">
+              <a:schemeClr val="phClr">
+                <a:tint val="40000"/>
+                <a:satMod val="350000"/>
+              </a:schemeClr>
+            </a:gs>
+            <a:gs pos="40000">
+              <a:schemeClr val="phClr">
+                <a:tint val="45000"/>
+                <a:shade val="99000"/>
+                <a:satMod val="350000"/>
+              </a:schemeClr>
+            </a:gs>
+            <a:gs pos="100000">
+              <a:schemeClr val="phClr">
+                <a:shade val="20000"/>
+                <a:satMod val="255000"/>
+              </a:schemeClr>
+            </a:gs>
+          </a:gsLst>
+          <a:path path="circle">
+            <a:fillToRect l="50000" t="-80000" r="50000" b="180000"/>
+          </a:path>
+        </a:gradFill>
+        <a:gradFill rotWithShape="1">
+          <a:gsLst>
+            <a:gs pos="0">
+              <a:schemeClr val="phClr">
+                <a:tint val="80000"/>
+                <a:satMod val="300000"/>
+              </a:schemeClr>
+            </a:gs>
+            <a:gs pos="100000">
+              <a:schemeClr val="phClr">
+                <a:shade val="30000"/>
+                <a:satMod val="200000"/>
+              </a:schemeClr>
+            </a:gs>
+          </a:gsLst>
+          <a:path path="circle">
+            <a:fillToRect l="50000" t="50000" r="50000" b="50000"/>
+          </a:path>
+        </a:gradFill>
+      </a:bgFillStyleLst>
+    </a:fmtScheme>
+  </a:themeElements>
+</a:theme>
 </file>